--- a/מצגת.pptx
+++ b/מצגת.pptx
@@ -5,7 +5,7 @@
     <p:sldMasterId id="2147483648" r:id="rId1"/>
   </p:sldMasterIdLst>
   <p:notesMasterIdLst>
-    <p:notesMasterId r:id="rId9"/>
+    <p:notesMasterId r:id="rId8"/>
   </p:notesMasterIdLst>
   <p:sldIdLst>
     <p:sldId id="256" r:id="rId2"/>
@@ -13,8 +13,7 @@
     <p:sldId id="264" r:id="rId4"/>
     <p:sldId id="266" r:id="rId5"/>
     <p:sldId id="265" r:id="rId6"/>
-    <p:sldId id="258" r:id="rId7"/>
-    <p:sldId id="267" r:id="rId8"/>
+    <p:sldId id="267" r:id="rId7"/>
   </p:sldIdLst>
   <p:sldSz cx="12192000" cy="6858000"/>
   <p:notesSz cx="6858000" cy="9144000"/>
@@ -113,6 +112,11 @@
       </a:defRPr>
     </a:lvl9pPr>
   </p:defaultTextStyle>
+  <p:extLst>
+    <p:ext uri="{EFAFB233-063F-42B5-8137-9DF3F51BA10A}">
+      <p15:sldGuideLst xmlns:p15="http://schemas.microsoft.com/office/powerpoint/2012/main"/>
+    </p:ext>
+  </p:extLst>
 </p:presentation>
 </file>
 
@@ -266,7 +270,7 @@
           <a:p>
             <a:fld id="{B2C46940-F930-47E9-98DC-1E12AEB9F35B}" type="datetimeFigureOut">
               <a:rPr lang="en-US" smtClean="0"/>
-              <a:t>6/9/2024</a:t>
+              <a:t>6/10/24</a:t>
             </a:fld>
             <a:endParaRPr lang="en-US"/>
           </a:p>
@@ -330,38 +334,37 @@
           <a:p>
             <a:pPr lvl="0"/>
             <a:r>
-              <a:rPr lang="en-US" smtClean="0"/>
+              <a:rPr lang="en-US"/>
               <a:t>Click to edit Master text styles</a:t>
             </a:r>
           </a:p>
           <a:p>
             <a:pPr lvl="1"/>
             <a:r>
-              <a:rPr lang="en-US" smtClean="0"/>
+              <a:rPr lang="en-US"/>
               <a:t>Second level</a:t>
             </a:r>
           </a:p>
           <a:p>
             <a:pPr lvl="2"/>
             <a:r>
-              <a:rPr lang="en-US" smtClean="0"/>
+              <a:rPr lang="en-US"/>
               <a:t>Third level</a:t>
             </a:r>
           </a:p>
           <a:p>
             <a:pPr lvl="3"/>
             <a:r>
-              <a:rPr lang="en-US" smtClean="0"/>
+              <a:rPr lang="en-US"/>
               <a:t>Fourth level</a:t>
             </a:r>
           </a:p>
           <a:p>
             <a:pPr lvl="4"/>
             <a:r>
-              <a:rPr lang="en-US" smtClean="0"/>
+              <a:rPr lang="en-US"/>
               <a:t>Fifth level</a:t>
             </a:r>
-            <a:endParaRPr lang="en-US"/>
           </a:p>
         </p:txBody>
       </p:sp>
@@ -596,7 +599,7 @@
               <a:defRPr/>
             </a:pPr>
             <a:r>
-              <a:rPr lang="en-US" sz="1200" kern="1200" dirty="0" smtClean="0">
+              <a:rPr lang="en-US" sz="1200" kern="1200" dirty="0">
                 <a:solidFill>
                   <a:schemeClr val="tx1"/>
                 </a:solidFill>
@@ -608,7 +611,7 @@
               <a:t>Our</a:t>
             </a:r>
             <a:r>
-              <a:rPr lang="en-US" sz="1200" kern="1200" baseline="0" dirty="0" smtClean="0">
+              <a:rPr lang="en-US" sz="1200" kern="1200" baseline="0" dirty="0">
                 <a:solidFill>
                   <a:schemeClr val="tx1"/>
                 </a:solidFill>
@@ -620,7 +623,7 @@
               <a:t> </a:t>
             </a:r>
             <a:r>
-              <a:rPr lang="en-US" sz="1200" kern="1200" dirty="0" smtClean="0">
+              <a:rPr lang="en-US" sz="1200" kern="1200" dirty="0">
                 <a:solidFill>
                   <a:schemeClr val="tx1"/>
                 </a:solidFill>
@@ -718,30 +721,30 @@
           <a:lstStyle/>
           <a:p>
             <a:r>
-              <a:rPr lang="en-US" dirty="0" smtClean="0"/>
+              <a:rPr lang="en-US" dirty="0"/>
               <a:t>The network detection feature enables all users to join the hosts' lobby.</a:t>
             </a:r>
           </a:p>
           <a:p>
             <a:r>
-              <a:rPr lang="en-US" dirty="0" smtClean="0"/>
+              <a:rPr lang="en-US" dirty="0"/>
               <a:t>The lobby</a:t>
             </a:r>
             <a:r>
-              <a:rPr lang="en-US" baseline="0" dirty="0" smtClean="0"/>
+              <a:rPr lang="en-US" baseline="0" dirty="0"/>
               <a:t> creating actually creates a server port in the hosts’ device. </a:t>
             </a:r>
           </a:p>
           <a:p>
             <a:r>
-              <a:rPr lang="en-US" baseline="0" dirty="0" smtClean="0"/>
+              <a:rPr lang="en-US" baseline="0" dirty="0"/>
               <a:t>That allows all users to connect to that server.</a:t>
             </a:r>
-            <a:endParaRPr lang="en-US" dirty="0" smtClean="0"/>
-          </a:p>
-          <a:p>
-            <a:r>
-              <a:rPr lang="en-US" sz="1200" kern="1200" dirty="0" smtClean="0">
+            <a:endParaRPr lang="en-US" dirty="0"/>
+          </a:p>
+          <a:p>
+            <a:r>
+              <a:rPr lang="en-US" sz="1200" kern="1200" dirty="0">
                 <a:solidFill>
                   <a:schemeClr val="tx1"/>
                 </a:solidFill>
@@ -755,7 +758,7 @@
           </a:p>
           <a:p>
             <a:r>
-              <a:rPr lang="en-US" sz="1200" kern="1200" dirty="0" smtClean="0">
+              <a:rPr lang="en-US" sz="1200" kern="1200" dirty="0">
                 <a:solidFill>
                   <a:schemeClr val="tx1"/>
                 </a:solidFill>
@@ -767,7 +770,7 @@
               <a:t>Our data</a:t>
             </a:r>
             <a:r>
-              <a:rPr lang="en-US" sz="1200" kern="1200" baseline="0" dirty="0" smtClean="0">
+              <a:rPr lang="en-US" sz="1200" kern="1200" baseline="0" dirty="0">
                 <a:solidFill>
                   <a:schemeClr val="tx1"/>
                 </a:solidFill>
@@ -781,11 +784,11 @@
           </a:p>
           <a:p>
             <a:r>
-              <a:rPr lang="en-US" dirty="0" smtClean="0"/>
+              <a:rPr lang="en-US" dirty="0"/>
               <a:t>The server advertising</a:t>
             </a:r>
             <a:r>
-              <a:rPr lang="en-US" baseline="0" dirty="0" smtClean="0"/>
+              <a:rPr lang="en-US" baseline="0" dirty="0"/>
               <a:t> allows all clients to access that database through the host.</a:t>
             </a:r>
             <a:endParaRPr lang="en-US" dirty="0"/>
@@ -1042,7 +1045,7 @@
           <a:p>
             <a:pPr lvl="0" rtl="0"/>
             <a:r>
-              <a:rPr lang="en-US" sz="1200" kern="1200" dirty="0" smtClean="0">
+              <a:rPr lang="en-US" sz="1200" kern="1200" dirty="0">
                 <a:solidFill>
                   <a:schemeClr val="tx1"/>
                 </a:solidFill>
@@ -1056,7 +1059,7 @@
           </a:p>
           <a:p>
             <a:r>
-              <a:rPr lang="en-US" sz="1200" kern="1200" dirty="0" smtClean="0">
+              <a:rPr lang="en-US" sz="1200" kern="1200" dirty="0">
                 <a:solidFill>
                   <a:schemeClr val="tx1"/>
                 </a:solidFill>
@@ -1091,7 +1094,7 @@
           <a:p>
             <a:fld id="{07A20EE1-F588-4E94-B6E1-1A68F755FB6D}" type="slidenum">
               <a:rPr lang="en-US" smtClean="0"/>
-              <a:t>7</a:t>
+              <a:t>6</a:t>
             </a:fld>
             <a:endParaRPr lang="en-US"/>
           </a:p>
@@ -1152,10 +1155,9 @@
           </a:lstStyle>
           <a:p>
             <a:r>
-              <a:rPr lang="en-US" smtClean="0"/>
+              <a:rPr lang="en-US"/>
               <a:t>Click to edit Master title style</a:t>
             </a:r>
-            <a:endParaRPr lang="en-US"/>
           </a:p>
         </p:txBody>
       </p:sp>
@@ -1217,10 +1219,9 @@
           </a:lstStyle>
           <a:p>
             <a:r>
-              <a:rPr lang="en-US" smtClean="0"/>
+              <a:rPr lang="en-US"/>
               <a:t>Click to edit Master subtitle style</a:t>
             </a:r>
-            <a:endParaRPr lang="en-US"/>
           </a:p>
         </p:txBody>
       </p:sp>
@@ -1241,7 +1242,7 @@
           <a:p>
             <a:fld id="{025084BC-9C32-4510-8AD6-A3E4343D3F09}" type="datetimeFigureOut">
               <a:rPr lang="en-US" smtClean="0"/>
-              <a:t>6/9/2024</a:t>
+              <a:t>6/10/24</a:t>
             </a:fld>
             <a:endParaRPr lang="en-US"/>
           </a:p>
@@ -1335,10 +1336,9 @@
           <a:lstStyle/>
           <a:p>
             <a:r>
-              <a:rPr lang="en-US" smtClean="0"/>
+              <a:rPr lang="en-US"/>
               <a:t>Click to edit Master title style</a:t>
             </a:r>
-            <a:endParaRPr lang="en-US"/>
           </a:p>
         </p:txBody>
       </p:sp>
@@ -1359,38 +1359,37 @@
           <a:p>
             <a:pPr lvl="0"/>
             <a:r>
-              <a:rPr lang="en-US" smtClean="0"/>
+              <a:rPr lang="en-US"/>
               <a:t>Click to edit Master text styles</a:t>
             </a:r>
           </a:p>
           <a:p>
             <a:pPr lvl="1"/>
             <a:r>
-              <a:rPr lang="en-US" smtClean="0"/>
+              <a:rPr lang="en-US"/>
               <a:t>Second level</a:t>
             </a:r>
           </a:p>
           <a:p>
             <a:pPr lvl="2"/>
             <a:r>
-              <a:rPr lang="en-US" smtClean="0"/>
+              <a:rPr lang="en-US"/>
               <a:t>Third level</a:t>
             </a:r>
           </a:p>
           <a:p>
             <a:pPr lvl="3"/>
             <a:r>
-              <a:rPr lang="en-US" smtClean="0"/>
+              <a:rPr lang="en-US"/>
               <a:t>Fourth level</a:t>
             </a:r>
           </a:p>
           <a:p>
             <a:pPr lvl="4"/>
             <a:r>
-              <a:rPr lang="en-US" smtClean="0"/>
+              <a:rPr lang="en-US"/>
               <a:t>Fifth level</a:t>
             </a:r>
-            <a:endParaRPr lang="en-US"/>
           </a:p>
         </p:txBody>
       </p:sp>
@@ -1411,7 +1410,7 @@
           <a:p>
             <a:fld id="{025084BC-9C32-4510-8AD6-A3E4343D3F09}" type="datetimeFigureOut">
               <a:rPr lang="en-US" smtClean="0"/>
-              <a:t>6/9/2024</a:t>
+              <a:t>6/10/24</a:t>
             </a:fld>
             <a:endParaRPr lang="en-US"/>
           </a:p>
@@ -1510,10 +1509,9 @@
           <a:lstStyle/>
           <a:p>
             <a:r>
-              <a:rPr lang="en-US" smtClean="0"/>
+              <a:rPr lang="en-US"/>
               <a:t>Click to edit Master title style</a:t>
             </a:r>
-            <a:endParaRPr lang="en-US"/>
           </a:p>
         </p:txBody>
       </p:sp>
@@ -1539,38 +1537,37 @@
           <a:p>
             <a:pPr lvl="0"/>
             <a:r>
-              <a:rPr lang="en-US" smtClean="0"/>
+              <a:rPr lang="en-US"/>
               <a:t>Click to edit Master text styles</a:t>
             </a:r>
           </a:p>
           <a:p>
             <a:pPr lvl="1"/>
             <a:r>
-              <a:rPr lang="en-US" smtClean="0"/>
+              <a:rPr lang="en-US"/>
               <a:t>Second level</a:t>
             </a:r>
           </a:p>
           <a:p>
             <a:pPr lvl="2"/>
             <a:r>
-              <a:rPr lang="en-US" smtClean="0"/>
+              <a:rPr lang="en-US"/>
               <a:t>Third level</a:t>
             </a:r>
           </a:p>
           <a:p>
             <a:pPr lvl="3"/>
             <a:r>
-              <a:rPr lang="en-US" smtClean="0"/>
+              <a:rPr lang="en-US"/>
               <a:t>Fourth level</a:t>
             </a:r>
           </a:p>
           <a:p>
             <a:pPr lvl="4"/>
             <a:r>
-              <a:rPr lang="en-US" smtClean="0"/>
+              <a:rPr lang="en-US"/>
               <a:t>Fifth level</a:t>
             </a:r>
-            <a:endParaRPr lang="en-US"/>
           </a:p>
         </p:txBody>
       </p:sp>
@@ -1591,7 +1588,7 @@
           <a:p>
             <a:fld id="{025084BC-9C32-4510-8AD6-A3E4343D3F09}" type="datetimeFigureOut">
               <a:rPr lang="en-US" smtClean="0"/>
-              <a:t>6/9/2024</a:t>
+              <a:t>6/10/24</a:t>
             </a:fld>
             <a:endParaRPr lang="en-US"/>
           </a:p>
@@ -1685,10 +1682,9 @@
           <a:lstStyle/>
           <a:p>
             <a:r>
-              <a:rPr lang="en-US" smtClean="0"/>
+              <a:rPr lang="en-US"/>
               <a:t>Click to edit Master title style</a:t>
             </a:r>
-            <a:endParaRPr lang="en-US"/>
           </a:p>
         </p:txBody>
       </p:sp>
@@ -1709,38 +1705,37 @@
           <a:p>
             <a:pPr lvl="0"/>
             <a:r>
-              <a:rPr lang="en-US" smtClean="0"/>
+              <a:rPr lang="en-US"/>
               <a:t>Click to edit Master text styles</a:t>
             </a:r>
           </a:p>
           <a:p>
             <a:pPr lvl="1"/>
             <a:r>
-              <a:rPr lang="en-US" smtClean="0"/>
+              <a:rPr lang="en-US"/>
               <a:t>Second level</a:t>
             </a:r>
           </a:p>
           <a:p>
             <a:pPr lvl="2"/>
             <a:r>
-              <a:rPr lang="en-US" smtClean="0"/>
+              <a:rPr lang="en-US"/>
               <a:t>Third level</a:t>
             </a:r>
           </a:p>
           <a:p>
             <a:pPr lvl="3"/>
             <a:r>
-              <a:rPr lang="en-US" smtClean="0"/>
+              <a:rPr lang="en-US"/>
               <a:t>Fourth level</a:t>
             </a:r>
           </a:p>
           <a:p>
             <a:pPr lvl="4"/>
             <a:r>
-              <a:rPr lang="en-US" smtClean="0"/>
+              <a:rPr lang="en-US"/>
               <a:t>Fifth level</a:t>
             </a:r>
-            <a:endParaRPr lang="en-US"/>
           </a:p>
         </p:txBody>
       </p:sp>
@@ -1761,7 +1756,7 @@
           <a:p>
             <a:fld id="{025084BC-9C32-4510-8AD6-A3E4343D3F09}" type="datetimeFigureOut">
               <a:rPr lang="en-US" smtClean="0"/>
-              <a:t>6/9/2024</a:t>
+              <a:t>6/10/24</a:t>
             </a:fld>
             <a:endParaRPr lang="en-US"/>
           </a:p>
@@ -1864,10 +1859,9 @@
           </a:lstStyle>
           <a:p>
             <a:r>
-              <a:rPr lang="en-US" smtClean="0"/>
+              <a:rPr lang="en-US"/>
               <a:t>Click to edit Master title style</a:t>
             </a:r>
-            <a:endParaRPr lang="en-US"/>
           </a:p>
         </p:txBody>
       </p:sp>
@@ -1984,7 +1978,7 @@
           <a:p>
             <a:pPr lvl="0"/>
             <a:r>
-              <a:rPr lang="en-US" smtClean="0"/>
+              <a:rPr lang="en-US"/>
               <a:t>Click to edit Master text styles</a:t>
             </a:r>
           </a:p>
@@ -2007,7 +2001,7 @@
           <a:p>
             <a:fld id="{025084BC-9C32-4510-8AD6-A3E4343D3F09}" type="datetimeFigureOut">
               <a:rPr lang="en-US" smtClean="0"/>
-              <a:t>6/9/2024</a:t>
+              <a:t>6/10/24</a:t>
             </a:fld>
             <a:endParaRPr lang="en-US"/>
           </a:p>
@@ -2101,10 +2095,9 @@
           <a:lstStyle/>
           <a:p>
             <a:r>
-              <a:rPr lang="en-US" smtClean="0"/>
+              <a:rPr lang="en-US"/>
               <a:t>Click to edit Master title style</a:t>
             </a:r>
-            <a:endParaRPr lang="en-US"/>
           </a:p>
         </p:txBody>
       </p:sp>
@@ -2130,38 +2123,37 @@
           <a:p>
             <a:pPr lvl="0"/>
             <a:r>
-              <a:rPr lang="en-US" smtClean="0"/>
+              <a:rPr lang="en-US"/>
               <a:t>Click to edit Master text styles</a:t>
             </a:r>
           </a:p>
           <a:p>
             <a:pPr lvl="1"/>
             <a:r>
-              <a:rPr lang="en-US" smtClean="0"/>
+              <a:rPr lang="en-US"/>
               <a:t>Second level</a:t>
             </a:r>
           </a:p>
           <a:p>
             <a:pPr lvl="2"/>
             <a:r>
-              <a:rPr lang="en-US" smtClean="0"/>
+              <a:rPr lang="en-US"/>
               <a:t>Third level</a:t>
             </a:r>
           </a:p>
           <a:p>
             <a:pPr lvl="3"/>
             <a:r>
-              <a:rPr lang="en-US" smtClean="0"/>
+              <a:rPr lang="en-US"/>
               <a:t>Fourth level</a:t>
             </a:r>
           </a:p>
           <a:p>
             <a:pPr lvl="4"/>
             <a:r>
-              <a:rPr lang="en-US" smtClean="0"/>
+              <a:rPr lang="en-US"/>
               <a:t>Fifth level</a:t>
             </a:r>
-            <a:endParaRPr lang="en-US"/>
           </a:p>
         </p:txBody>
       </p:sp>
@@ -2187,38 +2179,37 @@
           <a:p>
             <a:pPr lvl="0"/>
             <a:r>
-              <a:rPr lang="en-US" smtClean="0"/>
+              <a:rPr lang="en-US"/>
               <a:t>Click to edit Master text styles</a:t>
             </a:r>
           </a:p>
           <a:p>
             <a:pPr lvl="1"/>
             <a:r>
-              <a:rPr lang="en-US" smtClean="0"/>
+              <a:rPr lang="en-US"/>
               <a:t>Second level</a:t>
             </a:r>
           </a:p>
           <a:p>
             <a:pPr lvl="2"/>
             <a:r>
-              <a:rPr lang="en-US" smtClean="0"/>
+              <a:rPr lang="en-US"/>
               <a:t>Third level</a:t>
             </a:r>
           </a:p>
           <a:p>
             <a:pPr lvl="3"/>
             <a:r>
-              <a:rPr lang="en-US" smtClean="0"/>
+              <a:rPr lang="en-US"/>
               <a:t>Fourth level</a:t>
             </a:r>
           </a:p>
           <a:p>
             <a:pPr lvl="4"/>
             <a:r>
-              <a:rPr lang="en-US" smtClean="0"/>
+              <a:rPr lang="en-US"/>
               <a:t>Fifth level</a:t>
             </a:r>
-            <a:endParaRPr lang="en-US"/>
           </a:p>
         </p:txBody>
       </p:sp>
@@ -2239,7 +2230,7 @@
           <a:p>
             <a:fld id="{025084BC-9C32-4510-8AD6-A3E4343D3F09}" type="datetimeFigureOut">
               <a:rPr lang="en-US" smtClean="0"/>
-              <a:t>6/9/2024</a:t>
+              <a:t>6/10/24</a:t>
             </a:fld>
             <a:endParaRPr lang="en-US"/>
           </a:p>
@@ -2338,10 +2329,9 @@
           <a:lstStyle/>
           <a:p>
             <a:r>
-              <a:rPr lang="en-US" smtClean="0"/>
+              <a:rPr lang="en-US"/>
               <a:t>Click to edit Master title style</a:t>
             </a:r>
-            <a:endParaRPr lang="en-US"/>
           </a:p>
         </p:txBody>
       </p:sp>
@@ -2404,7 +2394,7 @@
           <a:p>
             <a:pPr lvl="0"/>
             <a:r>
-              <a:rPr lang="en-US" smtClean="0"/>
+              <a:rPr lang="en-US"/>
               <a:t>Click to edit Master text styles</a:t>
             </a:r>
           </a:p>
@@ -2432,38 +2422,37 @@
           <a:p>
             <a:pPr lvl="0"/>
             <a:r>
-              <a:rPr lang="en-US" smtClean="0"/>
+              <a:rPr lang="en-US"/>
               <a:t>Click to edit Master text styles</a:t>
             </a:r>
           </a:p>
           <a:p>
             <a:pPr lvl="1"/>
             <a:r>
-              <a:rPr lang="en-US" smtClean="0"/>
+              <a:rPr lang="en-US"/>
               <a:t>Second level</a:t>
             </a:r>
           </a:p>
           <a:p>
             <a:pPr lvl="2"/>
             <a:r>
-              <a:rPr lang="en-US" smtClean="0"/>
+              <a:rPr lang="en-US"/>
               <a:t>Third level</a:t>
             </a:r>
           </a:p>
           <a:p>
             <a:pPr lvl="3"/>
             <a:r>
-              <a:rPr lang="en-US" smtClean="0"/>
+              <a:rPr lang="en-US"/>
               <a:t>Fourth level</a:t>
             </a:r>
           </a:p>
           <a:p>
             <a:pPr lvl="4"/>
             <a:r>
-              <a:rPr lang="en-US" smtClean="0"/>
+              <a:rPr lang="en-US"/>
               <a:t>Fifth level</a:t>
             </a:r>
-            <a:endParaRPr lang="en-US"/>
           </a:p>
         </p:txBody>
       </p:sp>
@@ -2526,7 +2515,7 @@
           <a:p>
             <a:pPr lvl="0"/>
             <a:r>
-              <a:rPr lang="en-US" smtClean="0"/>
+              <a:rPr lang="en-US"/>
               <a:t>Click to edit Master text styles</a:t>
             </a:r>
           </a:p>
@@ -2554,38 +2543,37 @@
           <a:p>
             <a:pPr lvl="0"/>
             <a:r>
-              <a:rPr lang="en-US" smtClean="0"/>
+              <a:rPr lang="en-US"/>
               <a:t>Click to edit Master text styles</a:t>
             </a:r>
           </a:p>
           <a:p>
             <a:pPr lvl="1"/>
             <a:r>
-              <a:rPr lang="en-US" smtClean="0"/>
+              <a:rPr lang="en-US"/>
               <a:t>Second level</a:t>
             </a:r>
           </a:p>
           <a:p>
             <a:pPr lvl="2"/>
             <a:r>
-              <a:rPr lang="en-US" smtClean="0"/>
+              <a:rPr lang="en-US"/>
               <a:t>Third level</a:t>
             </a:r>
           </a:p>
           <a:p>
             <a:pPr lvl="3"/>
             <a:r>
-              <a:rPr lang="en-US" smtClean="0"/>
+              <a:rPr lang="en-US"/>
               <a:t>Fourth level</a:t>
             </a:r>
           </a:p>
           <a:p>
             <a:pPr lvl="4"/>
             <a:r>
-              <a:rPr lang="en-US" smtClean="0"/>
+              <a:rPr lang="en-US"/>
               <a:t>Fifth level</a:t>
             </a:r>
-            <a:endParaRPr lang="en-US"/>
           </a:p>
         </p:txBody>
       </p:sp>
@@ -2606,7 +2594,7 @@
           <a:p>
             <a:fld id="{025084BC-9C32-4510-8AD6-A3E4343D3F09}" type="datetimeFigureOut">
               <a:rPr lang="en-US" smtClean="0"/>
-              <a:t>6/9/2024</a:t>
+              <a:t>6/10/24</a:t>
             </a:fld>
             <a:endParaRPr lang="en-US"/>
           </a:p>
@@ -2700,10 +2688,9 @@
           <a:lstStyle/>
           <a:p>
             <a:r>
-              <a:rPr lang="en-US" smtClean="0"/>
+              <a:rPr lang="en-US"/>
               <a:t>Click to edit Master title style</a:t>
             </a:r>
-            <a:endParaRPr lang="en-US"/>
           </a:p>
         </p:txBody>
       </p:sp>
@@ -2724,7 +2711,7 @@
           <a:p>
             <a:fld id="{025084BC-9C32-4510-8AD6-A3E4343D3F09}" type="datetimeFigureOut">
               <a:rPr lang="en-US" smtClean="0"/>
-              <a:t>6/9/2024</a:t>
+              <a:t>6/10/24</a:t>
             </a:fld>
             <a:endParaRPr lang="en-US"/>
           </a:p>
@@ -2819,7 +2806,7 @@
           <a:p>
             <a:fld id="{025084BC-9C32-4510-8AD6-A3E4343D3F09}" type="datetimeFigureOut">
               <a:rPr lang="en-US" smtClean="0"/>
-              <a:t>6/9/2024</a:t>
+              <a:t>6/10/24</a:t>
             </a:fld>
             <a:endParaRPr lang="en-US"/>
           </a:p>
@@ -2922,10 +2909,9 @@
           </a:lstStyle>
           <a:p>
             <a:r>
-              <a:rPr lang="en-US" smtClean="0"/>
+              <a:rPr lang="en-US"/>
               <a:t>Click to edit Master title style</a:t>
             </a:r>
-            <a:endParaRPr lang="en-US"/>
           </a:p>
         </p:txBody>
       </p:sp>
@@ -2979,38 +2965,37 @@
           <a:p>
             <a:pPr lvl="0"/>
             <a:r>
-              <a:rPr lang="en-US" smtClean="0"/>
+              <a:rPr lang="en-US"/>
               <a:t>Click to edit Master text styles</a:t>
             </a:r>
           </a:p>
           <a:p>
             <a:pPr lvl="1"/>
             <a:r>
-              <a:rPr lang="en-US" smtClean="0"/>
+              <a:rPr lang="en-US"/>
               <a:t>Second level</a:t>
             </a:r>
           </a:p>
           <a:p>
             <a:pPr lvl="2"/>
             <a:r>
-              <a:rPr lang="en-US" smtClean="0"/>
+              <a:rPr lang="en-US"/>
               <a:t>Third level</a:t>
             </a:r>
           </a:p>
           <a:p>
             <a:pPr lvl="3"/>
             <a:r>
-              <a:rPr lang="en-US" smtClean="0"/>
+              <a:rPr lang="en-US"/>
               <a:t>Fourth level</a:t>
             </a:r>
           </a:p>
           <a:p>
             <a:pPr lvl="4"/>
             <a:r>
-              <a:rPr lang="en-US" smtClean="0"/>
+              <a:rPr lang="en-US"/>
               <a:t>Fifth level</a:t>
             </a:r>
-            <a:endParaRPr lang="en-US"/>
           </a:p>
         </p:txBody>
       </p:sp>
@@ -3073,7 +3058,7 @@
           <a:p>
             <a:pPr lvl="0"/>
             <a:r>
-              <a:rPr lang="en-US" smtClean="0"/>
+              <a:rPr lang="en-US"/>
               <a:t>Click to edit Master text styles</a:t>
             </a:r>
           </a:p>
@@ -3096,7 +3081,7 @@
           <a:p>
             <a:fld id="{025084BC-9C32-4510-8AD6-A3E4343D3F09}" type="datetimeFigureOut">
               <a:rPr lang="en-US" smtClean="0"/>
-              <a:t>6/9/2024</a:t>
+              <a:t>6/10/24</a:t>
             </a:fld>
             <a:endParaRPr lang="en-US"/>
           </a:p>
@@ -3199,10 +3184,9 @@
           </a:lstStyle>
           <a:p>
             <a:r>
-              <a:rPr lang="en-US" smtClean="0"/>
+              <a:rPr lang="en-US"/>
               <a:t>Click to edit Master title style</a:t>
             </a:r>
-            <a:endParaRPr lang="en-US"/>
           </a:p>
         </p:txBody>
       </p:sp>
@@ -3326,7 +3310,7 @@
           <a:p>
             <a:pPr lvl="0"/>
             <a:r>
-              <a:rPr lang="en-US" smtClean="0"/>
+              <a:rPr lang="en-US"/>
               <a:t>Click to edit Master text styles</a:t>
             </a:r>
           </a:p>
@@ -3349,7 +3333,7 @@
           <a:p>
             <a:fld id="{025084BC-9C32-4510-8AD6-A3E4343D3F09}" type="datetimeFigureOut">
               <a:rPr lang="en-US" smtClean="0"/>
-              <a:t>6/9/2024</a:t>
+              <a:t>6/10/24</a:t>
             </a:fld>
             <a:endParaRPr lang="en-US"/>
           </a:p>
@@ -3458,10 +3442,9 @@
           <a:lstStyle/>
           <a:p>
             <a:r>
-              <a:rPr lang="en-US" smtClean="0"/>
+              <a:rPr lang="en-US"/>
               <a:t>Click to edit Master title style</a:t>
             </a:r>
-            <a:endParaRPr lang="en-US"/>
           </a:p>
         </p:txBody>
       </p:sp>
@@ -3492,38 +3475,37 @@
           <a:p>
             <a:pPr lvl="0"/>
             <a:r>
-              <a:rPr lang="en-US" smtClean="0"/>
+              <a:rPr lang="en-US"/>
               <a:t>Click to edit Master text styles</a:t>
             </a:r>
           </a:p>
           <a:p>
             <a:pPr lvl="1"/>
             <a:r>
-              <a:rPr lang="en-US" smtClean="0"/>
+              <a:rPr lang="en-US"/>
               <a:t>Second level</a:t>
             </a:r>
           </a:p>
           <a:p>
             <a:pPr lvl="2"/>
             <a:r>
-              <a:rPr lang="en-US" smtClean="0"/>
+              <a:rPr lang="en-US"/>
               <a:t>Third level</a:t>
             </a:r>
           </a:p>
           <a:p>
             <a:pPr lvl="3"/>
             <a:r>
-              <a:rPr lang="en-US" smtClean="0"/>
+              <a:rPr lang="en-US"/>
               <a:t>Fourth level</a:t>
             </a:r>
           </a:p>
           <a:p>
             <a:pPr lvl="4"/>
             <a:r>
-              <a:rPr lang="en-US" smtClean="0"/>
+              <a:rPr lang="en-US"/>
               <a:t>Fifth level</a:t>
             </a:r>
-            <a:endParaRPr lang="en-US"/>
           </a:p>
         </p:txBody>
       </p:sp>
@@ -3562,7 +3544,7 @@
           <a:p>
             <a:fld id="{025084BC-9C32-4510-8AD6-A3E4343D3F09}" type="datetimeFigureOut">
               <a:rPr lang="en-US" smtClean="0"/>
-              <a:t>6/9/2024</a:t>
+              <a:t>6/10/24</a:t>
             </a:fld>
             <a:endParaRPr lang="en-US"/>
           </a:p>
@@ -3991,13 +3973,6 @@
   <p:clrMapOvr>
     <a:masterClrMapping/>
   </p:clrMapOvr>
-  <p:timing>
-    <p:tnLst>
-      <p:par>
-        <p:cTn id="1" dur="indefinite" restart="never" nodeType="tmRoot"/>
-      </p:par>
-    </p:tnLst>
-  </p:timing>
 </p:sld>
 </file>
 
@@ -4227,7 +4202,7 @@
           </a:lstStyle>
           <a:p>
             <a:r>
-              <a:rPr lang="en-US" dirty="0" smtClean="0"/>
+              <a:rPr lang="en-US" dirty="0"/>
               <a:t>The Connect &amp; Bet game lets you play casino games with your friends by simply connecting from the same room.</a:t>
             </a:r>
           </a:p>
@@ -4428,7 +4403,7 @@
           </a:lstStyle>
           <a:p>
             <a:r>
-              <a:rPr lang="en-US" dirty="0" smtClean="0"/>
+              <a:rPr lang="en-US" dirty="0"/>
               <a:t>All you need to do, is to enter your username, and join the party.</a:t>
             </a:r>
           </a:p>
@@ -4629,7 +4604,7 @@
           </a:lstStyle>
           <a:p>
             <a:r>
-              <a:rPr lang="en-US" dirty="0" smtClean="0"/>
+              <a:rPr lang="en-US" dirty="0"/>
               <a:t>Together, you will play our diverse casino games</a:t>
             </a:r>
           </a:p>
@@ -4645,13 +4620,6 @@
   <p:clrMapOvr>
     <a:masterClrMapping/>
   </p:clrMapOvr>
-  <p:timing>
-    <p:tnLst>
-      <p:par>
-        <p:cTn id="1" dur="indefinite" restart="never" nodeType="tmRoot"/>
-      </p:par>
-    </p:tnLst>
-  </p:timing>
 </p:sld>
 </file>
 
@@ -4881,7 +4849,7 @@
           </a:lstStyle>
           <a:p>
             <a:r>
-              <a:rPr lang="en-US" dirty="0" smtClean="0"/>
+              <a:rPr lang="en-US" dirty="0"/>
               <a:t>Through our network detection feature, all members join the lobby, to communication with each other.</a:t>
             </a:r>
           </a:p>
@@ -5082,7 +5050,7 @@
           </a:lstStyle>
           <a:p>
             <a:r>
-              <a:rPr lang="en-US" dirty="0" smtClean="0"/>
+              <a:rPr lang="en-US" dirty="0"/>
               <a:t>By being nearby the host, it will let you play offline, smooth, and fast!</a:t>
             </a:r>
           </a:p>
@@ -5286,7 +5254,7 @@
               <a:buNone/>
             </a:pPr>
             <a:r>
-              <a:rPr lang="en-US" dirty="0" smtClean="0"/>
+              <a:rPr lang="en-US" dirty="0"/>
               <a:t>Networking…</a:t>
             </a:r>
           </a:p>
@@ -5302,13 +5270,6 @@
   <p:clrMapOvr>
     <a:masterClrMapping/>
   </p:clrMapOvr>
-  <p:timing>
-    <p:tnLst>
-      <p:par>
-        <p:cTn id="1" dur="indefinite" restart="never" nodeType="tmRoot"/>
-      </p:par>
-    </p:tnLst>
-  </p:timing>
 </p:sld>
 </file>
 
@@ -5353,8 +5314,8 @@
         </p:nvSpPr>
         <p:spPr>
           <a:xfrm>
-            <a:off x="590291" y="1657006"/>
-            <a:ext cx="10550460" cy="979359"/>
+            <a:off x="590291" y="1035904"/>
+            <a:ext cx="10550460" cy="1727546"/>
           </a:xfrm>
           <a:prstGeom prst="rect">
             <a:avLst/>
@@ -5370,7 +5331,7 @@
         </p:spPr>
         <p:txBody>
           <a:bodyPr vert="horz" lIns="91440" tIns="45720" rIns="91440" bIns="45720" rtlCol="0">
-            <a:normAutofit/>
+            <a:normAutofit fontScale="92500" lnSpcReduction="20000"/>
           </a:bodyPr>
           <a:lstStyle>
             <a:lvl1pPr marL="228600" indent="-228600" algn="l" defTabSz="914400" rtl="0" eaLnBrk="1" latinLnBrk="0" hangingPunct="1">
@@ -5537,7 +5498,36 @@
             </a:lvl9pPr>
           </a:lstStyle>
           <a:p>
-            <a:endParaRPr lang="en-US" dirty="0" smtClean="0"/>
+            <a:pPr marL="228600" indent="-228600" algn="l" defTabSz="914400" rtl="0" eaLnBrk="1" latinLnBrk="0" hangingPunct="1">
+              <a:lnSpc>
+                <a:spcPct val="90000"/>
+              </a:lnSpc>
+              <a:spcBef>
+                <a:spcPts val="1000"/>
+              </a:spcBef>
+              <a:buFont typeface="Arial" panose="020B0604020202020204" pitchFamily="34" charset="0"/>
+              <a:buChar char="•"/>
+            </a:pPr>
+            <a:r>
+              <a:rPr lang="en-US" dirty="0"/>
+              <a:t>Each player has his own spot near the table, which will be displayed (as the player’s character point of view) on the player’s own device.</a:t>
+            </a:r>
+          </a:p>
+          <a:p>
+            <a:pPr marL="228600" indent="-228600" algn="l" defTabSz="914400" rtl="0" eaLnBrk="1" latinLnBrk="0" hangingPunct="1">
+              <a:lnSpc>
+                <a:spcPct val="90000"/>
+              </a:lnSpc>
+              <a:spcBef>
+                <a:spcPts val="1000"/>
+              </a:spcBef>
+              <a:buFont typeface="Arial" panose="020B0604020202020204" pitchFamily="34" charset="0"/>
+              <a:buChar char="•"/>
+            </a:pPr>
+            <a:r>
+              <a:rPr lang="en-US" dirty="0"/>
+              <a:t>During the game, only the player that currently has the turn, will be shown the “play menu”, while the other players will only see the “turn timer” and their own user account’s balance.</a:t>
+            </a:r>
           </a:p>
         </p:txBody>
       </p:sp>
@@ -5739,7 +5729,7 @@
               <a:buNone/>
             </a:pPr>
             <a:r>
-              <a:rPr lang="en-US" dirty="0" smtClean="0"/>
+              <a:rPr lang="en-US" dirty="0"/>
               <a:t>Real casino experience </a:t>
             </a:r>
           </a:p>
@@ -5788,13 +5778,6 @@
   <p:clrMapOvr>
     <a:masterClrMapping/>
   </p:clrMapOvr>
-  <p:timing>
-    <p:tnLst>
-      <p:par>
-        <p:cTn id="1" dur="indefinite" restart="never" nodeType="tmRoot"/>
-      </p:par>
-    </p:tnLst>
-  </p:timing>
 </p:sld>
 </file>
 
@@ -6024,18 +6007,9 @@
           </a:lstStyle>
           <a:p>
             <a:r>
-              <a:rPr lang="en-US" dirty="0" smtClean="0"/>
-              <a:t>Our casino games contains a </a:t>
-            </a:r>
-            <a:r>
-              <a:rPr lang="en-US" dirty="0" err="1" smtClean="0"/>
-              <a:t>BlackJack</a:t>
-            </a:r>
-            <a:r>
-              <a:rPr lang="en-US" dirty="0" smtClean="0"/>
-              <a:t> game, which demonstrate a real feeling of playing blackjack in a casino.</a:t>
-            </a:r>
-            <a:endParaRPr lang="en-US" dirty="0" smtClean="0"/>
+              <a:rPr lang="en-US" dirty="0"/>
+              <a:t>Our casino games contains a Blackjack game, which demonstrate a real feeling of playing blackjack in a casino.</a:t>
+            </a:r>
           </a:p>
         </p:txBody>
       </p:sp>
@@ -6050,7 +6024,7 @@
         <p:spPr>
           <a:xfrm>
             <a:off x="590291" y="5726419"/>
-            <a:ext cx="10550460" cy="621685"/>
+            <a:ext cx="10550460" cy="782882"/>
           </a:xfrm>
           <a:prstGeom prst="rect">
             <a:avLst/>
@@ -6066,7 +6040,7 @@
         </p:spPr>
         <p:txBody>
           <a:bodyPr vert="horz" lIns="91440" tIns="45720" rIns="91440" bIns="45720" rtlCol="0">
-            <a:normAutofit/>
+            <a:normAutofit fontScale="70000" lnSpcReduction="20000"/>
           </a:bodyPr>
           <a:lstStyle>
             <a:lvl1pPr marL="228600" indent="-228600" algn="l" defTabSz="914400" rtl="0" eaLnBrk="1" latinLnBrk="0" hangingPunct="1">
@@ -6233,7 +6207,10 @@
             </a:lvl9pPr>
           </a:lstStyle>
           <a:p>
-            <a:endParaRPr lang="en-US" dirty="0" smtClean="0"/>
+            <a:r>
+              <a:rPr lang="en-US" dirty="0"/>
+              <a:t>While each player will see their character’s point of view, the device that owned by the host will show the whole table’s currant state, so every player can see the other players (and the dealer’s) cards, characters, and moves in real time, just like in a real-life casino’s Blackjack table.</a:t>
+            </a:r>
           </a:p>
         </p:txBody>
       </p:sp>
@@ -6435,8 +6412,8 @@
               <a:buNone/>
             </a:pPr>
             <a:r>
-              <a:rPr lang="en-US" dirty="0" smtClean="0"/>
-              <a:t>Black Jack</a:t>
+              <a:rPr lang="en-US" dirty="0"/>
+              <a:t>Blackjack</a:t>
             </a:r>
           </a:p>
         </p:txBody>
@@ -6484,703 +6461,10 @@
   <p:clrMapOvr>
     <a:masterClrMapping/>
   </p:clrMapOvr>
-  <p:timing>
-    <p:tnLst>
-      <p:par>
-        <p:cTn id="1" dur="indefinite" restart="never" nodeType="tmRoot"/>
-      </p:par>
-    </p:tnLst>
-  </p:timing>
 </p:sld>
 </file>
 
 <file path=ppt/slides/slide6.xml><?xml version="1.0" encoding="utf-8"?>
-<p:sld xmlns:a="http://schemas.openxmlformats.org/drawingml/2006/main" xmlns:r="http://schemas.openxmlformats.org/officeDocument/2006/relationships" xmlns:p="http://schemas.openxmlformats.org/presentationml/2006/main">
-  <p:cSld>
-    <p:spTree>
-      <p:nvGrpSpPr>
-        <p:cNvPr id="1" name=""/>
-        <p:cNvGrpSpPr/>
-        <p:nvPr/>
-      </p:nvGrpSpPr>
-      <p:grpSpPr>
-        <a:xfrm>
-          <a:off x="0" y="0"/>
-          <a:ext cx="0" cy="0"/>
-          <a:chOff x="0" y="0"/>
-          <a:chExt cx="0" cy="0"/>
-        </a:xfrm>
-      </p:grpSpPr>
-      <p:pic>
-        <p:nvPicPr>
-          <p:cNvPr id="4" name="תמונה 11"/>
-          <p:cNvPicPr>
-            <a:picLocks noGrp="1"/>
-          </p:cNvPicPr>
-          <p:nvPr>
-            <p:ph idx="1"/>
-          </p:nvPr>
-        </p:nvPicPr>
-        <p:blipFill>
-          <a:blip r:embed="rId2" cstate="print">
-            <a:extLst>
-              <a:ext uri="{28A0092B-C50C-407E-A947-70E740481C1C}">
-                <a14:useLocalDpi xmlns:a14="http://schemas.microsoft.com/office/drawing/2010/main" val="0"/>
-              </a:ext>
-            </a:extLst>
-          </a:blip>
-          <a:srcRect/>
-          <a:stretch>
-            <a:fillRect/>
-          </a:stretch>
-        </p:blipFill>
-        <p:spPr bwMode="auto">
-          <a:xfrm>
-            <a:off x="0" y="-101597"/>
-            <a:ext cx="12192000" cy="7478419"/>
-          </a:xfrm>
-          <a:prstGeom prst="rect">
-            <a:avLst/>
-          </a:prstGeom>
-          <a:noFill/>
-          <a:ln>
-            <a:noFill/>
-          </a:ln>
-        </p:spPr>
-      </p:pic>
-      <p:sp>
-        <p:nvSpPr>
-          <p:cNvPr id="6" name="Content Placeholder 2"/>
-          <p:cNvSpPr txBox="1">
-            <a:spLocks/>
-          </p:cNvSpPr>
-          <p:nvPr/>
-        </p:nvSpPr>
-        <p:spPr>
-          <a:xfrm>
-            <a:off x="590291" y="2211521"/>
-            <a:ext cx="10550460" cy="979359"/>
-          </a:xfrm>
-          <a:prstGeom prst="rect">
-            <a:avLst/>
-          </a:prstGeom>
-          <a:solidFill>
-            <a:schemeClr val="bg1">
-              <a:alpha val="79000"/>
-            </a:schemeClr>
-          </a:solidFill>
-          <a:effectLst>
-            <a:reflection endPos="0" dist="50800" dir="5400000" sy="-100000" algn="bl" rotWithShape="0"/>
-          </a:effectLst>
-        </p:spPr>
-        <p:txBody>
-          <a:bodyPr vert="horz" lIns="91440" tIns="45720" rIns="91440" bIns="45720" rtlCol="0">
-            <a:normAutofit/>
-          </a:bodyPr>
-          <a:lstStyle>
-            <a:lvl1pPr marL="228600" indent="-228600" algn="l" defTabSz="914400" rtl="0" eaLnBrk="1" latinLnBrk="0" hangingPunct="1">
-              <a:lnSpc>
-                <a:spcPct val="90000"/>
-              </a:lnSpc>
-              <a:spcBef>
-                <a:spcPts val="1000"/>
-              </a:spcBef>
-              <a:buFont typeface="Arial" panose="020B0604020202020204" pitchFamily="34" charset="0"/>
-              <a:buChar char="•"/>
-              <a:defRPr sz="2800" kern="1200">
-                <a:solidFill>
-                  <a:schemeClr val="tx1"/>
-                </a:solidFill>
-                <a:latin typeface="+mn-lt"/>
-                <a:ea typeface="+mn-ea"/>
-                <a:cs typeface="+mn-cs"/>
-              </a:defRPr>
-            </a:lvl1pPr>
-            <a:lvl2pPr marL="685800" indent="-228600" algn="l" defTabSz="914400" rtl="0" eaLnBrk="1" latinLnBrk="0" hangingPunct="1">
-              <a:lnSpc>
-                <a:spcPct val="90000"/>
-              </a:lnSpc>
-              <a:spcBef>
-                <a:spcPts val="500"/>
-              </a:spcBef>
-              <a:buFont typeface="Arial" panose="020B0604020202020204" pitchFamily="34" charset="0"/>
-              <a:buChar char="•"/>
-              <a:defRPr sz="2400" kern="1200">
-                <a:solidFill>
-                  <a:schemeClr val="tx1"/>
-                </a:solidFill>
-                <a:latin typeface="+mn-lt"/>
-                <a:ea typeface="+mn-ea"/>
-                <a:cs typeface="+mn-cs"/>
-              </a:defRPr>
-            </a:lvl2pPr>
-            <a:lvl3pPr marL="1143000" indent="-228600" algn="l" defTabSz="914400" rtl="0" eaLnBrk="1" latinLnBrk="0" hangingPunct="1">
-              <a:lnSpc>
-                <a:spcPct val="90000"/>
-              </a:lnSpc>
-              <a:spcBef>
-                <a:spcPts val="500"/>
-              </a:spcBef>
-              <a:buFont typeface="Arial" panose="020B0604020202020204" pitchFamily="34" charset="0"/>
-              <a:buChar char="•"/>
-              <a:defRPr sz="2000" kern="1200">
-                <a:solidFill>
-                  <a:schemeClr val="tx1"/>
-                </a:solidFill>
-                <a:latin typeface="+mn-lt"/>
-                <a:ea typeface="+mn-ea"/>
-                <a:cs typeface="+mn-cs"/>
-              </a:defRPr>
-            </a:lvl3pPr>
-            <a:lvl4pPr marL="1600200" indent="-228600" algn="l" defTabSz="914400" rtl="0" eaLnBrk="1" latinLnBrk="0" hangingPunct="1">
-              <a:lnSpc>
-                <a:spcPct val="90000"/>
-              </a:lnSpc>
-              <a:spcBef>
-                <a:spcPts val="500"/>
-              </a:spcBef>
-              <a:buFont typeface="Arial" panose="020B0604020202020204" pitchFamily="34" charset="0"/>
-              <a:buChar char="•"/>
-              <a:defRPr sz="1800" kern="1200">
-                <a:solidFill>
-                  <a:schemeClr val="tx1"/>
-                </a:solidFill>
-                <a:latin typeface="+mn-lt"/>
-                <a:ea typeface="+mn-ea"/>
-                <a:cs typeface="+mn-cs"/>
-              </a:defRPr>
-            </a:lvl4pPr>
-            <a:lvl5pPr marL="2057400" indent="-228600" algn="l" defTabSz="914400" rtl="0" eaLnBrk="1" latinLnBrk="0" hangingPunct="1">
-              <a:lnSpc>
-                <a:spcPct val="90000"/>
-              </a:lnSpc>
-              <a:spcBef>
-                <a:spcPts val="500"/>
-              </a:spcBef>
-              <a:buFont typeface="Arial" panose="020B0604020202020204" pitchFamily="34" charset="0"/>
-              <a:buChar char="•"/>
-              <a:defRPr sz="1800" kern="1200">
-                <a:solidFill>
-                  <a:schemeClr val="tx1"/>
-                </a:solidFill>
-                <a:latin typeface="+mn-lt"/>
-                <a:ea typeface="+mn-ea"/>
-                <a:cs typeface="+mn-cs"/>
-              </a:defRPr>
-            </a:lvl5pPr>
-            <a:lvl6pPr marL="2514600" indent="-228600" algn="l" defTabSz="914400" rtl="0" eaLnBrk="1" latinLnBrk="0" hangingPunct="1">
-              <a:lnSpc>
-                <a:spcPct val="90000"/>
-              </a:lnSpc>
-              <a:spcBef>
-                <a:spcPts val="500"/>
-              </a:spcBef>
-              <a:buFont typeface="Arial" panose="020B0604020202020204" pitchFamily="34" charset="0"/>
-              <a:buChar char="•"/>
-              <a:defRPr sz="1800" kern="1200">
-                <a:solidFill>
-                  <a:schemeClr val="tx1"/>
-                </a:solidFill>
-                <a:latin typeface="+mn-lt"/>
-                <a:ea typeface="+mn-ea"/>
-                <a:cs typeface="+mn-cs"/>
-              </a:defRPr>
-            </a:lvl6pPr>
-            <a:lvl7pPr marL="2971800" indent="-228600" algn="l" defTabSz="914400" rtl="0" eaLnBrk="1" latinLnBrk="0" hangingPunct="1">
-              <a:lnSpc>
-                <a:spcPct val="90000"/>
-              </a:lnSpc>
-              <a:spcBef>
-                <a:spcPts val="500"/>
-              </a:spcBef>
-              <a:buFont typeface="Arial" panose="020B0604020202020204" pitchFamily="34" charset="0"/>
-              <a:buChar char="•"/>
-              <a:defRPr sz="1800" kern="1200">
-                <a:solidFill>
-                  <a:schemeClr val="tx1"/>
-                </a:solidFill>
-                <a:latin typeface="+mn-lt"/>
-                <a:ea typeface="+mn-ea"/>
-                <a:cs typeface="+mn-cs"/>
-              </a:defRPr>
-            </a:lvl7pPr>
-            <a:lvl8pPr marL="3429000" indent="-228600" algn="l" defTabSz="914400" rtl="0" eaLnBrk="1" latinLnBrk="0" hangingPunct="1">
-              <a:lnSpc>
-                <a:spcPct val="90000"/>
-              </a:lnSpc>
-              <a:spcBef>
-                <a:spcPts val="500"/>
-              </a:spcBef>
-              <a:buFont typeface="Arial" panose="020B0604020202020204" pitchFamily="34" charset="0"/>
-              <a:buChar char="•"/>
-              <a:defRPr sz="1800" kern="1200">
-                <a:solidFill>
-                  <a:schemeClr val="tx1"/>
-                </a:solidFill>
-                <a:latin typeface="+mn-lt"/>
-                <a:ea typeface="+mn-ea"/>
-                <a:cs typeface="+mn-cs"/>
-              </a:defRPr>
-            </a:lvl8pPr>
-            <a:lvl9pPr marL="3886200" indent="-228600" algn="l" defTabSz="914400" rtl="0" eaLnBrk="1" latinLnBrk="0" hangingPunct="1">
-              <a:lnSpc>
-                <a:spcPct val="90000"/>
-              </a:lnSpc>
-              <a:spcBef>
-                <a:spcPts val="500"/>
-              </a:spcBef>
-              <a:buFont typeface="Arial" panose="020B0604020202020204" pitchFamily="34" charset="0"/>
-              <a:buChar char="•"/>
-              <a:defRPr sz="1800" kern="1200">
-                <a:solidFill>
-                  <a:schemeClr val="tx1"/>
-                </a:solidFill>
-                <a:latin typeface="+mn-lt"/>
-                <a:ea typeface="+mn-ea"/>
-                <a:cs typeface="+mn-cs"/>
-              </a:defRPr>
-            </a:lvl9pPr>
-          </a:lstStyle>
-          <a:p>
-            <a:r>
-              <a:rPr lang="en-US" dirty="0" smtClean="0"/>
-              <a:t>Our casino games contains a </a:t>
-            </a:r>
-            <a:r>
-              <a:rPr lang="en-US" dirty="0" err="1" smtClean="0"/>
-              <a:t>BlackJack</a:t>
-            </a:r>
-            <a:r>
-              <a:rPr lang="en-US" dirty="0" smtClean="0"/>
-              <a:t> game, which demonstrate a real feeling of playing blackjack in a casino.</a:t>
-            </a:r>
-            <a:endParaRPr lang="en-US" dirty="0" smtClean="0"/>
-          </a:p>
-        </p:txBody>
-      </p:sp>
-      <p:sp>
-        <p:nvSpPr>
-          <p:cNvPr id="7" name="Content Placeholder 2"/>
-          <p:cNvSpPr txBox="1">
-            <a:spLocks/>
-          </p:cNvSpPr>
-          <p:nvPr/>
-        </p:nvSpPr>
-        <p:spPr>
-          <a:xfrm>
-            <a:off x="590291" y="5726419"/>
-            <a:ext cx="10550460" cy="621685"/>
-          </a:xfrm>
-          <a:prstGeom prst="rect">
-            <a:avLst/>
-          </a:prstGeom>
-          <a:solidFill>
-            <a:schemeClr val="bg1">
-              <a:alpha val="79000"/>
-            </a:schemeClr>
-          </a:solidFill>
-          <a:effectLst>
-            <a:reflection endPos="0" dist="50800" dir="5400000" sy="-100000" algn="bl" rotWithShape="0"/>
-          </a:effectLst>
-        </p:spPr>
-        <p:txBody>
-          <a:bodyPr vert="horz" lIns="91440" tIns="45720" rIns="91440" bIns="45720" rtlCol="0">
-            <a:normAutofit/>
-          </a:bodyPr>
-          <a:lstStyle>
-            <a:lvl1pPr marL="228600" indent="-228600" algn="l" defTabSz="914400" rtl="0" eaLnBrk="1" latinLnBrk="0" hangingPunct="1">
-              <a:lnSpc>
-                <a:spcPct val="90000"/>
-              </a:lnSpc>
-              <a:spcBef>
-                <a:spcPts val="1000"/>
-              </a:spcBef>
-              <a:buFont typeface="Arial" panose="020B0604020202020204" pitchFamily="34" charset="0"/>
-              <a:buChar char="•"/>
-              <a:defRPr sz="2800" kern="1200">
-                <a:solidFill>
-                  <a:schemeClr val="tx1"/>
-                </a:solidFill>
-                <a:latin typeface="+mn-lt"/>
-                <a:ea typeface="+mn-ea"/>
-                <a:cs typeface="+mn-cs"/>
-              </a:defRPr>
-            </a:lvl1pPr>
-            <a:lvl2pPr marL="685800" indent="-228600" algn="l" defTabSz="914400" rtl="0" eaLnBrk="1" latinLnBrk="0" hangingPunct="1">
-              <a:lnSpc>
-                <a:spcPct val="90000"/>
-              </a:lnSpc>
-              <a:spcBef>
-                <a:spcPts val="500"/>
-              </a:spcBef>
-              <a:buFont typeface="Arial" panose="020B0604020202020204" pitchFamily="34" charset="0"/>
-              <a:buChar char="•"/>
-              <a:defRPr sz="2400" kern="1200">
-                <a:solidFill>
-                  <a:schemeClr val="tx1"/>
-                </a:solidFill>
-                <a:latin typeface="+mn-lt"/>
-                <a:ea typeface="+mn-ea"/>
-                <a:cs typeface="+mn-cs"/>
-              </a:defRPr>
-            </a:lvl2pPr>
-            <a:lvl3pPr marL="1143000" indent="-228600" algn="l" defTabSz="914400" rtl="0" eaLnBrk="1" latinLnBrk="0" hangingPunct="1">
-              <a:lnSpc>
-                <a:spcPct val="90000"/>
-              </a:lnSpc>
-              <a:spcBef>
-                <a:spcPts val="500"/>
-              </a:spcBef>
-              <a:buFont typeface="Arial" panose="020B0604020202020204" pitchFamily="34" charset="0"/>
-              <a:buChar char="•"/>
-              <a:defRPr sz="2000" kern="1200">
-                <a:solidFill>
-                  <a:schemeClr val="tx1"/>
-                </a:solidFill>
-                <a:latin typeface="+mn-lt"/>
-                <a:ea typeface="+mn-ea"/>
-                <a:cs typeface="+mn-cs"/>
-              </a:defRPr>
-            </a:lvl3pPr>
-            <a:lvl4pPr marL="1600200" indent="-228600" algn="l" defTabSz="914400" rtl="0" eaLnBrk="1" latinLnBrk="0" hangingPunct="1">
-              <a:lnSpc>
-                <a:spcPct val="90000"/>
-              </a:lnSpc>
-              <a:spcBef>
-                <a:spcPts val="500"/>
-              </a:spcBef>
-              <a:buFont typeface="Arial" panose="020B0604020202020204" pitchFamily="34" charset="0"/>
-              <a:buChar char="•"/>
-              <a:defRPr sz="1800" kern="1200">
-                <a:solidFill>
-                  <a:schemeClr val="tx1"/>
-                </a:solidFill>
-                <a:latin typeface="+mn-lt"/>
-                <a:ea typeface="+mn-ea"/>
-                <a:cs typeface="+mn-cs"/>
-              </a:defRPr>
-            </a:lvl4pPr>
-            <a:lvl5pPr marL="2057400" indent="-228600" algn="l" defTabSz="914400" rtl="0" eaLnBrk="1" latinLnBrk="0" hangingPunct="1">
-              <a:lnSpc>
-                <a:spcPct val="90000"/>
-              </a:lnSpc>
-              <a:spcBef>
-                <a:spcPts val="500"/>
-              </a:spcBef>
-              <a:buFont typeface="Arial" panose="020B0604020202020204" pitchFamily="34" charset="0"/>
-              <a:buChar char="•"/>
-              <a:defRPr sz="1800" kern="1200">
-                <a:solidFill>
-                  <a:schemeClr val="tx1"/>
-                </a:solidFill>
-                <a:latin typeface="+mn-lt"/>
-                <a:ea typeface="+mn-ea"/>
-                <a:cs typeface="+mn-cs"/>
-              </a:defRPr>
-            </a:lvl5pPr>
-            <a:lvl6pPr marL="2514600" indent="-228600" algn="l" defTabSz="914400" rtl="0" eaLnBrk="1" latinLnBrk="0" hangingPunct="1">
-              <a:lnSpc>
-                <a:spcPct val="90000"/>
-              </a:lnSpc>
-              <a:spcBef>
-                <a:spcPts val="500"/>
-              </a:spcBef>
-              <a:buFont typeface="Arial" panose="020B0604020202020204" pitchFamily="34" charset="0"/>
-              <a:buChar char="•"/>
-              <a:defRPr sz="1800" kern="1200">
-                <a:solidFill>
-                  <a:schemeClr val="tx1"/>
-                </a:solidFill>
-                <a:latin typeface="+mn-lt"/>
-                <a:ea typeface="+mn-ea"/>
-                <a:cs typeface="+mn-cs"/>
-              </a:defRPr>
-            </a:lvl6pPr>
-            <a:lvl7pPr marL="2971800" indent="-228600" algn="l" defTabSz="914400" rtl="0" eaLnBrk="1" latinLnBrk="0" hangingPunct="1">
-              <a:lnSpc>
-                <a:spcPct val="90000"/>
-              </a:lnSpc>
-              <a:spcBef>
-                <a:spcPts val="500"/>
-              </a:spcBef>
-              <a:buFont typeface="Arial" panose="020B0604020202020204" pitchFamily="34" charset="0"/>
-              <a:buChar char="•"/>
-              <a:defRPr sz="1800" kern="1200">
-                <a:solidFill>
-                  <a:schemeClr val="tx1"/>
-                </a:solidFill>
-                <a:latin typeface="+mn-lt"/>
-                <a:ea typeface="+mn-ea"/>
-                <a:cs typeface="+mn-cs"/>
-              </a:defRPr>
-            </a:lvl7pPr>
-            <a:lvl8pPr marL="3429000" indent="-228600" algn="l" defTabSz="914400" rtl="0" eaLnBrk="1" latinLnBrk="0" hangingPunct="1">
-              <a:lnSpc>
-                <a:spcPct val="90000"/>
-              </a:lnSpc>
-              <a:spcBef>
-                <a:spcPts val="500"/>
-              </a:spcBef>
-              <a:buFont typeface="Arial" panose="020B0604020202020204" pitchFamily="34" charset="0"/>
-              <a:buChar char="•"/>
-              <a:defRPr sz="1800" kern="1200">
-                <a:solidFill>
-                  <a:schemeClr val="tx1"/>
-                </a:solidFill>
-                <a:latin typeface="+mn-lt"/>
-                <a:ea typeface="+mn-ea"/>
-                <a:cs typeface="+mn-cs"/>
-              </a:defRPr>
-            </a:lvl8pPr>
-            <a:lvl9pPr marL="3886200" indent="-228600" algn="l" defTabSz="914400" rtl="0" eaLnBrk="1" latinLnBrk="0" hangingPunct="1">
-              <a:lnSpc>
-                <a:spcPct val="90000"/>
-              </a:lnSpc>
-              <a:spcBef>
-                <a:spcPts val="500"/>
-              </a:spcBef>
-              <a:buFont typeface="Arial" panose="020B0604020202020204" pitchFamily="34" charset="0"/>
-              <a:buChar char="•"/>
-              <a:defRPr sz="1800" kern="1200">
-                <a:solidFill>
-                  <a:schemeClr val="tx1"/>
-                </a:solidFill>
-                <a:latin typeface="+mn-lt"/>
-                <a:ea typeface="+mn-ea"/>
-                <a:cs typeface="+mn-cs"/>
-              </a:defRPr>
-            </a:lvl9pPr>
-          </a:lstStyle>
-          <a:p>
-            <a:endParaRPr lang="en-US" dirty="0" smtClean="0"/>
-          </a:p>
-        </p:txBody>
-      </p:sp>
-      <p:sp>
-        <p:nvSpPr>
-          <p:cNvPr id="8" name="Content Placeholder 2"/>
-          <p:cNvSpPr txBox="1">
-            <a:spLocks/>
-          </p:cNvSpPr>
-          <p:nvPr/>
-        </p:nvSpPr>
-        <p:spPr>
-          <a:xfrm>
-            <a:off x="590291" y="348699"/>
-            <a:ext cx="10550460" cy="528380"/>
-          </a:xfrm>
-          <a:prstGeom prst="rect">
-            <a:avLst/>
-          </a:prstGeom>
-          <a:solidFill>
-            <a:schemeClr val="bg1">
-              <a:alpha val="79000"/>
-            </a:schemeClr>
-          </a:solidFill>
-          <a:effectLst>
-            <a:reflection endPos="0" dist="50800" dir="5400000" sy="-100000" algn="bl" rotWithShape="0"/>
-          </a:effectLst>
-        </p:spPr>
-        <p:txBody>
-          <a:bodyPr vert="horz" lIns="91440" tIns="45720" rIns="91440" bIns="45720" rtlCol="0">
-            <a:normAutofit/>
-          </a:bodyPr>
-          <a:lstStyle>
-            <a:lvl1pPr marL="228600" indent="-228600" algn="l" defTabSz="914400" rtl="0" eaLnBrk="1" latinLnBrk="0" hangingPunct="1">
-              <a:lnSpc>
-                <a:spcPct val="90000"/>
-              </a:lnSpc>
-              <a:spcBef>
-                <a:spcPts val="1000"/>
-              </a:spcBef>
-              <a:buFont typeface="Arial" panose="020B0604020202020204" pitchFamily="34" charset="0"/>
-              <a:buChar char="•"/>
-              <a:defRPr sz="2800" kern="1200">
-                <a:solidFill>
-                  <a:schemeClr val="tx1"/>
-                </a:solidFill>
-                <a:latin typeface="+mn-lt"/>
-                <a:ea typeface="+mn-ea"/>
-                <a:cs typeface="+mn-cs"/>
-              </a:defRPr>
-            </a:lvl1pPr>
-            <a:lvl2pPr marL="685800" indent="-228600" algn="l" defTabSz="914400" rtl="0" eaLnBrk="1" latinLnBrk="0" hangingPunct="1">
-              <a:lnSpc>
-                <a:spcPct val="90000"/>
-              </a:lnSpc>
-              <a:spcBef>
-                <a:spcPts val="500"/>
-              </a:spcBef>
-              <a:buFont typeface="Arial" panose="020B0604020202020204" pitchFamily="34" charset="0"/>
-              <a:buChar char="•"/>
-              <a:defRPr sz="2400" kern="1200">
-                <a:solidFill>
-                  <a:schemeClr val="tx1"/>
-                </a:solidFill>
-                <a:latin typeface="+mn-lt"/>
-                <a:ea typeface="+mn-ea"/>
-                <a:cs typeface="+mn-cs"/>
-              </a:defRPr>
-            </a:lvl2pPr>
-            <a:lvl3pPr marL="1143000" indent="-228600" algn="l" defTabSz="914400" rtl="0" eaLnBrk="1" latinLnBrk="0" hangingPunct="1">
-              <a:lnSpc>
-                <a:spcPct val="90000"/>
-              </a:lnSpc>
-              <a:spcBef>
-                <a:spcPts val="500"/>
-              </a:spcBef>
-              <a:buFont typeface="Arial" panose="020B0604020202020204" pitchFamily="34" charset="0"/>
-              <a:buChar char="•"/>
-              <a:defRPr sz="2000" kern="1200">
-                <a:solidFill>
-                  <a:schemeClr val="tx1"/>
-                </a:solidFill>
-                <a:latin typeface="+mn-lt"/>
-                <a:ea typeface="+mn-ea"/>
-                <a:cs typeface="+mn-cs"/>
-              </a:defRPr>
-            </a:lvl3pPr>
-            <a:lvl4pPr marL="1600200" indent="-228600" algn="l" defTabSz="914400" rtl="0" eaLnBrk="1" latinLnBrk="0" hangingPunct="1">
-              <a:lnSpc>
-                <a:spcPct val="90000"/>
-              </a:lnSpc>
-              <a:spcBef>
-                <a:spcPts val="500"/>
-              </a:spcBef>
-              <a:buFont typeface="Arial" panose="020B0604020202020204" pitchFamily="34" charset="0"/>
-              <a:buChar char="•"/>
-              <a:defRPr sz="1800" kern="1200">
-                <a:solidFill>
-                  <a:schemeClr val="tx1"/>
-                </a:solidFill>
-                <a:latin typeface="+mn-lt"/>
-                <a:ea typeface="+mn-ea"/>
-                <a:cs typeface="+mn-cs"/>
-              </a:defRPr>
-            </a:lvl4pPr>
-            <a:lvl5pPr marL="2057400" indent="-228600" algn="l" defTabSz="914400" rtl="0" eaLnBrk="1" latinLnBrk="0" hangingPunct="1">
-              <a:lnSpc>
-                <a:spcPct val="90000"/>
-              </a:lnSpc>
-              <a:spcBef>
-                <a:spcPts val="500"/>
-              </a:spcBef>
-              <a:buFont typeface="Arial" panose="020B0604020202020204" pitchFamily="34" charset="0"/>
-              <a:buChar char="•"/>
-              <a:defRPr sz="1800" kern="1200">
-                <a:solidFill>
-                  <a:schemeClr val="tx1"/>
-                </a:solidFill>
-                <a:latin typeface="+mn-lt"/>
-                <a:ea typeface="+mn-ea"/>
-                <a:cs typeface="+mn-cs"/>
-              </a:defRPr>
-            </a:lvl5pPr>
-            <a:lvl6pPr marL="2514600" indent="-228600" algn="l" defTabSz="914400" rtl="0" eaLnBrk="1" latinLnBrk="0" hangingPunct="1">
-              <a:lnSpc>
-                <a:spcPct val="90000"/>
-              </a:lnSpc>
-              <a:spcBef>
-                <a:spcPts val="500"/>
-              </a:spcBef>
-              <a:buFont typeface="Arial" panose="020B0604020202020204" pitchFamily="34" charset="0"/>
-              <a:buChar char="•"/>
-              <a:defRPr sz="1800" kern="1200">
-                <a:solidFill>
-                  <a:schemeClr val="tx1"/>
-                </a:solidFill>
-                <a:latin typeface="+mn-lt"/>
-                <a:ea typeface="+mn-ea"/>
-                <a:cs typeface="+mn-cs"/>
-              </a:defRPr>
-            </a:lvl6pPr>
-            <a:lvl7pPr marL="2971800" indent="-228600" algn="l" defTabSz="914400" rtl="0" eaLnBrk="1" latinLnBrk="0" hangingPunct="1">
-              <a:lnSpc>
-                <a:spcPct val="90000"/>
-              </a:lnSpc>
-              <a:spcBef>
-                <a:spcPts val="500"/>
-              </a:spcBef>
-              <a:buFont typeface="Arial" panose="020B0604020202020204" pitchFamily="34" charset="0"/>
-              <a:buChar char="•"/>
-              <a:defRPr sz="1800" kern="1200">
-                <a:solidFill>
-                  <a:schemeClr val="tx1"/>
-                </a:solidFill>
-                <a:latin typeface="+mn-lt"/>
-                <a:ea typeface="+mn-ea"/>
-                <a:cs typeface="+mn-cs"/>
-              </a:defRPr>
-            </a:lvl7pPr>
-            <a:lvl8pPr marL="3429000" indent="-228600" algn="l" defTabSz="914400" rtl="0" eaLnBrk="1" latinLnBrk="0" hangingPunct="1">
-              <a:lnSpc>
-                <a:spcPct val="90000"/>
-              </a:lnSpc>
-              <a:spcBef>
-                <a:spcPts val="500"/>
-              </a:spcBef>
-              <a:buFont typeface="Arial" panose="020B0604020202020204" pitchFamily="34" charset="0"/>
-              <a:buChar char="•"/>
-              <a:defRPr sz="1800" kern="1200">
-                <a:solidFill>
-                  <a:schemeClr val="tx1"/>
-                </a:solidFill>
-                <a:latin typeface="+mn-lt"/>
-                <a:ea typeface="+mn-ea"/>
-                <a:cs typeface="+mn-cs"/>
-              </a:defRPr>
-            </a:lvl8pPr>
-            <a:lvl9pPr marL="3886200" indent="-228600" algn="l" defTabSz="914400" rtl="0" eaLnBrk="1" latinLnBrk="0" hangingPunct="1">
-              <a:lnSpc>
-                <a:spcPct val="90000"/>
-              </a:lnSpc>
-              <a:spcBef>
-                <a:spcPts val="500"/>
-              </a:spcBef>
-              <a:buFont typeface="Arial" panose="020B0604020202020204" pitchFamily="34" charset="0"/>
-              <a:buChar char="•"/>
-              <a:defRPr sz="1800" kern="1200">
-                <a:solidFill>
-                  <a:schemeClr val="tx1"/>
-                </a:solidFill>
-                <a:latin typeface="+mn-lt"/>
-                <a:ea typeface="+mn-ea"/>
-                <a:cs typeface="+mn-cs"/>
-              </a:defRPr>
-            </a:lvl9pPr>
-          </a:lstStyle>
-          <a:p>
-            <a:pPr marL="0" indent="0" algn="ctr">
-              <a:buNone/>
-            </a:pPr>
-            <a:r>
-              <a:rPr lang="en-US" dirty="0" smtClean="0"/>
-              <a:t>Black Jack</a:t>
-            </a:r>
-          </a:p>
-        </p:txBody>
-      </p:sp>
-    </p:spTree>
-    <p:extLst>
-      <p:ext uri="{BB962C8B-B14F-4D97-AF65-F5344CB8AC3E}">
-        <p14:creationId xmlns:p14="http://schemas.microsoft.com/office/powerpoint/2010/main" val="678727795"/>
-      </p:ext>
-    </p:extLst>
-  </p:cSld>
-  <p:clrMapOvr>
-    <a:masterClrMapping/>
-  </p:clrMapOvr>
-  <p:timing>
-    <p:tnLst>
-      <p:par>
-        <p:cTn id="1" dur="indefinite" restart="never" nodeType="tmRoot"/>
-      </p:par>
-    </p:tnLst>
-  </p:timing>
-</p:sld>
-</file>
-
-<file path=ppt/slides/slide7.xml><?xml version="1.0" encoding="utf-8"?>
 <p:sld xmlns:a="http://schemas.openxmlformats.org/drawingml/2006/main" xmlns:r="http://schemas.openxmlformats.org/officeDocument/2006/relationships" xmlns:p="http://schemas.openxmlformats.org/presentationml/2006/main">
   <p:cSld>
     <p:bg>
@@ -7406,14 +6690,9 @@
           </a:lstStyle>
           <a:p>
             <a:r>
-              <a:rPr lang="en-US" dirty="0" smtClean="0"/>
-              <a:t>Authentic </a:t>
-            </a:r>
-            <a:r>
               <a:rPr lang="en-US" dirty="0"/>
-              <a:t>casino experience </a:t>
-            </a:r>
-            <a:endParaRPr lang="en-US" dirty="0" smtClean="0"/>
+              <a:t>Authentic casino experience </a:t>
+            </a:r>
           </a:p>
         </p:txBody>
       </p:sp>
@@ -7612,16 +6891,8 @@
           </a:lstStyle>
           <a:p>
             <a:r>
-              <a:rPr lang="en-US" dirty="0" smtClean="0"/>
-              <a:t>Swiftly </a:t>
-            </a:r>
-            <a:r>
               <a:rPr lang="en-US" dirty="0"/>
-              <a:t>connect and enjoy the excitement of the casino with </a:t>
-            </a:r>
-            <a:r>
-              <a:rPr lang="en-US" dirty="0" smtClean="0"/>
-              <a:t>friends</a:t>
+              <a:t>Swiftly connect and enjoy the excitement of the casino with friends</a:t>
             </a:r>
           </a:p>
         </p:txBody>
@@ -7824,7 +7095,7 @@
               <a:buNone/>
             </a:pPr>
             <a:r>
-              <a:rPr lang="en-US" dirty="0" smtClean="0"/>
+              <a:rPr lang="en-US" dirty="0"/>
               <a:t>Summary</a:t>
             </a:r>
           </a:p>
@@ -7840,13 +7111,6 @@
   <p:clrMapOvr>
     <a:masterClrMapping/>
   </p:clrMapOvr>
-  <p:timing>
-    <p:tnLst>
-      <p:par>
-        <p:cTn id="1" dur="indefinite" restart="never" nodeType="tmRoot"/>
-      </p:par>
-    </p:tnLst>
-  </p:timing>
 </p:sld>
 </file>
 

--- a/מצגת.pptx
+++ b/מצגת.pptx
@@ -5,15 +5,17 @@
     <p:sldMasterId id="2147483648" r:id="rId1"/>
   </p:sldMasterIdLst>
   <p:notesMasterIdLst>
-    <p:notesMasterId r:id="rId8"/>
+    <p:notesMasterId r:id="rId10"/>
   </p:notesMasterIdLst>
   <p:sldIdLst>
     <p:sldId id="256" r:id="rId2"/>
     <p:sldId id="263" r:id="rId3"/>
     <p:sldId id="264" r:id="rId4"/>
-    <p:sldId id="266" r:id="rId5"/>
-    <p:sldId id="265" r:id="rId6"/>
-    <p:sldId id="267" r:id="rId7"/>
+    <p:sldId id="268" r:id="rId5"/>
+    <p:sldId id="269" r:id="rId6"/>
+    <p:sldId id="266" r:id="rId7"/>
+    <p:sldId id="265" r:id="rId8"/>
+    <p:sldId id="267" r:id="rId9"/>
   </p:sldIdLst>
   <p:sldSz cx="12192000" cy="6858000"/>
   <p:notesSz cx="6858000" cy="9144000"/>
@@ -270,7 +272,7 @@
           <a:p>
             <a:fld id="{B2C46940-F930-47E9-98DC-1E12AEB9F35B}" type="datetimeFigureOut">
               <a:rPr lang="en-US" smtClean="0"/>
-              <a:t>6/10/24</a:t>
+              <a:t>6/10/2024</a:t>
             </a:fld>
             <a:endParaRPr lang="en-US"/>
           </a:p>
@@ -556,7 +558,7 @@
       </p:grpSpPr>
       <p:sp>
         <p:nvSpPr>
-          <p:cNvPr id="2" name="Slide Image Placeholder 1"/>
+          <p:cNvPr id="2" name="מציין מיקום של תמונת שקופית 1"/>
           <p:cNvSpPr>
             <a:spLocks noGrp="1" noRot="1" noChangeAspect="1"/>
           </p:cNvSpPr>
@@ -568,7 +570,7 @@
       </p:sp>
       <p:sp>
         <p:nvSpPr>
-          <p:cNvPr id="3" name="Notes Placeholder 2"/>
+          <p:cNvPr id="3" name="מציין מיקום של הערות 2"/>
           <p:cNvSpPr>
             <a:spLocks noGrp="1"/>
           </p:cNvSpPr>
@@ -599,6 +601,39 @@
               <a:defRPr/>
             </a:pPr>
             <a:r>
+              <a:rPr lang="en-GB" sz="1200" kern="1200" dirty="0">
+                <a:solidFill>
+                  <a:schemeClr val="tx1"/>
+                </a:solidFill>
+                <a:effectLst/>
+                <a:latin typeface="+mn-lt"/>
+                <a:ea typeface="+mn-ea"/>
+                <a:cs typeface="+mn-cs"/>
+              </a:rPr>
+              <a:t>Hello, we are </a:t>
+            </a:r>
+            <a:r>
+              <a:rPr lang="en-US" sz="1200" dirty="0">
+                <a:effectLst/>
+                <a:latin typeface="Calibri" panose="020F0502020204030204" pitchFamily="34" charset="0"/>
+                <a:ea typeface="Times New Roman" panose="02020603050405020304" pitchFamily="18" charset="0"/>
+                <a:cs typeface="Calibri" panose="020F0502020204030204" pitchFamily="34" charset="0"/>
+              </a:rPr>
+              <a:t>Ohad Badhav, Elizaveta Sidorova, Snir Ben Nissim. We are</a:t>
+            </a:r>
+            <a:r>
+              <a:rPr lang="en-GB" sz="1200" kern="1200" dirty="0">
+                <a:solidFill>
+                  <a:schemeClr val="tx1"/>
+                </a:solidFill>
+                <a:effectLst/>
+                <a:latin typeface="+mn-lt"/>
+                <a:ea typeface="+mn-ea"/>
+                <a:cs typeface="+mn-cs"/>
+              </a:rPr>
+              <a:t> pleased to present the progress in our project</a:t>
+            </a:r>
+            <a:r>
               <a:rPr lang="en-US" sz="1200" kern="1200" dirty="0">
                 <a:solidFill>
                   <a:schemeClr val="tx1"/>
@@ -608,46 +643,65 @@
                 <a:ea typeface="+mn-ea"/>
                 <a:cs typeface="+mn-cs"/>
               </a:rPr>
-              <a:t>Our</a:t>
-            </a:r>
-            <a:r>
-              <a:rPr lang="en-US" sz="1200" kern="1200" baseline="0" dirty="0">
-                <a:solidFill>
-                  <a:schemeClr val="tx1"/>
-                </a:solidFill>
+              <a:t>.</a:t>
+            </a:r>
+            <a:endParaRPr lang="he-IL" sz="1200" kern="1200" dirty="0">
+              <a:solidFill>
+                <a:schemeClr val="tx1"/>
+              </a:solidFill>
+              <a:effectLst/>
+              <a:latin typeface="+mn-lt"/>
+              <a:ea typeface="+mn-ea"/>
+              <a:cs typeface="+mn-cs"/>
+            </a:endParaRPr>
+          </a:p>
+          <a:p>
+            <a:pPr marL="0" marR="0" lvl="0" indent="0" algn="l" defTabSz="914400" rtl="0" eaLnBrk="1" fontAlgn="auto" latinLnBrk="0" hangingPunct="1">
+              <a:lnSpc>
+                <a:spcPct val="100000"/>
+              </a:lnSpc>
+              <a:spcBef>
+                <a:spcPts val="0"/>
+              </a:spcBef>
+              <a:spcAft>
+                <a:spcPts val="0"/>
+              </a:spcAft>
+              <a:buClrTx/>
+              <a:buSzTx/>
+              <a:buFontTx/>
+              <a:buNone/>
+              <a:tabLst/>
+              <a:defRPr/>
+            </a:pPr>
+            <a:r>
+              <a:rPr lang="en-US" sz="1800" dirty="0">
                 <a:effectLst/>
-                <a:latin typeface="+mn-lt"/>
-                <a:ea typeface="+mn-ea"/>
-                <a:cs typeface="+mn-cs"/>
+                <a:latin typeface="Calibri" panose="020F0502020204030204" pitchFamily="34" charset="0"/>
+                <a:ea typeface="Times New Roman" panose="02020603050405020304" pitchFamily="18" charset="0"/>
+                <a:cs typeface="Calibri" panose="020F0502020204030204" pitchFamily="34" charset="0"/>
               </a:rPr>
-              <a:t> </a:t>
-            </a:r>
-            <a:r>
-              <a:rPr lang="en-US" sz="1200" kern="1200" dirty="0">
-                <a:solidFill>
-                  <a:schemeClr val="tx1"/>
-                </a:solidFill>
-                <a:effectLst/>
-                <a:latin typeface="+mn-lt"/>
-                <a:ea typeface="+mn-ea"/>
-                <a:cs typeface="+mn-cs"/>
-              </a:rPr>
-              <a:t>game offers an Innovative multiplayer experience where players can create their own gaming rooms or join existing ones. This platform facilitates collaborative gameplay, allowing users to come together and enjoy a variety of engaging casino games. Through seamless connectivity and innovative features, players can experience the thrill of the casino from the comfort of their own devices.</a:t>
-            </a:r>
-          </a:p>
-          <a:p>
-            <a:endParaRPr lang="en-US" dirty="0"/>
-          </a:p>
-        </p:txBody>
-      </p:sp>
-      <p:sp>
-        <p:nvSpPr>
-          <p:cNvPr id="4" name="Slide Number Placeholder 3"/>
+              <a:t>Ohad and I are working on a backend part of the project and Snir is working on a frontend part. Ohad also do networking for our project.  </a:t>
+            </a:r>
+            <a:endParaRPr lang="en-IL" sz="1800" dirty="0">
+              <a:effectLst/>
+              <a:latin typeface="Calibri" panose="020F0502020204030204" pitchFamily="34" charset="0"/>
+              <a:ea typeface="Times New Roman" panose="02020603050405020304" pitchFamily="18" charset="0"/>
+              <a:cs typeface="Arial" panose="020B0604020202020204" pitchFamily="34" charset="0"/>
+            </a:endParaRPr>
+          </a:p>
+          <a:p>
+            <a:endParaRPr lang="en-IL" dirty="0"/>
+          </a:p>
+        </p:txBody>
+      </p:sp>
+      <p:sp>
+        <p:nvSpPr>
+          <p:cNvPr id="4" name="מציין מיקום של מספר שקופית 3"/>
           <p:cNvSpPr>
             <a:spLocks noGrp="1"/>
           </p:cNvSpPr>
           <p:nvPr>
-            <p:ph type="sldNum" sz="quarter" idx="10"/>
+            <p:ph type="sldNum" sz="quarter" idx="5"/>
           </p:nvPr>
         </p:nvSpPr>
         <p:spPr/>
@@ -657,7 +711,7 @@
           <a:p>
             <a:fld id="{07A20EE1-F588-4E94-B6E1-1A68F755FB6D}" type="slidenum">
               <a:rPr lang="en-US" smtClean="0"/>
-              <a:t>2</a:t>
+              <a:t>1</a:t>
             </a:fld>
             <a:endParaRPr lang="en-US"/>
           </a:p>
@@ -666,7 +720,7 @@
     </p:spTree>
     <p:extLst>
       <p:ext uri="{BB962C8B-B14F-4D97-AF65-F5344CB8AC3E}">
-        <p14:creationId xmlns:p14="http://schemas.microsoft.com/office/powerpoint/2010/main" val="1191461978"/>
+        <p14:creationId xmlns:p14="http://schemas.microsoft.com/office/powerpoint/2010/main" val="1936406148"/>
       </p:ext>
     </p:extLst>
   </p:cSld>
@@ -720,29 +774,172 @@
           <a:bodyPr/>
           <a:lstStyle/>
           <a:p>
+            <a:pPr marL="0" marR="0" lvl="0" indent="0" algn="l" defTabSz="914400" rtl="0" eaLnBrk="1" fontAlgn="auto" latinLnBrk="0" hangingPunct="1">
+              <a:lnSpc>
+                <a:spcPct val="100000"/>
+              </a:lnSpc>
+              <a:spcBef>
+                <a:spcPts val="0"/>
+              </a:spcBef>
+              <a:spcAft>
+                <a:spcPts val="0"/>
+              </a:spcAft>
+              <a:buClrTx/>
+              <a:buSzTx/>
+              <a:buFontTx/>
+              <a:buNone/>
+              <a:tabLst/>
+              <a:defRPr/>
+            </a:pPr>
+            <a:r>
+              <a:rPr lang="en-GB" sz="1200" kern="1200" dirty="0">
+                <a:solidFill>
+                  <a:schemeClr val="tx1"/>
+                </a:solidFill>
+                <a:effectLst/>
+                <a:latin typeface="+mn-lt"/>
+                <a:ea typeface="+mn-ea"/>
+                <a:cs typeface="+mn-cs"/>
+              </a:rPr>
+              <a:t>Hello, we are pleased to present the progress in our project</a:t>
+            </a:r>
+            <a:r>
+              <a:rPr lang="en-US" sz="1200" kern="1200" dirty="0">
+                <a:solidFill>
+                  <a:schemeClr val="tx1"/>
+                </a:solidFill>
+                <a:effectLst/>
+                <a:latin typeface="+mn-lt"/>
+                <a:ea typeface="+mn-ea"/>
+                <a:cs typeface="+mn-cs"/>
+              </a:rPr>
+              <a:t>.</a:t>
+            </a:r>
+            <a:endParaRPr lang="he-IL" sz="1200" kern="1200" dirty="0">
+              <a:solidFill>
+                <a:schemeClr val="tx1"/>
+              </a:solidFill>
+              <a:effectLst/>
+              <a:latin typeface="+mn-lt"/>
+              <a:ea typeface="+mn-ea"/>
+              <a:cs typeface="+mn-cs"/>
+            </a:endParaRPr>
+          </a:p>
+          <a:p>
+            <a:pPr marL="0" marR="0" lvl="0" indent="0" algn="l" defTabSz="914400" rtl="0" eaLnBrk="1" fontAlgn="auto" latinLnBrk="0" hangingPunct="1">
+              <a:lnSpc>
+                <a:spcPct val="100000"/>
+              </a:lnSpc>
+              <a:spcBef>
+                <a:spcPts val="0"/>
+              </a:spcBef>
+              <a:spcAft>
+                <a:spcPts val="0"/>
+              </a:spcAft>
+              <a:buClrTx/>
+              <a:buSzTx/>
+              <a:buFontTx/>
+              <a:buNone/>
+              <a:tabLst/>
+              <a:defRPr/>
+            </a:pPr>
             <a:r>
               <a:rPr lang="en-US" dirty="0"/>
-              <a:t>The network detection feature enables all users to join the hosts' lobby.</a:t>
-            </a:r>
-          </a:p>
-          <a:p>
+              <a:t>The Connect &amp; Bet game lets you play casino games with your friends by simply connecting from the same room.</a:t>
+            </a:r>
+          </a:p>
+          <a:p>
+            <a:pPr marL="0" marR="0" lvl="0" indent="0" algn="l" defTabSz="914400" rtl="0" eaLnBrk="1" fontAlgn="auto" latinLnBrk="0" hangingPunct="1">
+              <a:lnSpc>
+                <a:spcPct val="100000"/>
+              </a:lnSpc>
+              <a:spcBef>
+                <a:spcPts val="0"/>
+              </a:spcBef>
+              <a:spcAft>
+                <a:spcPts val="0"/>
+              </a:spcAft>
+              <a:buClrTx/>
+              <a:buSzTx/>
+              <a:buFontTx/>
+              <a:buNone/>
+              <a:tabLst/>
+              <a:defRPr/>
+            </a:pPr>
             <a:r>
               <a:rPr lang="en-US" dirty="0"/>
-              <a:t>The lobby</a:t>
-            </a:r>
-            <a:r>
-              <a:rPr lang="en-US" baseline="0" dirty="0"/>
-              <a:t> creating actually creates a server port in the hosts’ device. </a:t>
-            </a:r>
-          </a:p>
-          <a:p>
-            <a:r>
-              <a:rPr lang="en-US" baseline="0" dirty="0"/>
-              <a:t>That allows all users to connect to that server.</a:t>
-            </a:r>
-            <a:endParaRPr lang="en-US" dirty="0"/>
-          </a:p>
-          <a:p>
+              <a:t>All you need to do, is to enter your username, and join the party.</a:t>
+            </a:r>
+          </a:p>
+          <a:p>
+            <a:pPr marL="0" marR="0" lvl="0" indent="0" algn="l" defTabSz="914400" rtl="0" eaLnBrk="1" fontAlgn="auto" latinLnBrk="0" hangingPunct="1">
+              <a:lnSpc>
+                <a:spcPct val="100000"/>
+              </a:lnSpc>
+              <a:spcBef>
+                <a:spcPts val="0"/>
+              </a:spcBef>
+              <a:spcAft>
+                <a:spcPts val="0"/>
+              </a:spcAft>
+              <a:buClrTx/>
+              <a:buSzTx/>
+              <a:buFontTx/>
+              <a:buNone/>
+              <a:tabLst/>
+              <a:defRPr/>
+            </a:pPr>
+            <a:r>
+              <a:rPr lang="en-US" dirty="0"/>
+              <a:t>Together, you will play our diverse casino games</a:t>
+            </a:r>
+          </a:p>
+          <a:p>
+            <a:pPr marL="0" marR="0" lvl="0" indent="0" algn="l" defTabSz="914400" rtl="0" eaLnBrk="1" fontAlgn="auto" latinLnBrk="0" hangingPunct="1">
+              <a:lnSpc>
+                <a:spcPct val="100000"/>
+              </a:lnSpc>
+              <a:spcBef>
+                <a:spcPts val="0"/>
+              </a:spcBef>
+              <a:spcAft>
+                <a:spcPts val="0"/>
+              </a:spcAft>
+              <a:buClrTx/>
+              <a:buSzTx/>
+              <a:buFontTx/>
+              <a:buNone/>
+              <a:tabLst/>
+              <a:defRPr/>
+            </a:pPr>
+            <a:endParaRPr lang="he-IL" sz="1200" kern="1200" dirty="0">
+              <a:solidFill>
+                <a:schemeClr val="tx1"/>
+              </a:solidFill>
+              <a:effectLst/>
+              <a:latin typeface="+mn-lt"/>
+              <a:ea typeface="+mn-ea"/>
+              <a:cs typeface="+mn-cs"/>
+            </a:endParaRPr>
+          </a:p>
+          <a:p>
+            <a:pPr marL="0" marR="0" lvl="0" indent="0" algn="l" defTabSz="914400" rtl="0" eaLnBrk="1" fontAlgn="auto" latinLnBrk="0" hangingPunct="1">
+              <a:lnSpc>
+                <a:spcPct val="100000"/>
+              </a:lnSpc>
+              <a:spcBef>
+                <a:spcPts val="0"/>
+              </a:spcBef>
+              <a:spcAft>
+                <a:spcPts val="0"/>
+              </a:spcAft>
+              <a:buClrTx/>
+              <a:buSzTx/>
+              <a:buFontTx/>
+              <a:buNone/>
+              <a:tabLst/>
+              <a:defRPr/>
+            </a:pPr>
             <a:r>
               <a:rPr lang="en-US" sz="1200" kern="1200" dirty="0">
                 <a:solidFill>
@@ -753,10 +950,20 @@
                 <a:ea typeface="+mn-ea"/>
                 <a:cs typeface="+mn-cs"/>
               </a:rPr>
-              <a:t>This unique functionality removes the necessity of adding friends to a list; instead, players can effortlessly join the game together simply by being in close proximity. </a:t>
-            </a:r>
-          </a:p>
-          <a:p>
+              <a:t>Our</a:t>
+            </a:r>
+            <a:r>
+              <a:rPr lang="en-US" sz="1200" kern="1200" baseline="0" dirty="0">
+                <a:solidFill>
+                  <a:schemeClr val="tx1"/>
+                </a:solidFill>
+                <a:effectLst/>
+                <a:latin typeface="+mn-lt"/>
+                <a:ea typeface="+mn-ea"/>
+                <a:cs typeface="+mn-cs"/>
+              </a:rPr>
+              <a:t> </a:t>
+            </a:r>
             <a:r>
               <a:rPr lang="en-US" sz="1200" kern="1200" dirty="0">
                 <a:solidFill>
@@ -767,30 +974,10 @@
                 <a:ea typeface="+mn-ea"/>
                 <a:cs typeface="+mn-cs"/>
               </a:rPr>
-              <a:t>Our data</a:t>
-            </a:r>
-            <a:r>
-              <a:rPr lang="en-US" sz="1200" kern="1200" baseline="0" dirty="0">
-                <a:solidFill>
-                  <a:schemeClr val="tx1"/>
-                </a:solidFill>
-                <a:effectLst/>
-                <a:latin typeface="+mn-lt"/>
-                <a:ea typeface="+mn-ea"/>
-                <a:cs typeface="+mn-cs"/>
-              </a:rPr>
-              <a:t> about each user is stored in firebase cloud service. </a:t>
-            </a:r>
-          </a:p>
-          <a:p>
-            <a:r>
-              <a:rPr lang="en-US" dirty="0"/>
-              <a:t>The server advertising</a:t>
-            </a:r>
-            <a:r>
-              <a:rPr lang="en-US" baseline="0" dirty="0"/>
-              <a:t> allows all clients to access that database through the host.</a:t>
-            </a:r>
+              <a:t>game offers an Innovative multiplayer experience where players can create their own gaming rooms or join existing ones. This platform facilitates collaborative gameplay, allowing users to come together and enjoy a variety of engaging casino games. Through seamless connectivity and innovative features, players can experience the thrill of the casino from the comfort of their own devices.</a:t>
+            </a:r>
+          </a:p>
+          <a:p>
             <a:endParaRPr lang="en-US" dirty="0"/>
           </a:p>
         </p:txBody>
@@ -812,7 +999,7 @@
           <a:p>
             <a:fld id="{07A20EE1-F588-4E94-B6E1-1A68F755FB6D}" type="slidenum">
               <a:rPr lang="en-US" smtClean="0"/>
-              <a:t>3</a:t>
+              <a:t>2</a:t>
             </a:fld>
             <a:endParaRPr lang="en-US"/>
           </a:p>
@@ -821,7 +1008,7 @@
     </p:spTree>
     <p:extLst>
       <p:ext uri="{BB962C8B-B14F-4D97-AF65-F5344CB8AC3E}">
-        <p14:creationId xmlns:p14="http://schemas.microsoft.com/office/powerpoint/2010/main" val="3182518439"/>
+        <p14:creationId xmlns:p14="http://schemas.microsoft.com/office/powerpoint/2010/main" val="1191461978"/>
       </p:ext>
     </p:extLst>
   </p:cSld>
@@ -875,6 +1062,77 @@
           <a:bodyPr/>
           <a:lstStyle/>
           <a:p>
+            <a:r>
+              <a:rPr lang="en-US" dirty="0"/>
+              <a:t>The network detection feature enables all users to join the hosts' lobby.</a:t>
+            </a:r>
+          </a:p>
+          <a:p>
+            <a:r>
+              <a:rPr lang="en-US" dirty="0"/>
+              <a:t>The lobby</a:t>
+            </a:r>
+            <a:r>
+              <a:rPr lang="en-US" baseline="0" dirty="0"/>
+              <a:t> creating actually creates a server port in the hosts’ device. </a:t>
+            </a:r>
+          </a:p>
+          <a:p>
+            <a:r>
+              <a:rPr lang="en-US" baseline="0" dirty="0"/>
+              <a:t>That allows all users to connect to that server.</a:t>
+            </a:r>
+            <a:endParaRPr lang="en-US" dirty="0"/>
+          </a:p>
+          <a:p>
+            <a:r>
+              <a:rPr lang="en-US" sz="1200" kern="1200" dirty="0">
+                <a:solidFill>
+                  <a:schemeClr val="tx1"/>
+                </a:solidFill>
+                <a:effectLst/>
+                <a:latin typeface="+mn-lt"/>
+                <a:ea typeface="+mn-ea"/>
+                <a:cs typeface="+mn-cs"/>
+              </a:rPr>
+              <a:t>This unique functionality removes the necessity of adding friends to a list; instead, players can effortlessly join the game together simply by being in close proximity. </a:t>
+            </a:r>
+          </a:p>
+          <a:p>
+            <a:r>
+              <a:rPr lang="en-US" sz="1200" kern="1200" dirty="0">
+                <a:solidFill>
+                  <a:schemeClr val="tx1"/>
+                </a:solidFill>
+                <a:effectLst/>
+                <a:latin typeface="+mn-lt"/>
+                <a:ea typeface="+mn-ea"/>
+                <a:cs typeface="+mn-cs"/>
+              </a:rPr>
+              <a:t>Our data</a:t>
+            </a:r>
+            <a:r>
+              <a:rPr lang="en-US" sz="1200" kern="1200" baseline="0" dirty="0">
+                <a:solidFill>
+                  <a:schemeClr val="tx1"/>
+                </a:solidFill>
+                <a:effectLst/>
+                <a:latin typeface="+mn-lt"/>
+                <a:ea typeface="+mn-ea"/>
+                <a:cs typeface="+mn-cs"/>
+              </a:rPr>
+              <a:t> about each user is stored in firebase cloud service. </a:t>
+            </a:r>
+          </a:p>
+          <a:p>
+            <a:r>
+              <a:rPr lang="en-US" dirty="0"/>
+              <a:t>The server advertising</a:t>
+            </a:r>
+            <a:r>
+              <a:rPr lang="en-US" baseline="0" dirty="0"/>
+              <a:t> allows all clients to access that database through the host.</a:t>
+            </a:r>
             <a:endParaRPr lang="en-US" dirty="0"/>
           </a:p>
         </p:txBody>
@@ -896,7 +1154,7 @@
           <a:p>
             <a:fld id="{07A20EE1-F588-4E94-B6E1-1A68F755FB6D}" type="slidenum">
               <a:rPr lang="en-US" smtClean="0"/>
-              <a:t>4</a:t>
+              <a:t>3</a:t>
             </a:fld>
             <a:endParaRPr lang="en-US"/>
           </a:p>
@@ -905,7 +1163,7 @@
     </p:spTree>
     <p:extLst>
       <p:ext uri="{BB962C8B-B14F-4D97-AF65-F5344CB8AC3E}">
-        <p14:creationId xmlns:p14="http://schemas.microsoft.com/office/powerpoint/2010/main" val="1495124867"/>
+        <p14:creationId xmlns:p14="http://schemas.microsoft.com/office/powerpoint/2010/main" val="3182518439"/>
       </p:ext>
     </p:extLst>
   </p:cSld>
@@ -980,7 +1238,7 @@
           <a:p>
             <a:fld id="{07A20EE1-F588-4E94-B6E1-1A68F755FB6D}" type="slidenum">
               <a:rPr lang="en-US" smtClean="0"/>
-              <a:t>5</a:t>
+              <a:t>4</a:t>
             </a:fld>
             <a:endParaRPr lang="en-US"/>
           </a:p>
@@ -989,7 +1247,7 @@
     </p:spTree>
     <p:extLst>
       <p:ext uri="{BB962C8B-B14F-4D97-AF65-F5344CB8AC3E}">
-        <p14:creationId xmlns:p14="http://schemas.microsoft.com/office/powerpoint/2010/main" val="2985504206"/>
+        <p14:creationId xmlns:p14="http://schemas.microsoft.com/office/powerpoint/2010/main" val="931496981"/>
       </p:ext>
     </p:extLst>
   </p:cSld>
@@ -1043,36 +1301,90 @@
           <a:bodyPr/>
           <a:lstStyle/>
           <a:p>
-            <a:pPr lvl="0" rtl="0"/>
-            <a:r>
-              <a:rPr lang="en-US" sz="1200" kern="1200" dirty="0">
-                <a:solidFill>
-                  <a:schemeClr val="tx1"/>
-                </a:solidFill>
-                <a:effectLst/>
-                <a:latin typeface="+mn-lt"/>
-                <a:ea typeface="+mn-ea"/>
-                <a:cs typeface="+mn-cs"/>
-              </a:rPr>
-              <a:t>Our game offers casino games including Poker, Blackjack. Using our location detection feature, players can swiftly join games with their nearby friends, providing an authentic casino experience as they play alongside others at the same table/ same screen.</a:t>
-            </a:r>
-          </a:p>
-          <a:p>
-            <a:r>
-              <a:rPr lang="en-US" sz="1200" kern="1200" dirty="0">
-                <a:solidFill>
-                  <a:schemeClr val="tx1"/>
-                </a:solidFill>
-                <a:effectLst/>
-                <a:latin typeface="+mn-lt"/>
-                <a:ea typeface="+mn-ea"/>
-                <a:cs typeface="+mn-cs"/>
-              </a:rPr>
-              <a:t>Our game utilizes nearby detection technology to create a unique and seamless gaming experience, enabling players to swiftly connect and enjoy the excitement of the casino with their nearby friends, without the need for complex friend lists or cumbersome invitations.</a:t>
-            </a:r>
-          </a:p>
-          <a:p>
-            <a:pPr lvl="0" rtl="0"/>
+            <a:endParaRPr lang="en-US" dirty="0"/>
+          </a:p>
+        </p:txBody>
+      </p:sp>
+      <p:sp>
+        <p:nvSpPr>
+          <p:cNvPr id="4" name="Slide Number Placeholder 3"/>
+          <p:cNvSpPr>
+            <a:spLocks noGrp="1"/>
+          </p:cNvSpPr>
+          <p:nvPr>
+            <p:ph type="sldNum" sz="quarter" idx="10"/>
+          </p:nvPr>
+        </p:nvSpPr>
+        <p:spPr/>
+        <p:txBody>
+          <a:bodyPr/>
+          <a:lstStyle/>
+          <a:p>
+            <a:fld id="{07A20EE1-F588-4E94-B6E1-1A68F755FB6D}" type="slidenum">
+              <a:rPr lang="en-US" smtClean="0"/>
+              <a:t>5</a:t>
+            </a:fld>
+            <a:endParaRPr lang="en-US"/>
+          </a:p>
+        </p:txBody>
+      </p:sp>
+    </p:spTree>
+    <p:extLst>
+      <p:ext uri="{BB962C8B-B14F-4D97-AF65-F5344CB8AC3E}">
+        <p14:creationId xmlns:p14="http://schemas.microsoft.com/office/powerpoint/2010/main" val="3802084452"/>
+      </p:ext>
+    </p:extLst>
+  </p:cSld>
+  <p:clrMapOvr>
+    <a:masterClrMapping/>
+  </p:clrMapOvr>
+</p:notes>
+</file>
+
+<file path=ppt/notesSlides/notesSlide6.xml><?xml version="1.0" encoding="utf-8"?>
+<p:notes xmlns:a="http://schemas.openxmlformats.org/drawingml/2006/main" xmlns:r="http://schemas.openxmlformats.org/officeDocument/2006/relationships" xmlns:p="http://schemas.openxmlformats.org/presentationml/2006/main">
+  <p:cSld>
+    <p:spTree>
+      <p:nvGrpSpPr>
+        <p:cNvPr id="1" name=""/>
+        <p:cNvGrpSpPr/>
+        <p:nvPr/>
+      </p:nvGrpSpPr>
+      <p:grpSpPr>
+        <a:xfrm>
+          <a:off x="0" y="0"/>
+          <a:ext cx="0" cy="0"/>
+          <a:chOff x="0" y="0"/>
+          <a:chExt cx="0" cy="0"/>
+        </a:xfrm>
+      </p:grpSpPr>
+      <p:sp>
+        <p:nvSpPr>
+          <p:cNvPr id="2" name="Slide Image Placeholder 1"/>
+          <p:cNvSpPr>
+            <a:spLocks noGrp="1" noRot="1" noChangeAspect="1"/>
+          </p:cNvSpPr>
+          <p:nvPr>
+            <p:ph type="sldImg"/>
+          </p:nvPr>
+        </p:nvSpPr>
+        <p:spPr/>
+      </p:sp>
+      <p:sp>
+        <p:nvSpPr>
+          <p:cNvPr id="3" name="Notes Placeholder 2"/>
+          <p:cNvSpPr>
+            <a:spLocks noGrp="1"/>
+          </p:cNvSpPr>
+          <p:nvPr>
+            <p:ph type="body" idx="1"/>
+          </p:nvPr>
+        </p:nvSpPr>
+        <p:spPr/>
+        <p:txBody>
+          <a:bodyPr/>
+          <a:lstStyle/>
+          <a:p>
             <a:endParaRPr lang="en-US" dirty="0"/>
           </a:p>
         </p:txBody>
@@ -1095,6 +1407,207 @@
             <a:fld id="{07A20EE1-F588-4E94-B6E1-1A68F755FB6D}" type="slidenum">
               <a:rPr lang="en-US" smtClean="0"/>
               <a:t>6</a:t>
+            </a:fld>
+            <a:endParaRPr lang="en-US"/>
+          </a:p>
+        </p:txBody>
+      </p:sp>
+    </p:spTree>
+    <p:extLst>
+      <p:ext uri="{BB962C8B-B14F-4D97-AF65-F5344CB8AC3E}">
+        <p14:creationId xmlns:p14="http://schemas.microsoft.com/office/powerpoint/2010/main" val="1495124867"/>
+      </p:ext>
+    </p:extLst>
+  </p:cSld>
+  <p:clrMapOvr>
+    <a:masterClrMapping/>
+  </p:clrMapOvr>
+</p:notes>
+</file>
+
+<file path=ppt/notesSlides/notesSlide7.xml><?xml version="1.0" encoding="utf-8"?>
+<p:notes xmlns:a="http://schemas.openxmlformats.org/drawingml/2006/main" xmlns:r="http://schemas.openxmlformats.org/officeDocument/2006/relationships" xmlns:p="http://schemas.openxmlformats.org/presentationml/2006/main">
+  <p:cSld>
+    <p:spTree>
+      <p:nvGrpSpPr>
+        <p:cNvPr id="1" name=""/>
+        <p:cNvGrpSpPr/>
+        <p:nvPr/>
+      </p:nvGrpSpPr>
+      <p:grpSpPr>
+        <a:xfrm>
+          <a:off x="0" y="0"/>
+          <a:ext cx="0" cy="0"/>
+          <a:chOff x="0" y="0"/>
+          <a:chExt cx="0" cy="0"/>
+        </a:xfrm>
+      </p:grpSpPr>
+      <p:sp>
+        <p:nvSpPr>
+          <p:cNvPr id="2" name="Slide Image Placeholder 1"/>
+          <p:cNvSpPr>
+            <a:spLocks noGrp="1" noRot="1" noChangeAspect="1"/>
+          </p:cNvSpPr>
+          <p:nvPr>
+            <p:ph type="sldImg"/>
+          </p:nvPr>
+        </p:nvSpPr>
+        <p:spPr/>
+      </p:sp>
+      <p:sp>
+        <p:nvSpPr>
+          <p:cNvPr id="3" name="Notes Placeholder 2"/>
+          <p:cNvSpPr>
+            <a:spLocks noGrp="1"/>
+          </p:cNvSpPr>
+          <p:nvPr>
+            <p:ph type="body" idx="1"/>
+          </p:nvPr>
+        </p:nvSpPr>
+        <p:spPr/>
+        <p:txBody>
+          <a:bodyPr/>
+          <a:lstStyle/>
+          <a:p>
+            <a:endParaRPr lang="en-US" dirty="0"/>
+          </a:p>
+        </p:txBody>
+      </p:sp>
+      <p:sp>
+        <p:nvSpPr>
+          <p:cNvPr id="4" name="Slide Number Placeholder 3"/>
+          <p:cNvSpPr>
+            <a:spLocks noGrp="1"/>
+          </p:cNvSpPr>
+          <p:nvPr>
+            <p:ph type="sldNum" sz="quarter" idx="10"/>
+          </p:nvPr>
+        </p:nvSpPr>
+        <p:spPr/>
+        <p:txBody>
+          <a:bodyPr/>
+          <a:lstStyle/>
+          <a:p>
+            <a:fld id="{07A20EE1-F588-4E94-B6E1-1A68F755FB6D}" type="slidenum">
+              <a:rPr lang="en-US" smtClean="0"/>
+              <a:t>7</a:t>
+            </a:fld>
+            <a:endParaRPr lang="en-US"/>
+          </a:p>
+        </p:txBody>
+      </p:sp>
+    </p:spTree>
+    <p:extLst>
+      <p:ext uri="{BB962C8B-B14F-4D97-AF65-F5344CB8AC3E}">
+        <p14:creationId xmlns:p14="http://schemas.microsoft.com/office/powerpoint/2010/main" val="2985504206"/>
+      </p:ext>
+    </p:extLst>
+  </p:cSld>
+  <p:clrMapOvr>
+    <a:masterClrMapping/>
+  </p:clrMapOvr>
+</p:notes>
+</file>
+
+<file path=ppt/notesSlides/notesSlide8.xml><?xml version="1.0" encoding="utf-8"?>
+<p:notes xmlns:a="http://schemas.openxmlformats.org/drawingml/2006/main" xmlns:r="http://schemas.openxmlformats.org/officeDocument/2006/relationships" xmlns:p="http://schemas.openxmlformats.org/presentationml/2006/main">
+  <p:cSld>
+    <p:spTree>
+      <p:nvGrpSpPr>
+        <p:cNvPr id="1" name=""/>
+        <p:cNvGrpSpPr/>
+        <p:nvPr/>
+      </p:nvGrpSpPr>
+      <p:grpSpPr>
+        <a:xfrm>
+          <a:off x="0" y="0"/>
+          <a:ext cx="0" cy="0"/>
+          <a:chOff x="0" y="0"/>
+          <a:chExt cx="0" cy="0"/>
+        </a:xfrm>
+      </p:grpSpPr>
+      <p:sp>
+        <p:nvSpPr>
+          <p:cNvPr id="2" name="Slide Image Placeholder 1"/>
+          <p:cNvSpPr>
+            <a:spLocks noGrp="1" noRot="1" noChangeAspect="1"/>
+          </p:cNvSpPr>
+          <p:nvPr>
+            <p:ph type="sldImg"/>
+          </p:nvPr>
+        </p:nvSpPr>
+        <p:spPr/>
+      </p:sp>
+      <p:sp>
+        <p:nvSpPr>
+          <p:cNvPr id="3" name="Notes Placeholder 2"/>
+          <p:cNvSpPr>
+            <a:spLocks noGrp="1"/>
+          </p:cNvSpPr>
+          <p:nvPr>
+            <p:ph type="body" idx="1"/>
+          </p:nvPr>
+        </p:nvSpPr>
+        <p:spPr/>
+        <p:txBody>
+          <a:bodyPr/>
+          <a:lstStyle/>
+          <a:p>
+            <a:pPr lvl="0" rtl="0"/>
+            <a:r>
+              <a:rPr lang="en-US" sz="1200" kern="1200" dirty="0">
+                <a:solidFill>
+                  <a:schemeClr val="tx1"/>
+                </a:solidFill>
+                <a:effectLst/>
+                <a:latin typeface="+mn-lt"/>
+                <a:ea typeface="+mn-ea"/>
+                <a:cs typeface="+mn-cs"/>
+              </a:rPr>
+              <a:t>Our game offers casino games including Poker and Blackjack. Using our location detection feature, players can swiftly join games with their nearby friends, providing an authentic casino experience as they play alongside others at the same table/ same screen.</a:t>
+            </a:r>
+          </a:p>
+          <a:p>
+            <a:r>
+              <a:rPr lang="en-US" sz="1200" kern="1200" dirty="0">
+                <a:solidFill>
+                  <a:schemeClr val="tx1"/>
+                </a:solidFill>
+                <a:effectLst/>
+                <a:latin typeface="+mn-lt"/>
+                <a:ea typeface="+mn-ea"/>
+                <a:cs typeface="+mn-cs"/>
+              </a:rPr>
+              <a:t>Our game utilizes nearby detection technology to create a unique and seamless gaming experience, enabling players to swiftly connect and enjoy the excitement of the casino with their nearby friends, without the need for complex friend lists or cumbersome invitations.</a:t>
+            </a:r>
+          </a:p>
+          <a:p>
+            <a:pPr lvl="0" rtl="0"/>
+            <a:r>
+              <a:rPr lang="en-US" dirty="0"/>
+              <a:t>Now we are ready for questions.</a:t>
+            </a:r>
+          </a:p>
+        </p:txBody>
+      </p:sp>
+      <p:sp>
+        <p:nvSpPr>
+          <p:cNvPr id="4" name="Slide Number Placeholder 3"/>
+          <p:cNvSpPr>
+            <a:spLocks noGrp="1"/>
+          </p:cNvSpPr>
+          <p:nvPr>
+            <p:ph type="sldNum" sz="quarter" idx="10"/>
+          </p:nvPr>
+        </p:nvSpPr>
+        <p:spPr/>
+        <p:txBody>
+          <a:bodyPr/>
+          <a:lstStyle/>
+          <a:p>
+            <a:fld id="{07A20EE1-F588-4E94-B6E1-1A68F755FB6D}" type="slidenum">
+              <a:rPr lang="en-US" smtClean="0"/>
+              <a:t>8</a:t>
             </a:fld>
             <a:endParaRPr lang="en-US"/>
           </a:p>
@@ -1242,7 +1755,7 @@
           <a:p>
             <a:fld id="{025084BC-9C32-4510-8AD6-A3E4343D3F09}" type="datetimeFigureOut">
               <a:rPr lang="en-US" smtClean="0"/>
-              <a:t>6/10/24</a:t>
+              <a:t>6/10/2024</a:t>
             </a:fld>
             <a:endParaRPr lang="en-US"/>
           </a:p>
@@ -1410,7 +1923,7 @@
           <a:p>
             <a:fld id="{025084BC-9C32-4510-8AD6-A3E4343D3F09}" type="datetimeFigureOut">
               <a:rPr lang="en-US" smtClean="0"/>
-              <a:t>6/10/24</a:t>
+              <a:t>6/10/2024</a:t>
             </a:fld>
             <a:endParaRPr lang="en-US"/>
           </a:p>
@@ -1588,7 +2101,7 @@
           <a:p>
             <a:fld id="{025084BC-9C32-4510-8AD6-A3E4343D3F09}" type="datetimeFigureOut">
               <a:rPr lang="en-US" smtClean="0"/>
-              <a:t>6/10/24</a:t>
+              <a:t>6/10/2024</a:t>
             </a:fld>
             <a:endParaRPr lang="en-US"/>
           </a:p>
@@ -1756,7 +2269,7 @@
           <a:p>
             <a:fld id="{025084BC-9C32-4510-8AD6-A3E4343D3F09}" type="datetimeFigureOut">
               <a:rPr lang="en-US" smtClean="0"/>
-              <a:t>6/10/24</a:t>
+              <a:t>6/10/2024</a:t>
             </a:fld>
             <a:endParaRPr lang="en-US"/>
           </a:p>
@@ -2001,7 +2514,7 @@
           <a:p>
             <a:fld id="{025084BC-9C32-4510-8AD6-A3E4343D3F09}" type="datetimeFigureOut">
               <a:rPr lang="en-US" smtClean="0"/>
-              <a:t>6/10/24</a:t>
+              <a:t>6/10/2024</a:t>
             </a:fld>
             <a:endParaRPr lang="en-US"/>
           </a:p>
@@ -2230,7 +2743,7 @@
           <a:p>
             <a:fld id="{025084BC-9C32-4510-8AD6-A3E4343D3F09}" type="datetimeFigureOut">
               <a:rPr lang="en-US" smtClean="0"/>
-              <a:t>6/10/24</a:t>
+              <a:t>6/10/2024</a:t>
             </a:fld>
             <a:endParaRPr lang="en-US"/>
           </a:p>
@@ -2594,7 +3107,7 @@
           <a:p>
             <a:fld id="{025084BC-9C32-4510-8AD6-A3E4343D3F09}" type="datetimeFigureOut">
               <a:rPr lang="en-US" smtClean="0"/>
-              <a:t>6/10/24</a:t>
+              <a:t>6/10/2024</a:t>
             </a:fld>
             <a:endParaRPr lang="en-US"/>
           </a:p>
@@ -2711,7 +3224,7 @@
           <a:p>
             <a:fld id="{025084BC-9C32-4510-8AD6-A3E4343D3F09}" type="datetimeFigureOut">
               <a:rPr lang="en-US" smtClean="0"/>
-              <a:t>6/10/24</a:t>
+              <a:t>6/10/2024</a:t>
             </a:fld>
             <a:endParaRPr lang="en-US"/>
           </a:p>
@@ -2806,7 +3319,7 @@
           <a:p>
             <a:fld id="{025084BC-9C32-4510-8AD6-A3E4343D3F09}" type="datetimeFigureOut">
               <a:rPr lang="en-US" smtClean="0"/>
-              <a:t>6/10/24</a:t>
+              <a:t>6/10/2024</a:t>
             </a:fld>
             <a:endParaRPr lang="en-US"/>
           </a:p>
@@ -3081,7 +3594,7 @@
           <a:p>
             <a:fld id="{025084BC-9C32-4510-8AD6-A3E4343D3F09}" type="datetimeFigureOut">
               <a:rPr lang="en-US" smtClean="0"/>
-              <a:t>6/10/24</a:t>
+              <a:t>6/10/2024</a:t>
             </a:fld>
             <a:endParaRPr lang="en-US"/>
           </a:p>
@@ -3333,7 +3846,7 @@
           <a:p>
             <a:fld id="{025084BC-9C32-4510-8AD6-A3E4343D3F09}" type="datetimeFigureOut">
               <a:rPr lang="en-US" smtClean="0"/>
-              <a:t>6/10/24</a:t>
+              <a:t>6/10/2024</a:t>
             </a:fld>
             <a:endParaRPr lang="en-US"/>
           </a:p>
@@ -3544,7 +4057,7 @@
           <a:p>
             <a:fld id="{025084BC-9C32-4510-8AD6-A3E4343D3F09}" type="datetimeFigureOut">
               <a:rPr lang="en-US" smtClean="0"/>
-              <a:t>6/10/24</a:t>
+              <a:t>6/10/2024</a:t>
             </a:fld>
             <a:endParaRPr lang="en-US"/>
           </a:p>
@@ -3938,7 +4451,7 @@
     <p:bg>
       <p:bgPr>
         <a:blipFill dpi="0" rotWithShape="1">
-          <a:blip r:embed="rId2">
+          <a:blip r:embed="rId3">
             <a:lum/>
           </a:blip>
           <a:srcRect/>
@@ -5306,6 +5819,586 @@
       </p:grpSpPr>
       <p:sp>
         <p:nvSpPr>
+          <p:cNvPr id="5" name="Content Placeholder 2"/>
+          <p:cNvSpPr txBox="1">
+            <a:spLocks/>
+          </p:cNvSpPr>
+          <p:nvPr/>
+        </p:nvSpPr>
+        <p:spPr>
+          <a:xfrm>
+            <a:off x="590291" y="348699"/>
+            <a:ext cx="10550460" cy="528380"/>
+          </a:xfrm>
+          <a:prstGeom prst="rect">
+            <a:avLst/>
+          </a:prstGeom>
+          <a:solidFill>
+            <a:schemeClr val="bg1">
+              <a:alpha val="79000"/>
+            </a:schemeClr>
+          </a:solidFill>
+          <a:effectLst>
+            <a:reflection endPos="0" dist="50800" dir="5400000" sy="-100000" algn="bl" rotWithShape="0"/>
+          </a:effectLst>
+        </p:spPr>
+        <p:txBody>
+          <a:bodyPr vert="horz" lIns="91440" tIns="45720" rIns="91440" bIns="45720" rtlCol="0">
+            <a:normAutofit/>
+          </a:bodyPr>
+          <a:lstStyle>
+            <a:lvl1pPr marL="228600" indent="-228600" algn="l" defTabSz="914400" rtl="0" eaLnBrk="1" latinLnBrk="0" hangingPunct="1">
+              <a:lnSpc>
+                <a:spcPct val="90000"/>
+              </a:lnSpc>
+              <a:spcBef>
+                <a:spcPts val="1000"/>
+              </a:spcBef>
+              <a:buFont typeface="Arial" panose="020B0604020202020204" pitchFamily="34" charset="0"/>
+              <a:buChar char="•"/>
+              <a:defRPr sz="2800" kern="1200">
+                <a:solidFill>
+                  <a:schemeClr val="tx1"/>
+                </a:solidFill>
+                <a:latin typeface="+mn-lt"/>
+                <a:ea typeface="+mn-ea"/>
+                <a:cs typeface="+mn-cs"/>
+              </a:defRPr>
+            </a:lvl1pPr>
+            <a:lvl2pPr marL="685800" indent="-228600" algn="l" defTabSz="914400" rtl="0" eaLnBrk="1" latinLnBrk="0" hangingPunct="1">
+              <a:lnSpc>
+                <a:spcPct val="90000"/>
+              </a:lnSpc>
+              <a:spcBef>
+                <a:spcPts val="500"/>
+              </a:spcBef>
+              <a:buFont typeface="Arial" panose="020B0604020202020204" pitchFamily="34" charset="0"/>
+              <a:buChar char="•"/>
+              <a:defRPr sz="2400" kern="1200">
+                <a:solidFill>
+                  <a:schemeClr val="tx1"/>
+                </a:solidFill>
+                <a:latin typeface="+mn-lt"/>
+                <a:ea typeface="+mn-ea"/>
+                <a:cs typeface="+mn-cs"/>
+              </a:defRPr>
+            </a:lvl2pPr>
+            <a:lvl3pPr marL="1143000" indent="-228600" algn="l" defTabSz="914400" rtl="0" eaLnBrk="1" latinLnBrk="0" hangingPunct="1">
+              <a:lnSpc>
+                <a:spcPct val="90000"/>
+              </a:lnSpc>
+              <a:spcBef>
+                <a:spcPts val="500"/>
+              </a:spcBef>
+              <a:buFont typeface="Arial" panose="020B0604020202020204" pitchFamily="34" charset="0"/>
+              <a:buChar char="•"/>
+              <a:defRPr sz="2000" kern="1200">
+                <a:solidFill>
+                  <a:schemeClr val="tx1"/>
+                </a:solidFill>
+                <a:latin typeface="+mn-lt"/>
+                <a:ea typeface="+mn-ea"/>
+                <a:cs typeface="+mn-cs"/>
+              </a:defRPr>
+            </a:lvl3pPr>
+            <a:lvl4pPr marL="1600200" indent="-228600" algn="l" defTabSz="914400" rtl="0" eaLnBrk="1" latinLnBrk="0" hangingPunct="1">
+              <a:lnSpc>
+                <a:spcPct val="90000"/>
+              </a:lnSpc>
+              <a:spcBef>
+                <a:spcPts val="500"/>
+              </a:spcBef>
+              <a:buFont typeface="Arial" panose="020B0604020202020204" pitchFamily="34" charset="0"/>
+              <a:buChar char="•"/>
+              <a:defRPr sz="1800" kern="1200">
+                <a:solidFill>
+                  <a:schemeClr val="tx1"/>
+                </a:solidFill>
+                <a:latin typeface="+mn-lt"/>
+                <a:ea typeface="+mn-ea"/>
+                <a:cs typeface="+mn-cs"/>
+              </a:defRPr>
+            </a:lvl4pPr>
+            <a:lvl5pPr marL="2057400" indent="-228600" algn="l" defTabSz="914400" rtl="0" eaLnBrk="1" latinLnBrk="0" hangingPunct="1">
+              <a:lnSpc>
+                <a:spcPct val="90000"/>
+              </a:lnSpc>
+              <a:spcBef>
+                <a:spcPts val="500"/>
+              </a:spcBef>
+              <a:buFont typeface="Arial" panose="020B0604020202020204" pitchFamily="34" charset="0"/>
+              <a:buChar char="•"/>
+              <a:defRPr sz="1800" kern="1200">
+                <a:solidFill>
+                  <a:schemeClr val="tx1"/>
+                </a:solidFill>
+                <a:latin typeface="+mn-lt"/>
+                <a:ea typeface="+mn-ea"/>
+                <a:cs typeface="+mn-cs"/>
+              </a:defRPr>
+            </a:lvl5pPr>
+            <a:lvl6pPr marL="2514600" indent="-228600" algn="l" defTabSz="914400" rtl="0" eaLnBrk="1" latinLnBrk="0" hangingPunct="1">
+              <a:lnSpc>
+                <a:spcPct val="90000"/>
+              </a:lnSpc>
+              <a:spcBef>
+                <a:spcPts val="500"/>
+              </a:spcBef>
+              <a:buFont typeface="Arial" panose="020B0604020202020204" pitchFamily="34" charset="0"/>
+              <a:buChar char="•"/>
+              <a:defRPr sz="1800" kern="1200">
+                <a:solidFill>
+                  <a:schemeClr val="tx1"/>
+                </a:solidFill>
+                <a:latin typeface="+mn-lt"/>
+                <a:ea typeface="+mn-ea"/>
+                <a:cs typeface="+mn-cs"/>
+              </a:defRPr>
+            </a:lvl6pPr>
+            <a:lvl7pPr marL="2971800" indent="-228600" algn="l" defTabSz="914400" rtl="0" eaLnBrk="1" latinLnBrk="0" hangingPunct="1">
+              <a:lnSpc>
+                <a:spcPct val="90000"/>
+              </a:lnSpc>
+              <a:spcBef>
+                <a:spcPts val="500"/>
+              </a:spcBef>
+              <a:buFont typeface="Arial" panose="020B0604020202020204" pitchFamily="34" charset="0"/>
+              <a:buChar char="•"/>
+              <a:defRPr sz="1800" kern="1200">
+                <a:solidFill>
+                  <a:schemeClr val="tx1"/>
+                </a:solidFill>
+                <a:latin typeface="+mn-lt"/>
+                <a:ea typeface="+mn-ea"/>
+                <a:cs typeface="+mn-cs"/>
+              </a:defRPr>
+            </a:lvl7pPr>
+            <a:lvl8pPr marL="3429000" indent="-228600" algn="l" defTabSz="914400" rtl="0" eaLnBrk="1" latinLnBrk="0" hangingPunct="1">
+              <a:lnSpc>
+                <a:spcPct val="90000"/>
+              </a:lnSpc>
+              <a:spcBef>
+                <a:spcPts val="500"/>
+              </a:spcBef>
+              <a:buFont typeface="Arial" panose="020B0604020202020204" pitchFamily="34" charset="0"/>
+              <a:buChar char="•"/>
+              <a:defRPr sz="1800" kern="1200">
+                <a:solidFill>
+                  <a:schemeClr val="tx1"/>
+                </a:solidFill>
+                <a:latin typeface="+mn-lt"/>
+                <a:ea typeface="+mn-ea"/>
+                <a:cs typeface="+mn-cs"/>
+              </a:defRPr>
+            </a:lvl8pPr>
+            <a:lvl9pPr marL="3886200" indent="-228600" algn="l" defTabSz="914400" rtl="0" eaLnBrk="1" latinLnBrk="0" hangingPunct="1">
+              <a:lnSpc>
+                <a:spcPct val="90000"/>
+              </a:lnSpc>
+              <a:spcBef>
+                <a:spcPts val="500"/>
+              </a:spcBef>
+              <a:buFont typeface="Arial" panose="020B0604020202020204" pitchFamily="34" charset="0"/>
+              <a:buChar char="•"/>
+              <a:defRPr sz="1800" kern="1200">
+                <a:solidFill>
+                  <a:schemeClr val="tx1"/>
+                </a:solidFill>
+                <a:latin typeface="+mn-lt"/>
+                <a:ea typeface="+mn-ea"/>
+                <a:cs typeface="+mn-cs"/>
+              </a:defRPr>
+            </a:lvl9pPr>
+          </a:lstStyle>
+          <a:p>
+            <a:pPr marL="0" indent="0" algn="ctr">
+              <a:buNone/>
+            </a:pPr>
+            <a:r>
+              <a:rPr lang="en-US"/>
+              <a:t>Networking…</a:t>
+            </a:r>
+            <a:endParaRPr lang="en-US" dirty="0"/>
+          </a:p>
+        </p:txBody>
+      </p:sp>
+      <p:pic>
+        <p:nvPicPr>
+          <p:cNvPr id="4" name="Picture 6">
+            <a:extLst>
+              <a:ext uri="{FF2B5EF4-FFF2-40B4-BE49-F238E27FC236}">
+                <a16:creationId xmlns:a16="http://schemas.microsoft.com/office/drawing/2014/main" id="{4E0951CF-718A-A24E-1BBA-52FECDE6FF37}"/>
+              </a:ext>
+            </a:extLst>
+          </p:cNvPr>
+          <p:cNvPicPr>
+            <a:picLocks noChangeAspect="1"/>
+          </p:cNvPicPr>
+          <p:nvPr/>
+        </p:nvPicPr>
+        <p:blipFill>
+          <a:blip r:embed="rId4">
+            <a:alphaModFix amt="85000"/>
+            <a:extLst>
+              <a:ext uri="{28A0092B-C50C-407E-A947-70E740481C1C}">
+                <a14:useLocalDpi xmlns:a14="http://schemas.microsoft.com/office/drawing/2010/main" val="0"/>
+              </a:ext>
+            </a:extLst>
+          </a:blip>
+          <a:stretch>
+            <a:fillRect/>
+          </a:stretch>
+        </p:blipFill>
+        <p:spPr>
+          <a:xfrm>
+            <a:off x="2355055" y="1325101"/>
+            <a:ext cx="7481889" cy="4207798"/>
+          </a:xfrm>
+          <a:prstGeom prst="rect">
+            <a:avLst/>
+          </a:prstGeom>
+          <a:ln w="38100" cap="sq">
+            <a:solidFill>
+              <a:srgbClr val="000000"/>
+            </a:solidFill>
+            <a:prstDash val="solid"/>
+            <a:miter lim="800000"/>
+          </a:ln>
+          <a:effectLst>
+            <a:outerShdw blurRad="50800" dist="38100" dir="2700000" algn="tl" rotWithShape="0">
+              <a:srgbClr val="000000">
+                <a:alpha val="43000"/>
+              </a:srgbClr>
+            </a:outerShdw>
+          </a:effectLst>
+        </p:spPr>
+      </p:pic>
+    </p:spTree>
+    <p:extLst>
+      <p:ext uri="{BB962C8B-B14F-4D97-AF65-F5344CB8AC3E}">
+        <p14:creationId xmlns:p14="http://schemas.microsoft.com/office/powerpoint/2010/main" val="1255202074"/>
+      </p:ext>
+    </p:extLst>
+  </p:cSld>
+  <p:clrMapOvr>
+    <a:masterClrMapping/>
+  </p:clrMapOvr>
+</p:sld>
+</file>
+
+<file path=ppt/slides/slide5.xml><?xml version="1.0" encoding="utf-8"?>
+<p:sld xmlns:a="http://schemas.openxmlformats.org/drawingml/2006/main" xmlns:r="http://schemas.openxmlformats.org/officeDocument/2006/relationships" xmlns:p="http://schemas.openxmlformats.org/presentationml/2006/main">
+  <p:cSld>
+    <p:bg>
+      <p:bgPr>
+        <a:blipFill dpi="0" rotWithShape="1">
+          <a:blip r:embed="rId3">
+            <a:lum/>
+          </a:blip>
+          <a:srcRect/>
+          <a:stretch>
+            <a:fillRect t="-39000" b="-39000"/>
+          </a:stretch>
+        </a:blipFill>
+        <a:effectLst/>
+      </p:bgPr>
+    </p:bg>
+    <p:spTree>
+      <p:nvGrpSpPr>
+        <p:cNvPr id="1" name=""/>
+        <p:cNvGrpSpPr/>
+        <p:nvPr/>
+      </p:nvGrpSpPr>
+      <p:grpSpPr>
+        <a:xfrm>
+          <a:off x="0" y="0"/>
+          <a:ext cx="0" cy="0"/>
+          <a:chOff x="0" y="0"/>
+          <a:chExt cx="0" cy="0"/>
+        </a:xfrm>
+      </p:grpSpPr>
+      <p:sp>
+        <p:nvSpPr>
+          <p:cNvPr id="5" name="Content Placeholder 2"/>
+          <p:cNvSpPr txBox="1">
+            <a:spLocks/>
+          </p:cNvSpPr>
+          <p:nvPr/>
+        </p:nvSpPr>
+        <p:spPr>
+          <a:xfrm>
+            <a:off x="590291" y="348699"/>
+            <a:ext cx="10550460" cy="528380"/>
+          </a:xfrm>
+          <a:prstGeom prst="rect">
+            <a:avLst/>
+          </a:prstGeom>
+          <a:solidFill>
+            <a:schemeClr val="bg1">
+              <a:alpha val="79000"/>
+            </a:schemeClr>
+          </a:solidFill>
+          <a:effectLst>
+            <a:reflection endPos="0" dist="50800" dir="5400000" sy="-100000" algn="bl" rotWithShape="0"/>
+          </a:effectLst>
+        </p:spPr>
+        <p:txBody>
+          <a:bodyPr vert="horz" lIns="91440" tIns="45720" rIns="91440" bIns="45720" rtlCol="0">
+            <a:normAutofit/>
+          </a:bodyPr>
+          <a:lstStyle>
+            <a:lvl1pPr marL="228600" indent="-228600" algn="l" defTabSz="914400" rtl="0" eaLnBrk="1" latinLnBrk="0" hangingPunct="1">
+              <a:lnSpc>
+                <a:spcPct val="90000"/>
+              </a:lnSpc>
+              <a:spcBef>
+                <a:spcPts val="1000"/>
+              </a:spcBef>
+              <a:buFont typeface="Arial" panose="020B0604020202020204" pitchFamily="34" charset="0"/>
+              <a:buChar char="•"/>
+              <a:defRPr sz="2800" kern="1200">
+                <a:solidFill>
+                  <a:schemeClr val="tx1"/>
+                </a:solidFill>
+                <a:latin typeface="+mn-lt"/>
+                <a:ea typeface="+mn-ea"/>
+                <a:cs typeface="+mn-cs"/>
+              </a:defRPr>
+            </a:lvl1pPr>
+            <a:lvl2pPr marL="685800" indent="-228600" algn="l" defTabSz="914400" rtl="0" eaLnBrk="1" latinLnBrk="0" hangingPunct="1">
+              <a:lnSpc>
+                <a:spcPct val="90000"/>
+              </a:lnSpc>
+              <a:spcBef>
+                <a:spcPts val="500"/>
+              </a:spcBef>
+              <a:buFont typeface="Arial" panose="020B0604020202020204" pitchFamily="34" charset="0"/>
+              <a:buChar char="•"/>
+              <a:defRPr sz="2400" kern="1200">
+                <a:solidFill>
+                  <a:schemeClr val="tx1"/>
+                </a:solidFill>
+                <a:latin typeface="+mn-lt"/>
+                <a:ea typeface="+mn-ea"/>
+                <a:cs typeface="+mn-cs"/>
+              </a:defRPr>
+            </a:lvl2pPr>
+            <a:lvl3pPr marL="1143000" indent="-228600" algn="l" defTabSz="914400" rtl="0" eaLnBrk="1" latinLnBrk="0" hangingPunct="1">
+              <a:lnSpc>
+                <a:spcPct val="90000"/>
+              </a:lnSpc>
+              <a:spcBef>
+                <a:spcPts val="500"/>
+              </a:spcBef>
+              <a:buFont typeface="Arial" panose="020B0604020202020204" pitchFamily="34" charset="0"/>
+              <a:buChar char="•"/>
+              <a:defRPr sz="2000" kern="1200">
+                <a:solidFill>
+                  <a:schemeClr val="tx1"/>
+                </a:solidFill>
+                <a:latin typeface="+mn-lt"/>
+                <a:ea typeface="+mn-ea"/>
+                <a:cs typeface="+mn-cs"/>
+              </a:defRPr>
+            </a:lvl3pPr>
+            <a:lvl4pPr marL="1600200" indent="-228600" algn="l" defTabSz="914400" rtl="0" eaLnBrk="1" latinLnBrk="0" hangingPunct="1">
+              <a:lnSpc>
+                <a:spcPct val="90000"/>
+              </a:lnSpc>
+              <a:spcBef>
+                <a:spcPts val="500"/>
+              </a:spcBef>
+              <a:buFont typeface="Arial" panose="020B0604020202020204" pitchFamily="34" charset="0"/>
+              <a:buChar char="•"/>
+              <a:defRPr sz="1800" kern="1200">
+                <a:solidFill>
+                  <a:schemeClr val="tx1"/>
+                </a:solidFill>
+                <a:latin typeface="+mn-lt"/>
+                <a:ea typeface="+mn-ea"/>
+                <a:cs typeface="+mn-cs"/>
+              </a:defRPr>
+            </a:lvl4pPr>
+            <a:lvl5pPr marL="2057400" indent="-228600" algn="l" defTabSz="914400" rtl="0" eaLnBrk="1" latinLnBrk="0" hangingPunct="1">
+              <a:lnSpc>
+                <a:spcPct val="90000"/>
+              </a:lnSpc>
+              <a:spcBef>
+                <a:spcPts val="500"/>
+              </a:spcBef>
+              <a:buFont typeface="Arial" panose="020B0604020202020204" pitchFamily="34" charset="0"/>
+              <a:buChar char="•"/>
+              <a:defRPr sz="1800" kern="1200">
+                <a:solidFill>
+                  <a:schemeClr val="tx1"/>
+                </a:solidFill>
+                <a:latin typeface="+mn-lt"/>
+                <a:ea typeface="+mn-ea"/>
+                <a:cs typeface="+mn-cs"/>
+              </a:defRPr>
+            </a:lvl5pPr>
+            <a:lvl6pPr marL="2514600" indent="-228600" algn="l" defTabSz="914400" rtl="0" eaLnBrk="1" latinLnBrk="0" hangingPunct="1">
+              <a:lnSpc>
+                <a:spcPct val="90000"/>
+              </a:lnSpc>
+              <a:spcBef>
+                <a:spcPts val="500"/>
+              </a:spcBef>
+              <a:buFont typeface="Arial" panose="020B0604020202020204" pitchFamily="34" charset="0"/>
+              <a:buChar char="•"/>
+              <a:defRPr sz="1800" kern="1200">
+                <a:solidFill>
+                  <a:schemeClr val="tx1"/>
+                </a:solidFill>
+                <a:latin typeface="+mn-lt"/>
+                <a:ea typeface="+mn-ea"/>
+                <a:cs typeface="+mn-cs"/>
+              </a:defRPr>
+            </a:lvl6pPr>
+            <a:lvl7pPr marL="2971800" indent="-228600" algn="l" defTabSz="914400" rtl="0" eaLnBrk="1" latinLnBrk="0" hangingPunct="1">
+              <a:lnSpc>
+                <a:spcPct val="90000"/>
+              </a:lnSpc>
+              <a:spcBef>
+                <a:spcPts val="500"/>
+              </a:spcBef>
+              <a:buFont typeface="Arial" panose="020B0604020202020204" pitchFamily="34" charset="0"/>
+              <a:buChar char="•"/>
+              <a:defRPr sz="1800" kern="1200">
+                <a:solidFill>
+                  <a:schemeClr val="tx1"/>
+                </a:solidFill>
+                <a:latin typeface="+mn-lt"/>
+                <a:ea typeface="+mn-ea"/>
+                <a:cs typeface="+mn-cs"/>
+              </a:defRPr>
+            </a:lvl7pPr>
+            <a:lvl8pPr marL="3429000" indent="-228600" algn="l" defTabSz="914400" rtl="0" eaLnBrk="1" latinLnBrk="0" hangingPunct="1">
+              <a:lnSpc>
+                <a:spcPct val="90000"/>
+              </a:lnSpc>
+              <a:spcBef>
+                <a:spcPts val="500"/>
+              </a:spcBef>
+              <a:buFont typeface="Arial" panose="020B0604020202020204" pitchFamily="34" charset="0"/>
+              <a:buChar char="•"/>
+              <a:defRPr sz="1800" kern="1200">
+                <a:solidFill>
+                  <a:schemeClr val="tx1"/>
+                </a:solidFill>
+                <a:latin typeface="+mn-lt"/>
+                <a:ea typeface="+mn-ea"/>
+                <a:cs typeface="+mn-cs"/>
+              </a:defRPr>
+            </a:lvl8pPr>
+            <a:lvl9pPr marL="3886200" indent="-228600" algn="l" defTabSz="914400" rtl="0" eaLnBrk="1" latinLnBrk="0" hangingPunct="1">
+              <a:lnSpc>
+                <a:spcPct val="90000"/>
+              </a:lnSpc>
+              <a:spcBef>
+                <a:spcPts val="500"/>
+              </a:spcBef>
+              <a:buFont typeface="Arial" panose="020B0604020202020204" pitchFamily="34" charset="0"/>
+              <a:buChar char="•"/>
+              <a:defRPr sz="1800" kern="1200">
+                <a:solidFill>
+                  <a:schemeClr val="tx1"/>
+                </a:solidFill>
+                <a:latin typeface="+mn-lt"/>
+                <a:ea typeface="+mn-ea"/>
+                <a:cs typeface="+mn-cs"/>
+              </a:defRPr>
+            </a:lvl9pPr>
+          </a:lstStyle>
+          <a:p>
+            <a:pPr marL="0" indent="0" algn="ctr">
+              <a:buNone/>
+            </a:pPr>
+            <a:r>
+              <a:rPr lang="en-US" dirty="0"/>
+              <a:t>Architecture</a:t>
+            </a:r>
+          </a:p>
+        </p:txBody>
+      </p:sp>
+      <p:pic>
+        <p:nvPicPr>
+          <p:cNvPr id="2" name="תמונה 1">
+            <a:extLst>
+              <a:ext uri="{FF2B5EF4-FFF2-40B4-BE49-F238E27FC236}">
+                <a16:creationId xmlns:a16="http://schemas.microsoft.com/office/drawing/2014/main" id="{C3C46BE8-CFAE-C64D-CF01-E0508EB69D98}"/>
+              </a:ext>
+            </a:extLst>
+          </p:cNvPr>
+          <p:cNvPicPr>
+            <a:picLocks noChangeAspect="1"/>
+          </p:cNvPicPr>
+          <p:nvPr/>
+        </p:nvPicPr>
+        <p:blipFill>
+          <a:blip r:embed="rId4">
+            <a:alphaModFix amt="85000"/>
+          </a:blip>
+          <a:stretch>
+            <a:fillRect/>
+          </a:stretch>
+        </p:blipFill>
+        <p:spPr>
+          <a:xfrm>
+            <a:off x="4045604" y="1348504"/>
+            <a:ext cx="4100791" cy="4160991"/>
+          </a:xfrm>
+          <a:prstGeom prst="rect">
+            <a:avLst/>
+          </a:prstGeom>
+        </p:spPr>
+      </p:pic>
+    </p:spTree>
+    <p:extLst>
+      <p:ext uri="{BB962C8B-B14F-4D97-AF65-F5344CB8AC3E}">
+        <p14:creationId xmlns:p14="http://schemas.microsoft.com/office/powerpoint/2010/main" val="561655785"/>
+      </p:ext>
+    </p:extLst>
+  </p:cSld>
+  <p:clrMapOvr>
+    <a:masterClrMapping/>
+  </p:clrMapOvr>
+</p:sld>
+</file>
+
+<file path=ppt/slides/slide6.xml><?xml version="1.0" encoding="utf-8"?>
+<p:sld xmlns:a="http://schemas.openxmlformats.org/drawingml/2006/main" xmlns:r="http://schemas.openxmlformats.org/officeDocument/2006/relationships" xmlns:p="http://schemas.openxmlformats.org/presentationml/2006/main">
+  <p:cSld>
+    <p:bg>
+      <p:bgPr>
+        <a:blipFill dpi="0" rotWithShape="1">
+          <a:blip r:embed="rId3">
+            <a:lum/>
+          </a:blip>
+          <a:srcRect/>
+          <a:stretch>
+            <a:fillRect t="-39000" b="-39000"/>
+          </a:stretch>
+        </a:blipFill>
+        <a:effectLst/>
+      </p:bgPr>
+    </p:bg>
+    <p:spTree>
+      <p:nvGrpSpPr>
+        <p:cNvPr id="1" name=""/>
+        <p:cNvGrpSpPr/>
+        <p:nvPr/>
+      </p:nvGrpSpPr>
+      <p:grpSpPr>
+        <a:xfrm>
+          <a:off x="0" y="0"/>
+          <a:ext cx="0" cy="0"/>
+          <a:chOff x="0" y="0"/>
+          <a:chExt cx="0" cy="0"/>
+        </a:xfrm>
+      </p:grpSpPr>
+      <p:sp>
+        <p:nvSpPr>
           <p:cNvPr id="3" name="Content Placeholder 2"/>
           <p:cNvSpPr txBox="1">
             <a:spLocks/>
@@ -5781,7 +6874,7 @@
 </p:sld>
 </file>
 
-<file path=ppt/slides/slide5.xml><?xml version="1.0" encoding="utf-8"?>
+<file path=ppt/slides/slide7.xml><?xml version="1.0" encoding="utf-8"?>
 <p:sld xmlns:a="http://schemas.openxmlformats.org/drawingml/2006/main" xmlns:r="http://schemas.openxmlformats.org/officeDocument/2006/relationships" xmlns:p="http://schemas.openxmlformats.org/presentationml/2006/main">
   <p:cSld>
     <p:bg>
@@ -6464,7 +7557,7 @@
 </p:sld>
 </file>
 
-<file path=ppt/slides/slide6.xml><?xml version="1.0" encoding="utf-8"?>
+<file path=ppt/slides/slide8.xml><?xml version="1.0" encoding="utf-8"?>
 <p:sld xmlns:a="http://schemas.openxmlformats.org/drawingml/2006/main" xmlns:r="http://schemas.openxmlformats.org/officeDocument/2006/relationships" xmlns:p="http://schemas.openxmlformats.org/presentationml/2006/main">
   <p:cSld>
     <p:bg>

--- a/מצגת.pptx
+++ b/מצגת.pptx
@@ -5,17 +5,18 @@
     <p:sldMasterId id="2147483648" r:id="rId1"/>
   </p:sldMasterIdLst>
   <p:notesMasterIdLst>
-    <p:notesMasterId r:id="rId10"/>
+    <p:notesMasterId r:id="rId11"/>
   </p:notesMasterIdLst>
   <p:sldIdLst>
     <p:sldId id="256" r:id="rId2"/>
     <p:sldId id="263" r:id="rId3"/>
     <p:sldId id="264" r:id="rId4"/>
-    <p:sldId id="268" r:id="rId5"/>
-    <p:sldId id="269" r:id="rId6"/>
+    <p:sldId id="269" r:id="rId5"/>
+    <p:sldId id="271" r:id="rId6"/>
     <p:sldId id="266" r:id="rId7"/>
     <p:sldId id="265" r:id="rId8"/>
-    <p:sldId id="267" r:id="rId9"/>
+    <p:sldId id="270" r:id="rId9"/>
+    <p:sldId id="267" r:id="rId10"/>
   </p:sldIdLst>
   <p:sldSz cx="12192000" cy="6858000"/>
   <p:notesSz cx="6858000" cy="9144000"/>
@@ -272,7 +273,7 @@
           <a:p>
             <a:fld id="{B2C46940-F930-47E9-98DC-1E12AEB9F35B}" type="datetimeFigureOut">
               <a:rPr lang="en-US" smtClean="0"/>
-              <a:t>6/10/2024</a:t>
+              <a:t>6/16/2024</a:t>
             </a:fld>
             <a:endParaRPr lang="en-US"/>
           </a:p>
@@ -610,7 +611,46 @@
                 <a:ea typeface="+mn-ea"/>
                 <a:cs typeface="+mn-cs"/>
               </a:rPr>
-              <a:t>Hello, we are </a:t>
+              <a:t>Hello, we </a:t>
+            </a:r>
+            <a:r>
+              <a:rPr lang="en-GB" sz="1200" kern="1200" dirty="0" smtClean="0">
+                <a:solidFill>
+                  <a:schemeClr val="tx1"/>
+                </a:solidFill>
+                <a:effectLst/>
+                <a:latin typeface="+mn-lt"/>
+                <a:ea typeface="+mn-ea"/>
+                <a:cs typeface="+mn-cs"/>
+              </a:rPr>
+              <a:t>are </a:t>
+            </a:r>
+            <a:r>
+              <a:rPr lang="en-US" sz="1200" dirty="0" smtClean="0">
+                <a:effectLst/>
+                <a:latin typeface="Calibri" panose="020F0502020204030204" pitchFamily="34" charset="0"/>
+                <a:ea typeface="Times New Roman" panose="02020603050405020304" pitchFamily="18" charset="0"/>
+                <a:cs typeface="Calibri" panose="020F0502020204030204" pitchFamily="34" charset="0"/>
+              </a:rPr>
+              <a:t>Ohad, Elizaveta, </a:t>
+            </a:r>
+            <a:r>
+              <a:rPr lang="en-US" sz="1200" dirty="0" err="1" smtClean="0">
+                <a:effectLst/>
+                <a:latin typeface="Calibri" panose="020F0502020204030204" pitchFamily="34" charset="0"/>
+                <a:ea typeface="Times New Roman" panose="02020603050405020304" pitchFamily="18" charset="0"/>
+                <a:cs typeface="Calibri" panose="020F0502020204030204" pitchFamily="34" charset="0"/>
+              </a:rPr>
+              <a:t>Snir</a:t>
+            </a:r>
+            <a:r>
+              <a:rPr lang="en-US" sz="1200" dirty="0" smtClean="0">
+                <a:effectLst/>
+                <a:latin typeface="Calibri" panose="020F0502020204030204" pitchFamily="34" charset="0"/>
+                <a:ea typeface="Times New Roman" panose="02020603050405020304" pitchFamily="18" charset="0"/>
+                <a:cs typeface="Calibri" panose="020F0502020204030204" pitchFamily="34" charset="0"/>
+              </a:rPr>
+              <a:t>. </a:t>
             </a:r>
             <a:r>
               <a:rPr lang="en-US" sz="1200" dirty="0">
@@ -619,7 +659,7 @@
                 <a:ea typeface="Times New Roman" panose="02020603050405020304" pitchFamily="18" charset="0"/>
                 <a:cs typeface="Calibri" panose="020F0502020204030204" pitchFamily="34" charset="0"/>
               </a:rPr>
-              <a:t>Ohad Badhav, Elizaveta Sidorova, Snir Ben Nissim. We are</a:t>
+              <a:t>We are</a:t>
             </a:r>
             <a:r>
               <a:rPr lang="en-GB" sz="1200" kern="1200" dirty="0">
@@ -631,10 +671,10 @@
                 <a:ea typeface="+mn-ea"/>
                 <a:cs typeface="+mn-cs"/>
               </a:rPr>
-              <a:t> pleased to present the progress in our project</a:t>
-            </a:r>
-            <a:r>
-              <a:rPr lang="en-US" sz="1200" kern="1200" dirty="0">
+              <a:t> pleased to present </a:t>
+            </a:r>
+            <a:r>
+              <a:rPr lang="en-US" sz="1200" kern="1200" dirty="0" smtClean="0">
                 <a:solidFill>
                   <a:schemeClr val="tx1"/>
                 </a:solidFill>
@@ -643,7 +683,19 @@
                 <a:ea typeface="+mn-ea"/>
                 <a:cs typeface="+mn-cs"/>
               </a:rPr>
-              <a:t>.</a:t>
+              <a:t>our game:</a:t>
+            </a:r>
+            <a:r>
+              <a:rPr lang="en-US" sz="1200" kern="1200" baseline="0" dirty="0" smtClean="0">
+                <a:solidFill>
+                  <a:schemeClr val="tx1"/>
+                </a:solidFill>
+                <a:effectLst/>
+                <a:latin typeface="+mn-lt"/>
+                <a:ea typeface="+mn-ea"/>
+                <a:cs typeface="+mn-cs"/>
+              </a:rPr>
+              <a:t> connect and bet.</a:t>
             </a:r>
             <a:endParaRPr lang="he-IL" sz="1200" kern="1200" dirty="0">
               <a:solidFill>
@@ -680,9 +732,90 @@
                 <a:ea typeface="Times New Roman" panose="02020603050405020304" pitchFamily="18" charset="0"/>
                 <a:cs typeface="Calibri" panose="020F0502020204030204" pitchFamily="34" charset="0"/>
               </a:rPr>
-              <a:t>Ohad and I are working on a backend part of the project and Snir is working on a frontend part. Ohad also do networking for our project.  </a:t>
-            </a:r>
-            <a:endParaRPr lang="en-IL" sz="1800" dirty="0">
+              <a:t>Ohad </a:t>
+            </a:r>
+            <a:r>
+              <a:rPr lang="en-US" sz="1800" dirty="0" smtClean="0">
+                <a:effectLst/>
+                <a:latin typeface="Calibri" panose="020F0502020204030204" pitchFamily="34" charset="0"/>
+                <a:ea typeface="Times New Roman" panose="02020603050405020304" pitchFamily="18" charset="0"/>
+                <a:cs typeface="Calibri" panose="020F0502020204030204" pitchFamily="34" charset="0"/>
+              </a:rPr>
+              <a:t>was</a:t>
+            </a:r>
+            <a:r>
+              <a:rPr lang="en-US" sz="1800" baseline="0" dirty="0" smtClean="0">
+                <a:effectLst/>
+                <a:latin typeface="Calibri" panose="020F0502020204030204" pitchFamily="34" charset="0"/>
+                <a:ea typeface="Times New Roman" panose="02020603050405020304" pitchFamily="18" charset="0"/>
+                <a:cs typeface="Calibri" panose="020F0502020204030204" pitchFamily="34" charset="0"/>
+              </a:rPr>
+              <a:t> doing the Networking, </a:t>
+            </a:r>
+            <a:r>
+              <a:rPr lang="en-US" sz="1800" baseline="0" dirty="0" err="1" smtClean="0">
+                <a:effectLst/>
+                <a:latin typeface="Calibri" panose="020F0502020204030204" pitchFamily="34" charset="0"/>
+                <a:ea typeface="Times New Roman" panose="02020603050405020304" pitchFamily="18" charset="0"/>
+                <a:cs typeface="Calibri" panose="020F0502020204030204" pitchFamily="34" charset="0"/>
+              </a:rPr>
+              <a:t>Snir</a:t>
+            </a:r>
+            <a:r>
+              <a:rPr lang="en-US" sz="1800" baseline="0" dirty="0" smtClean="0">
+                <a:effectLst/>
+                <a:latin typeface="Calibri" panose="020F0502020204030204" pitchFamily="34" charset="0"/>
+                <a:ea typeface="Times New Roman" panose="02020603050405020304" pitchFamily="18" charset="0"/>
+                <a:cs typeface="Calibri" panose="020F0502020204030204" pitchFamily="34" charset="0"/>
+              </a:rPr>
+              <a:t> was doing frontend part,</a:t>
+            </a:r>
+            <a:r>
+              <a:rPr lang="en-US" sz="1800" dirty="0" smtClean="0">
+                <a:effectLst/>
+                <a:latin typeface="Calibri" panose="020F0502020204030204" pitchFamily="34" charset="0"/>
+                <a:ea typeface="Times New Roman" panose="02020603050405020304" pitchFamily="18" charset="0"/>
+                <a:cs typeface="Calibri" panose="020F0502020204030204" pitchFamily="34" charset="0"/>
+              </a:rPr>
+              <a:t> and </a:t>
+            </a:r>
+            <a:r>
+              <a:rPr lang="en-US" sz="1800" dirty="0" err="1" smtClean="0">
+                <a:effectLst/>
+                <a:latin typeface="Calibri" panose="020F0502020204030204" pitchFamily="34" charset="0"/>
+                <a:ea typeface="Times New Roman" panose="02020603050405020304" pitchFamily="18" charset="0"/>
+                <a:cs typeface="Calibri" panose="020F0502020204030204" pitchFamily="34" charset="0"/>
+              </a:rPr>
+              <a:t>i</a:t>
+            </a:r>
+            <a:r>
+              <a:rPr lang="en-US" sz="1800" dirty="0" smtClean="0">
+                <a:effectLst/>
+                <a:latin typeface="Calibri" panose="020F0502020204030204" pitchFamily="34" charset="0"/>
+                <a:ea typeface="Times New Roman" panose="02020603050405020304" pitchFamily="18" charset="0"/>
+                <a:cs typeface="Calibri" panose="020F0502020204030204" pitchFamily="34" charset="0"/>
+              </a:rPr>
+              <a:t> was doing the backend </a:t>
+            </a:r>
+            <a:r>
+              <a:rPr lang="en-US" sz="1800" dirty="0">
+                <a:effectLst/>
+                <a:latin typeface="Calibri" panose="020F0502020204030204" pitchFamily="34" charset="0"/>
+                <a:ea typeface="Times New Roman" panose="02020603050405020304" pitchFamily="18" charset="0"/>
+                <a:cs typeface="Calibri" panose="020F0502020204030204" pitchFamily="34" charset="0"/>
+              </a:rPr>
+              <a:t>part of the </a:t>
+            </a:r>
+            <a:r>
+              <a:rPr lang="en-US" sz="1800" dirty="0" smtClean="0">
+                <a:effectLst/>
+                <a:latin typeface="Calibri" panose="020F0502020204030204" pitchFamily="34" charset="0"/>
+                <a:ea typeface="Times New Roman" panose="02020603050405020304" pitchFamily="18" charset="0"/>
+                <a:cs typeface="Calibri" panose="020F0502020204030204" pitchFamily="34" charset="0"/>
+              </a:rPr>
+              <a:t>project.</a:t>
+            </a:r>
+            <a:endParaRPr lang="aa-ET" sz="1800" dirty="0">
               <a:effectLst/>
               <a:latin typeface="Calibri" panose="020F0502020204030204" pitchFamily="34" charset="0"/>
               <a:ea typeface="Times New Roman" panose="02020603050405020304" pitchFamily="18" charset="0"/>
@@ -690,7 +823,7 @@
             </a:endParaRPr>
           </a:p>
           <a:p>
-            <a:endParaRPr lang="en-IL" dirty="0"/>
+            <a:endParaRPr lang="aa-ET" dirty="0"/>
           </a:p>
         </p:txBody>
       </p:sp>
@@ -792,38 +925,13 @@
               <a:defRPr/>
             </a:pPr>
             <a:r>
-              <a:rPr lang="en-GB" sz="1200" kern="1200" dirty="0">
-                <a:solidFill>
-                  <a:schemeClr val="tx1"/>
-                </a:solidFill>
-                <a:effectLst/>
-                <a:latin typeface="+mn-lt"/>
-                <a:ea typeface="+mn-ea"/>
-                <a:cs typeface="+mn-cs"/>
-              </a:rPr>
-              <a:t>Hello, we are pleased to present the progress in our project</a:t>
-            </a:r>
-            <a:r>
-              <a:rPr lang="en-US" sz="1200" kern="1200" dirty="0">
-                <a:solidFill>
-                  <a:schemeClr val="tx1"/>
-                </a:solidFill>
-                <a:effectLst/>
-                <a:latin typeface="+mn-lt"/>
-                <a:ea typeface="+mn-ea"/>
-                <a:cs typeface="+mn-cs"/>
-              </a:rPr>
-              <a:t>.</a:t>
-            </a:r>
-            <a:endParaRPr lang="he-IL" sz="1200" kern="1200" dirty="0">
-              <a:solidFill>
-                <a:schemeClr val="tx1"/>
-              </a:solidFill>
-              <a:effectLst/>
-              <a:latin typeface="+mn-lt"/>
-              <a:ea typeface="+mn-ea"/>
-              <a:cs typeface="+mn-cs"/>
-            </a:endParaRPr>
+              <a:rPr lang="en-US" dirty="0" smtClean="0"/>
+              <a:t>The </a:t>
+            </a:r>
+            <a:r>
+              <a:rPr lang="en-US" dirty="0"/>
+              <a:t>Connect &amp; Bet game lets you play casino games with your friends by simply connecting from the same room.</a:t>
+            </a:r>
           </a:p>
           <a:p>
             <a:pPr marL="0" marR="0" lvl="0" indent="0" algn="l" defTabSz="914400" rtl="0" eaLnBrk="1" fontAlgn="auto" latinLnBrk="0" hangingPunct="1">
@@ -845,7 +953,7 @@
             </a:pPr>
             <a:r>
               <a:rPr lang="en-US" dirty="0"/>
-              <a:t>The Connect &amp; Bet game lets you play casino games with your friends by simply connecting from the same room.</a:t>
+              <a:t>All you need to do, is to enter your username, and join the party.</a:t>
             </a:r>
           </a:p>
           <a:p>
@@ -868,31 +976,13 @@
             </a:pPr>
             <a:r>
               <a:rPr lang="en-US" dirty="0"/>
-              <a:t>All you need to do, is to enter your username, and join the party.</a:t>
-            </a:r>
-          </a:p>
-          <a:p>
-            <a:pPr marL="0" marR="0" lvl="0" indent="0" algn="l" defTabSz="914400" rtl="0" eaLnBrk="1" fontAlgn="auto" latinLnBrk="0" hangingPunct="1">
-              <a:lnSpc>
-                <a:spcPct val="100000"/>
-              </a:lnSpc>
-              <a:spcBef>
-                <a:spcPts val="0"/>
-              </a:spcBef>
-              <a:spcAft>
-                <a:spcPts val="0"/>
-              </a:spcAft>
-              <a:buClrTx/>
-              <a:buSzTx/>
-              <a:buFontTx/>
-              <a:buNone/>
-              <a:tabLst/>
-              <a:defRPr/>
-            </a:pPr>
-            <a:r>
-              <a:rPr lang="en-US" dirty="0"/>
-              <a:t>Together, you will play our diverse casino games</a:t>
-            </a:r>
+              <a:t>Together, you will play our diverse casino </a:t>
+            </a:r>
+            <a:r>
+              <a:rPr lang="en-US" dirty="0" smtClean="0"/>
+              <a:t>games.</a:t>
+            </a:r>
+            <a:endParaRPr lang="en-US" dirty="0"/>
           </a:p>
           <a:p>
             <a:pPr marL="0" marR="0" lvl="0" indent="0" algn="l" defTabSz="914400" rtl="0" eaLnBrk="1" fontAlgn="auto" latinLnBrk="0" hangingPunct="1">
@@ -974,11 +1064,112 @@
                 <a:ea typeface="+mn-ea"/>
                 <a:cs typeface="+mn-cs"/>
               </a:rPr>
-              <a:t>game offers an Innovative multiplayer experience where players can create their own gaming rooms or join existing ones. This platform facilitates collaborative gameplay, allowing users to come together and enjoy a variety of engaging casino games. Through seamless connectivity and innovative features, players can experience the thrill of the casino from the comfort of their own devices.</a:t>
-            </a:r>
-          </a:p>
-          <a:p>
-            <a:endParaRPr lang="en-US" dirty="0"/>
+              <a:t>game offers an Innovative multiplayer experience where players </a:t>
+            </a:r>
+            <a:r>
+              <a:rPr lang="en-US" sz="1200" kern="1200" dirty="0" smtClean="0">
+                <a:solidFill>
+                  <a:schemeClr val="tx1"/>
+                </a:solidFill>
+                <a:effectLst/>
+                <a:latin typeface="+mn-lt"/>
+                <a:ea typeface="+mn-ea"/>
+                <a:cs typeface="+mn-cs"/>
+              </a:rPr>
+              <a:t>can</a:t>
+            </a:r>
+            <a:r>
+              <a:rPr lang="en-US" sz="1200" kern="1200" baseline="0" dirty="0" smtClean="0">
+                <a:solidFill>
+                  <a:schemeClr val="tx1"/>
+                </a:solidFill>
+                <a:effectLst/>
+                <a:latin typeface="+mn-lt"/>
+                <a:ea typeface="+mn-ea"/>
+                <a:cs typeface="+mn-cs"/>
+              </a:rPr>
+              <a:t> see their own point of view from their device, and in a shared screen, the casino table.</a:t>
+            </a:r>
+          </a:p>
+          <a:p>
+            <a:pPr marL="0" marR="0" lvl="0" indent="0" algn="l" defTabSz="914400" rtl="0" eaLnBrk="1" fontAlgn="auto" latinLnBrk="0" hangingPunct="1">
+              <a:lnSpc>
+                <a:spcPct val="100000"/>
+              </a:lnSpc>
+              <a:spcBef>
+                <a:spcPts val="0"/>
+              </a:spcBef>
+              <a:spcAft>
+                <a:spcPts val="0"/>
+              </a:spcAft>
+              <a:buClrTx/>
+              <a:buSzTx/>
+              <a:buFontTx/>
+              <a:buNone/>
+              <a:tabLst/>
+              <a:defRPr/>
+            </a:pPr>
+            <a:r>
+              <a:rPr lang="en-US" sz="1200" kern="1200" dirty="0" smtClean="0">
+                <a:solidFill>
+                  <a:schemeClr val="tx1"/>
+                </a:solidFill>
+                <a:effectLst/>
+                <a:latin typeface="+mn-lt"/>
+                <a:ea typeface="+mn-ea"/>
+                <a:cs typeface="+mn-cs"/>
+              </a:rPr>
+              <a:t>This platform facilitates collaborative gameplay, allowing users to feel</a:t>
+            </a:r>
+            <a:r>
+              <a:rPr lang="en-US" sz="1200" kern="1200" baseline="0" dirty="0" smtClean="0">
+                <a:solidFill>
+                  <a:schemeClr val="tx1"/>
+                </a:solidFill>
+                <a:effectLst/>
+                <a:latin typeface="+mn-lt"/>
+                <a:ea typeface="+mn-ea"/>
+                <a:cs typeface="+mn-cs"/>
+              </a:rPr>
+              <a:t> the excitement of a real casino game.</a:t>
+            </a:r>
+            <a:endParaRPr lang="en-US" sz="1200" kern="1200" dirty="0" smtClean="0">
+              <a:solidFill>
+                <a:schemeClr val="tx1"/>
+              </a:solidFill>
+              <a:effectLst/>
+              <a:latin typeface="+mn-lt"/>
+              <a:ea typeface="+mn-ea"/>
+              <a:cs typeface="+mn-cs"/>
+            </a:endParaRPr>
+          </a:p>
+          <a:p>
+            <a:pPr marL="0" marR="0" lvl="0" indent="0" algn="l" defTabSz="914400" rtl="0" eaLnBrk="1" fontAlgn="auto" latinLnBrk="0" hangingPunct="1">
+              <a:lnSpc>
+                <a:spcPct val="100000"/>
+              </a:lnSpc>
+              <a:spcBef>
+                <a:spcPts val="0"/>
+              </a:spcBef>
+              <a:spcAft>
+                <a:spcPts val="0"/>
+              </a:spcAft>
+              <a:buClrTx/>
+              <a:buSzTx/>
+              <a:buFontTx/>
+              <a:buNone/>
+              <a:tabLst/>
+              <a:defRPr/>
+            </a:pPr>
+            <a:endParaRPr lang="en-US" sz="1200" kern="1200" dirty="0" smtClean="0">
+              <a:solidFill>
+                <a:schemeClr val="tx1"/>
+              </a:solidFill>
+              <a:effectLst/>
+              <a:latin typeface="+mn-lt"/>
+              <a:ea typeface="+mn-ea"/>
+              <a:cs typeface="+mn-cs"/>
+            </a:endParaRPr>
           </a:p>
         </p:txBody>
       </p:sp>
@@ -1064,23 +1255,40 @@
           <a:p>
             <a:r>
               <a:rPr lang="en-US" dirty="0"/>
-              <a:t>The network detection feature enables all users to join the hosts' lobby.</a:t>
-            </a:r>
-          </a:p>
-          <a:p>
+              <a:t>The </a:t>
+            </a:r>
+            <a:r>
+              <a:rPr lang="en-US" dirty="0" smtClean="0"/>
+              <a:t>Location detection </a:t>
+            </a:r>
             <a:r>
               <a:rPr lang="en-US" dirty="0"/>
-              <a:t>The lobby</a:t>
-            </a:r>
+              <a:t>feature enables all users to join the hosts' lobby.</a:t>
+            </a:r>
+          </a:p>
+          <a:p>
+            <a:r>
+              <a:rPr lang="en-US" dirty="0"/>
+              <a:t>The </a:t>
+            </a:r>
+            <a:r>
+              <a:rPr lang="en-US" dirty="0" smtClean="0"/>
+              <a:t>host creates a server</a:t>
+            </a:r>
+            <a:r>
+              <a:rPr lang="en-US" baseline="0" dirty="0" smtClean="0"/>
+              <a:t> behind the scenes, </a:t>
+            </a:r>
+            <a:endParaRPr lang="en-US" baseline="0" dirty="0"/>
+          </a:p>
+          <a:p>
             <a:r>
               <a:rPr lang="en-US" baseline="0" dirty="0"/>
-              <a:t> creating actually creates a server port in the hosts’ device. </a:t>
-            </a:r>
-          </a:p>
-          <a:p>
-            <a:r>
-              <a:rPr lang="en-US" baseline="0" dirty="0"/>
-              <a:t>That allows all users to connect to that server.</a:t>
+              <a:t>That allows all users to connect </a:t>
+            </a:r>
+            <a:r>
+              <a:rPr lang="en-US" baseline="0" dirty="0" smtClean="0"/>
+              <a:t>with each other.</a:t>
             </a:r>
             <a:endParaRPr lang="en-US" dirty="0"/>
           </a:p>
@@ -1100,38 +1308,24 @@
           </a:p>
           <a:p>
             <a:r>
-              <a:rPr lang="en-US" sz="1200" kern="1200" dirty="0">
-                <a:solidFill>
-                  <a:schemeClr val="tx1"/>
-                </a:solidFill>
-                <a:effectLst/>
-                <a:latin typeface="+mn-lt"/>
-                <a:ea typeface="+mn-ea"/>
-                <a:cs typeface="+mn-cs"/>
-              </a:rPr>
-              <a:t>Our data</a:t>
-            </a:r>
-            <a:r>
-              <a:rPr lang="en-US" sz="1200" kern="1200" baseline="0" dirty="0">
-                <a:solidFill>
-                  <a:schemeClr val="tx1"/>
-                </a:solidFill>
-                <a:effectLst/>
-                <a:latin typeface="+mn-lt"/>
-                <a:ea typeface="+mn-ea"/>
-                <a:cs typeface="+mn-cs"/>
-              </a:rPr>
-              <a:t> about each user is stored in firebase cloud service. </a:t>
-            </a:r>
-          </a:p>
-          <a:p>
+              <a:rPr lang="en-US" dirty="0" smtClean="0"/>
+              <a:t>The </a:t>
+            </a:r>
             <a:r>
               <a:rPr lang="en-US" dirty="0"/>
-              <a:t>The server advertising</a:t>
+              <a:t>server advertising</a:t>
             </a:r>
             <a:r>
               <a:rPr lang="en-US" baseline="0" dirty="0"/>
-              <a:t> allows all clients to access that database through the host.</a:t>
+              <a:t> allows all clients to </a:t>
+            </a:r>
+            <a:r>
+              <a:rPr lang="en-US" baseline="0" dirty="0" smtClean="0"/>
+              <a:t>access data through </a:t>
+            </a:r>
+            <a:r>
+              <a:rPr lang="en-US" baseline="0" dirty="0"/>
+              <a:t>the host.</a:t>
             </a:r>
             <a:endParaRPr lang="en-US" dirty="0"/>
           </a:p>
@@ -1217,6 +1411,83 @@
           <a:bodyPr/>
           <a:lstStyle/>
           <a:p>
+            <a:r>
+              <a:rPr lang="en-US" dirty="0" smtClean="0"/>
+              <a:t>In this diagram we can see</a:t>
+            </a:r>
+            <a:r>
+              <a:rPr lang="en-US" baseline="0" dirty="0" smtClean="0"/>
+              <a:t> our project’s high level architecture. </a:t>
+            </a:r>
+          </a:p>
+          <a:p>
+            <a:r>
+              <a:rPr lang="en-US" baseline="0" dirty="0" smtClean="0"/>
+              <a:t>Now lets see a demonstration of the game flow.</a:t>
+            </a:r>
+          </a:p>
+          <a:p>
+            <a:r>
+              <a:rPr lang="en-US" baseline="0" dirty="0" smtClean="0"/>
+              <a:t>In the login screen, users can sign up to our game with new usernames automatically.</a:t>
+            </a:r>
+          </a:p>
+          <a:p>
+            <a:r>
+              <a:rPr lang="en-US" baseline="0" dirty="0" smtClean="0"/>
+              <a:t>Or to login with their past username.</a:t>
+            </a:r>
+          </a:p>
+          <a:p>
+            <a:r>
+              <a:rPr lang="en-US" baseline="0" dirty="0" smtClean="0"/>
+              <a:t>In the next screen, users can create a room and advertise their device as server. </a:t>
+            </a:r>
+          </a:p>
+          <a:p>
+            <a:r>
+              <a:rPr lang="en-US" baseline="0" dirty="0" smtClean="0"/>
+              <a:t>And the other users can join.</a:t>
+            </a:r>
+          </a:p>
+          <a:p>
+            <a:r>
+              <a:rPr lang="en-US" baseline="0" dirty="0" smtClean="0"/>
+              <a:t>In the next screen users gather, and wait for host to start the game.</a:t>
+            </a:r>
+          </a:p>
+          <a:p>
+            <a:r>
+              <a:rPr lang="en-US" baseline="0" dirty="0" smtClean="0"/>
+              <a:t>Now the magic starts: Users joined the hosts room without any friend-list, or internet connection needed.</a:t>
+            </a:r>
+          </a:p>
+          <a:p>
+            <a:endParaRPr lang="en-US" baseline="0" dirty="0" smtClean="0"/>
+          </a:p>
+          <a:p>
+            <a:r>
+              <a:rPr lang="en-US" baseline="0" dirty="0" smtClean="0"/>
+              <a:t>Liza: After host started the game, </a:t>
+            </a:r>
+            <a:r>
+              <a:rPr lang="en-US" baseline="0" dirty="0" err="1" smtClean="0"/>
+              <a:t>i</a:t>
+            </a:r>
+            <a:r>
+              <a:rPr lang="en-US" baseline="0" dirty="0" smtClean="0"/>
+              <a:t> can play a complete </a:t>
+            </a:r>
+            <a:r>
+              <a:rPr lang="en-US" baseline="0" dirty="0" err="1" smtClean="0"/>
+              <a:t>BlackJack</a:t>
+            </a:r>
+            <a:r>
+              <a:rPr lang="en-US" baseline="0" dirty="0" smtClean="0"/>
+              <a:t> game.</a:t>
+            </a:r>
+          </a:p>
+          <a:p>
             <a:endParaRPr lang="en-US" dirty="0"/>
           </a:p>
         </p:txBody>
@@ -1247,7 +1518,7 @@
     </p:spTree>
     <p:extLst>
       <p:ext uri="{BB962C8B-B14F-4D97-AF65-F5344CB8AC3E}">
-        <p14:creationId xmlns:p14="http://schemas.microsoft.com/office/powerpoint/2010/main" val="931496981"/>
+        <p14:creationId xmlns:p14="http://schemas.microsoft.com/office/powerpoint/2010/main" val="3802084452"/>
       </p:ext>
     </p:extLst>
   </p:cSld>
@@ -1301,7 +1572,7 @@
           <a:bodyPr/>
           <a:lstStyle/>
           <a:p>
-            <a:endParaRPr lang="en-US" dirty="0"/>
+            <a:endParaRPr lang="en-US" baseline="0" dirty="0" smtClean="0"/>
           </a:p>
         </p:txBody>
       </p:sp>
@@ -1331,7 +1602,7 @@
     </p:spTree>
     <p:extLst>
       <p:ext uri="{BB962C8B-B14F-4D97-AF65-F5344CB8AC3E}">
-        <p14:creationId xmlns:p14="http://schemas.microsoft.com/office/powerpoint/2010/main" val="3802084452"/>
+        <p14:creationId xmlns:p14="http://schemas.microsoft.com/office/powerpoint/2010/main" val="3598486330"/>
       </p:ext>
     </p:extLst>
   </p:cSld>
@@ -1553,40 +1824,29 @@
           <a:bodyPr/>
           <a:lstStyle/>
           <a:p>
-            <a:pPr lvl="0" rtl="0"/>
-            <a:r>
-              <a:rPr lang="en-US" sz="1200" kern="1200" dirty="0">
-                <a:solidFill>
-                  <a:schemeClr val="tx1"/>
-                </a:solidFill>
-                <a:effectLst/>
-                <a:latin typeface="+mn-lt"/>
-                <a:ea typeface="+mn-ea"/>
-                <a:cs typeface="+mn-cs"/>
-              </a:rPr>
-              <a:t>Our game offers casino games including Poker and Blackjack. Using our location detection feature, players can swiftly join games with their nearby friends, providing an authentic casino experience as they play alongside others at the same table/ same screen.</a:t>
-            </a:r>
-          </a:p>
-          <a:p>
-            <a:r>
-              <a:rPr lang="en-US" sz="1200" kern="1200" dirty="0">
-                <a:solidFill>
-                  <a:schemeClr val="tx1"/>
-                </a:solidFill>
-                <a:effectLst/>
-                <a:latin typeface="+mn-lt"/>
-                <a:ea typeface="+mn-ea"/>
-                <a:cs typeface="+mn-cs"/>
-              </a:rPr>
-              <a:t>Our game utilizes nearby detection technology to create a unique and seamless gaming experience, enabling players to swiftly connect and enjoy the excitement of the casino with their nearby friends, without the need for complex friend lists or cumbersome invitations.</a:t>
-            </a:r>
-          </a:p>
-          <a:p>
-            <a:pPr lvl="0" rtl="0"/>
-            <a:r>
-              <a:rPr lang="en-US" dirty="0"/>
-              <a:t>Now we are ready for questions.</a:t>
-            </a:r>
+            <a:r>
+              <a:rPr lang="en-US" dirty="0" smtClean="0"/>
+              <a:t>Here</a:t>
+            </a:r>
+            <a:r>
+              <a:rPr lang="en-US" baseline="0" dirty="0" smtClean="0"/>
+              <a:t> is a demonstration of the mobile devices playing </a:t>
+            </a:r>
+            <a:r>
+              <a:rPr lang="en-US" baseline="0" dirty="0" err="1" smtClean="0"/>
+              <a:t>BlackJack</a:t>
+            </a:r>
+            <a:r>
+              <a:rPr lang="en-US" baseline="0" dirty="0" smtClean="0"/>
+              <a:t>, and the host’s shared screen.</a:t>
+            </a:r>
+          </a:p>
+          <a:p>
+            <a:r>
+              <a:rPr lang="en-US" baseline="0" dirty="0" smtClean="0"/>
+              <a:t>This is our UI demonstration. This is not yet implemented with our backend.</a:t>
+            </a:r>
+            <a:endParaRPr lang="en-US" dirty="0"/>
           </a:p>
         </p:txBody>
       </p:sp>
@@ -1608,6 +1868,205 @@
             <a:fld id="{07A20EE1-F588-4E94-B6E1-1A68F755FB6D}" type="slidenum">
               <a:rPr lang="en-US" smtClean="0"/>
               <a:t>8</a:t>
+            </a:fld>
+            <a:endParaRPr lang="en-US"/>
+          </a:p>
+        </p:txBody>
+      </p:sp>
+    </p:spTree>
+    <p:extLst>
+      <p:ext uri="{BB962C8B-B14F-4D97-AF65-F5344CB8AC3E}">
+        <p14:creationId xmlns:p14="http://schemas.microsoft.com/office/powerpoint/2010/main" val="554007521"/>
+      </p:ext>
+    </p:extLst>
+  </p:cSld>
+  <p:clrMapOvr>
+    <a:masterClrMapping/>
+  </p:clrMapOvr>
+</p:notes>
+</file>
+
+<file path=ppt/notesSlides/notesSlide9.xml><?xml version="1.0" encoding="utf-8"?>
+<p:notes xmlns:a="http://schemas.openxmlformats.org/drawingml/2006/main" xmlns:r="http://schemas.openxmlformats.org/officeDocument/2006/relationships" xmlns:p="http://schemas.openxmlformats.org/presentationml/2006/main">
+  <p:cSld>
+    <p:spTree>
+      <p:nvGrpSpPr>
+        <p:cNvPr id="1" name=""/>
+        <p:cNvGrpSpPr/>
+        <p:nvPr/>
+      </p:nvGrpSpPr>
+      <p:grpSpPr>
+        <a:xfrm>
+          <a:off x="0" y="0"/>
+          <a:ext cx="0" cy="0"/>
+          <a:chOff x="0" y="0"/>
+          <a:chExt cx="0" cy="0"/>
+        </a:xfrm>
+      </p:grpSpPr>
+      <p:sp>
+        <p:nvSpPr>
+          <p:cNvPr id="2" name="Slide Image Placeholder 1"/>
+          <p:cNvSpPr>
+            <a:spLocks noGrp="1" noRot="1" noChangeAspect="1"/>
+          </p:cNvSpPr>
+          <p:nvPr>
+            <p:ph type="sldImg"/>
+          </p:nvPr>
+        </p:nvSpPr>
+        <p:spPr/>
+      </p:sp>
+      <p:sp>
+        <p:nvSpPr>
+          <p:cNvPr id="3" name="Notes Placeholder 2"/>
+          <p:cNvSpPr>
+            <a:spLocks noGrp="1"/>
+          </p:cNvSpPr>
+          <p:nvPr>
+            <p:ph type="body" idx="1"/>
+          </p:nvPr>
+        </p:nvSpPr>
+        <p:spPr/>
+        <p:txBody>
+          <a:bodyPr/>
+          <a:lstStyle/>
+          <a:p>
+            <a:pPr lvl="0" rtl="0"/>
+            <a:r>
+              <a:rPr lang="en-US" sz="1200" kern="1200" dirty="0" smtClean="0">
+                <a:solidFill>
+                  <a:schemeClr val="tx1"/>
+                </a:solidFill>
+                <a:effectLst/>
+                <a:latin typeface="+mn-lt"/>
+                <a:ea typeface="+mn-ea"/>
+                <a:cs typeface="+mn-cs"/>
+              </a:rPr>
+              <a:t>In</a:t>
+            </a:r>
+            <a:r>
+              <a:rPr lang="en-US" sz="1200" kern="1200" baseline="0" dirty="0" smtClean="0">
+                <a:solidFill>
+                  <a:schemeClr val="tx1"/>
+                </a:solidFill>
+                <a:effectLst/>
+                <a:latin typeface="+mn-lt"/>
+                <a:ea typeface="+mn-ea"/>
+                <a:cs typeface="+mn-cs"/>
+              </a:rPr>
+              <a:t> </a:t>
+            </a:r>
+            <a:r>
+              <a:rPr lang="en-US" dirty="0" smtClean="0"/>
+              <a:t>conclusion</a:t>
+            </a:r>
+            <a:r>
+              <a:rPr lang="en-US" sz="1200" kern="1200" dirty="0" smtClean="0">
+                <a:solidFill>
+                  <a:schemeClr val="tx1"/>
+                </a:solidFill>
+                <a:effectLst/>
+                <a:latin typeface="+mn-lt"/>
+                <a:ea typeface="+mn-ea"/>
+                <a:cs typeface="+mn-cs"/>
+              </a:rPr>
+              <a:t>,</a:t>
+            </a:r>
+            <a:r>
+              <a:rPr lang="en-US" sz="1200" kern="1200" baseline="0" dirty="0" smtClean="0">
+                <a:solidFill>
+                  <a:schemeClr val="tx1"/>
+                </a:solidFill>
+                <a:effectLst/>
+                <a:latin typeface="+mn-lt"/>
+                <a:ea typeface="+mn-ea"/>
+                <a:cs typeface="+mn-cs"/>
+              </a:rPr>
+              <a:t> o</a:t>
+            </a:r>
+            <a:r>
+              <a:rPr lang="en-US" sz="1200" kern="1200" dirty="0" smtClean="0">
+                <a:solidFill>
+                  <a:schemeClr val="tx1"/>
+                </a:solidFill>
+                <a:effectLst/>
+                <a:latin typeface="+mn-lt"/>
+                <a:ea typeface="+mn-ea"/>
+                <a:cs typeface="+mn-cs"/>
+              </a:rPr>
+              <a:t>ur game offers casino games including Blackjack and a future</a:t>
+            </a:r>
+            <a:r>
+              <a:rPr lang="en-US" sz="1200" kern="1200" baseline="0" dirty="0" smtClean="0">
+                <a:solidFill>
+                  <a:schemeClr val="tx1"/>
+                </a:solidFill>
+                <a:effectLst/>
+                <a:latin typeface="+mn-lt"/>
+                <a:ea typeface="+mn-ea"/>
+                <a:cs typeface="+mn-cs"/>
+              </a:rPr>
+              <a:t> Poker game</a:t>
+            </a:r>
+            <a:r>
+              <a:rPr lang="en-US" sz="1200" kern="1200" dirty="0" smtClean="0">
+                <a:solidFill>
+                  <a:schemeClr val="tx1"/>
+                </a:solidFill>
+                <a:effectLst/>
+                <a:latin typeface="+mn-lt"/>
+                <a:ea typeface="+mn-ea"/>
+                <a:cs typeface="+mn-cs"/>
+              </a:rPr>
+              <a:t>.</a:t>
+            </a:r>
+          </a:p>
+          <a:p>
+            <a:pPr lvl="0" rtl="0"/>
+            <a:r>
+              <a:rPr lang="en-US" sz="1200" kern="1200" dirty="0" smtClean="0">
+                <a:solidFill>
+                  <a:schemeClr val="tx1"/>
+                </a:solidFill>
+                <a:effectLst/>
+                <a:latin typeface="+mn-lt"/>
+                <a:ea typeface="+mn-ea"/>
+                <a:cs typeface="+mn-cs"/>
+              </a:rPr>
+              <a:t>Using our location detection feature, players can swiftly join games with their nearby friends, providing an authentic casino experience as they play alongside others at the same table/ same screen, without the need for complex friend lists or cumbersome invitations.</a:t>
+            </a:r>
+          </a:p>
+          <a:p>
+            <a:pPr lvl="0" rtl="0"/>
+            <a:endParaRPr lang="en-US" dirty="0" smtClean="0"/>
+          </a:p>
+          <a:p>
+            <a:pPr lvl="0" rtl="0"/>
+            <a:r>
+              <a:rPr lang="en-US" dirty="0" smtClean="0"/>
+              <a:t>Now we are ready for questions.</a:t>
+            </a:r>
+            <a:endParaRPr lang="en-US" dirty="0"/>
+          </a:p>
+        </p:txBody>
+      </p:sp>
+      <p:sp>
+        <p:nvSpPr>
+          <p:cNvPr id="4" name="Slide Number Placeholder 3"/>
+          <p:cNvSpPr>
+            <a:spLocks noGrp="1"/>
+          </p:cNvSpPr>
+          <p:nvPr>
+            <p:ph type="sldNum" sz="quarter" idx="10"/>
+          </p:nvPr>
+        </p:nvSpPr>
+        <p:spPr/>
+        <p:txBody>
+          <a:bodyPr/>
+          <a:lstStyle/>
+          <a:p>
+            <a:fld id="{07A20EE1-F588-4E94-B6E1-1A68F755FB6D}" type="slidenum">
+              <a:rPr lang="en-US" smtClean="0"/>
+              <a:t>9</a:t>
             </a:fld>
             <a:endParaRPr lang="en-US"/>
           </a:p>
@@ -1755,7 +2214,7 @@
           <a:p>
             <a:fld id="{025084BC-9C32-4510-8AD6-A3E4343D3F09}" type="datetimeFigureOut">
               <a:rPr lang="en-US" smtClean="0"/>
-              <a:t>6/10/2024</a:t>
+              <a:t>6/16/2024</a:t>
             </a:fld>
             <a:endParaRPr lang="en-US"/>
           </a:p>
@@ -1923,7 +2382,7 @@
           <a:p>
             <a:fld id="{025084BC-9C32-4510-8AD6-A3E4343D3F09}" type="datetimeFigureOut">
               <a:rPr lang="en-US" smtClean="0"/>
-              <a:t>6/10/2024</a:t>
+              <a:t>6/16/2024</a:t>
             </a:fld>
             <a:endParaRPr lang="en-US"/>
           </a:p>
@@ -2101,7 +2560,7 @@
           <a:p>
             <a:fld id="{025084BC-9C32-4510-8AD6-A3E4343D3F09}" type="datetimeFigureOut">
               <a:rPr lang="en-US" smtClean="0"/>
-              <a:t>6/10/2024</a:t>
+              <a:t>6/16/2024</a:t>
             </a:fld>
             <a:endParaRPr lang="en-US"/>
           </a:p>
@@ -2269,7 +2728,7 @@
           <a:p>
             <a:fld id="{025084BC-9C32-4510-8AD6-A3E4343D3F09}" type="datetimeFigureOut">
               <a:rPr lang="en-US" smtClean="0"/>
-              <a:t>6/10/2024</a:t>
+              <a:t>6/16/2024</a:t>
             </a:fld>
             <a:endParaRPr lang="en-US"/>
           </a:p>
@@ -2514,7 +2973,7 @@
           <a:p>
             <a:fld id="{025084BC-9C32-4510-8AD6-A3E4343D3F09}" type="datetimeFigureOut">
               <a:rPr lang="en-US" smtClean="0"/>
-              <a:t>6/10/2024</a:t>
+              <a:t>6/16/2024</a:t>
             </a:fld>
             <a:endParaRPr lang="en-US"/>
           </a:p>
@@ -2743,7 +3202,7 @@
           <a:p>
             <a:fld id="{025084BC-9C32-4510-8AD6-A3E4343D3F09}" type="datetimeFigureOut">
               <a:rPr lang="en-US" smtClean="0"/>
-              <a:t>6/10/2024</a:t>
+              <a:t>6/16/2024</a:t>
             </a:fld>
             <a:endParaRPr lang="en-US"/>
           </a:p>
@@ -3107,7 +3566,7 @@
           <a:p>
             <a:fld id="{025084BC-9C32-4510-8AD6-A3E4343D3F09}" type="datetimeFigureOut">
               <a:rPr lang="en-US" smtClean="0"/>
-              <a:t>6/10/2024</a:t>
+              <a:t>6/16/2024</a:t>
             </a:fld>
             <a:endParaRPr lang="en-US"/>
           </a:p>
@@ -3224,7 +3683,7 @@
           <a:p>
             <a:fld id="{025084BC-9C32-4510-8AD6-A3E4343D3F09}" type="datetimeFigureOut">
               <a:rPr lang="en-US" smtClean="0"/>
-              <a:t>6/10/2024</a:t>
+              <a:t>6/16/2024</a:t>
             </a:fld>
             <a:endParaRPr lang="en-US"/>
           </a:p>
@@ -3319,7 +3778,7 @@
           <a:p>
             <a:fld id="{025084BC-9C32-4510-8AD6-A3E4343D3F09}" type="datetimeFigureOut">
               <a:rPr lang="en-US" smtClean="0"/>
-              <a:t>6/10/2024</a:t>
+              <a:t>6/16/2024</a:t>
             </a:fld>
             <a:endParaRPr lang="en-US"/>
           </a:p>
@@ -3594,7 +4053,7 @@
           <a:p>
             <a:fld id="{025084BC-9C32-4510-8AD6-A3E4343D3F09}" type="datetimeFigureOut">
               <a:rPr lang="en-US" smtClean="0"/>
-              <a:t>6/10/2024</a:t>
+              <a:t>6/16/2024</a:t>
             </a:fld>
             <a:endParaRPr lang="en-US"/>
           </a:p>
@@ -3846,7 +4305,7 @@
           <a:p>
             <a:fld id="{025084BC-9C32-4510-8AD6-A3E4343D3F09}" type="datetimeFigureOut">
               <a:rPr lang="en-US" smtClean="0"/>
-              <a:t>6/10/2024</a:t>
+              <a:t>6/16/2024</a:t>
             </a:fld>
             <a:endParaRPr lang="en-US"/>
           </a:p>
@@ -4057,7 +4516,7 @@
           <a:p>
             <a:fld id="{025084BC-9C32-4510-8AD6-A3E4343D3F09}" type="datetimeFigureOut">
               <a:rPr lang="en-US" smtClean="0"/>
-              <a:t>6/10/2024</a:t>
+              <a:t>6/16/2024</a:t>
             </a:fld>
             <a:endParaRPr lang="en-US"/>
           </a:p>
@@ -4486,6 +4945,13 @@
   <p:clrMapOvr>
     <a:masterClrMapping/>
   </p:clrMapOvr>
+  <p:timing>
+    <p:tnLst>
+      <p:par>
+        <p:cTn id="1" dur="indefinite" restart="never" nodeType="tmRoot"/>
+      </p:par>
+    </p:tnLst>
+  </p:timing>
 </p:sld>
 </file>
 
@@ -5133,6 +5599,13 @@
   <p:clrMapOvr>
     <a:masterClrMapping/>
   </p:clrMapOvr>
+  <p:timing>
+    <p:tnLst>
+      <p:par>
+        <p:cTn id="1" dur="indefinite" restart="never" nodeType="tmRoot"/>
+      </p:par>
+    </p:tnLst>
+  </p:timing>
 </p:sld>
 </file>
 
@@ -5363,8 +5836,25 @@
           <a:p>
             <a:r>
               <a:rPr lang="en-US" dirty="0"/>
-              <a:t>Through our network detection feature, all members join the lobby, to communication with each other.</a:t>
-            </a:r>
+              <a:t>Through </a:t>
+            </a:r>
+            <a:r>
+              <a:rPr lang="en-US" dirty="0" smtClean="0"/>
+              <a:t>our location detection </a:t>
+            </a:r>
+            <a:r>
+              <a:rPr lang="en-US" dirty="0"/>
+              <a:t>feature, all members join the lobby, to communication with </a:t>
+            </a:r>
+            <a:r>
+              <a:rPr lang="en-US"/>
+              <a:t>each </a:t>
+            </a:r>
+            <a:r>
+              <a:rPr lang="en-US" smtClean="0"/>
+              <a:t>other.</a:t>
+            </a:r>
+            <a:endParaRPr lang="en-US" dirty="0"/>
           </a:p>
         </p:txBody>
       </p:sp>
@@ -5783,6 +6273,13 @@
   <p:clrMapOvr>
     <a:masterClrMapping/>
   </p:clrMapOvr>
+  <p:timing>
+    <p:tnLst>
+      <p:par>
+        <p:cTn id="1" dur="indefinite" restart="never" nodeType="tmRoot"/>
+      </p:par>
+    </p:tnLst>
+  </p:timing>
 </p:sld>
 </file>
 
@@ -6015,19 +6512,18 @@
               <a:buNone/>
             </a:pPr>
             <a:r>
-              <a:rPr lang="en-US"/>
-              <a:t>Networking…</a:t>
-            </a:r>
-            <a:endParaRPr lang="en-US" dirty="0"/>
+              <a:rPr lang="en-US" dirty="0"/>
+              <a:t>Architecture</a:t>
+            </a:r>
           </a:p>
         </p:txBody>
       </p:sp>
       <p:pic>
         <p:nvPicPr>
-          <p:cNvPr id="4" name="Picture 6">
+          <p:cNvPr id="2" name="תמונה 1">
             <a:extLst>
               <a:ext uri="{FF2B5EF4-FFF2-40B4-BE49-F238E27FC236}">
-                <a16:creationId xmlns:a16="http://schemas.microsoft.com/office/drawing/2014/main" id="{4E0951CF-718A-A24E-1BBA-52FECDE6FF37}"/>
+                <a16:creationId xmlns:a16="http://schemas.microsoft.com/office/drawing/2014/main" xmlns="" id="{C3C46BE8-CFAE-C64D-CF01-E0508EB69D98}"/>
               </a:ext>
             </a:extLst>
           </p:cNvPr>
@@ -6039,11 +6535,6 @@
         <p:blipFill>
           <a:blip r:embed="rId4">
             <a:alphaModFix amt="85000"/>
-            <a:extLst>
-              <a:ext uri="{28A0092B-C50C-407E-A947-70E740481C1C}">
-                <a14:useLocalDpi xmlns:a14="http://schemas.microsoft.com/office/drawing/2010/main" val="0"/>
-              </a:ext>
-            </a:extLst>
           </a:blip>
           <a:stretch>
             <a:fillRect/>
@@ -6051,38 +6542,39 @@
         </p:blipFill>
         <p:spPr>
           <a:xfrm>
-            <a:off x="2355055" y="1325101"/>
-            <a:ext cx="7481889" cy="4207798"/>
+            <a:off x="2805994" y="877079"/>
+            <a:ext cx="5942210" cy="6029442"/>
           </a:xfrm>
           <a:prstGeom prst="rect">
             <a:avLst/>
           </a:prstGeom>
-          <a:ln w="38100" cap="sq">
-            <a:solidFill>
-              <a:srgbClr val="000000"/>
-            </a:solidFill>
-            <a:prstDash val="solid"/>
-            <a:miter lim="800000"/>
-          </a:ln>
+          <a:solidFill>
+            <a:schemeClr val="bg1">
+              <a:alpha val="90000"/>
+            </a:schemeClr>
+          </a:solidFill>
           <a:effectLst>
-            <a:outerShdw blurRad="50800" dist="38100" dir="2700000" algn="tl" rotWithShape="0">
-              <a:srgbClr val="000000">
-                <a:alpha val="43000"/>
-              </a:srgbClr>
-            </a:outerShdw>
+            <a:reflection endPos="0" dist="50800" dir="5400000" sy="-100000" algn="bl" rotWithShape="0"/>
           </a:effectLst>
         </p:spPr>
       </p:pic>
     </p:spTree>
     <p:extLst>
       <p:ext uri="{BB962C8B-B14F-4D97-AF65-F5344CB8AC3E}">
-        <p14:creationId xmlns:p14="http://schemas.microsoft.com/office/powerpoint/2010/main" val="1255202074"/>
+        <p14:creationId xmlns:p14="http://schemas.microsoft.com/office/powerpoint/2010/main" val="561655785"/>
       </p:ext>
     </p:extLst>
   </p:cSld>
   <p:clrMapOvr>
     <a:masterClrMapping/>
   </p:clrMapOvr>
+  <p:timing>
+    <p:tnLst>
+      <p:par>
+        <p:cTn id="1" dur="indefinite" restart="never" nodeType="tmRoot"/>
+      </p:par>
+    </p:tnLst>
+  </p:timing>
 </p:sld>
 </file>
 
@@ -6321,48 +6813,23 @@
           </a:p>
         </p:txBody>
       </p:sp>
-      <p:pic>
-        <p:nvPicPr>
-          <p:cNvPr id="2" name="תמונה 1">
-            <a:extLst>
-              <a:ext uri="{FF2B5EF4-FFF2-40B4-BE49-F238E27FC236}">
-                <a16:creationId xmlns:a16="http://schemas.microsoft.com/office/drawing/2014/main" id="{C3C46BE8-CFAE-C64D-CF01-E0508EB69D98}"/>
-              </a:ext>
-            </a:extLst>
-          </p:cNvPr>
-          <p:cNvPicPr>
-            <a:picLocks noChangeAspect="1"/>
-          </p:cNvPicPr>
-          <p:nvPr/>
-        </p:nvPicPr>
-        <p:blipFill>
-          <a:blip r:embed="rId4">
-            <a:alphaModFix amt="85000"/>
-          </a:blip>
-          <a:stretch>
-            <a:fillRect/>
-          </a:stretch>
-        </p:blipFill>
-        <p:spPr>
-          <a:xfrm>
-            <a:off x="4045604" y="1348504"/>
-            <a:ext cx="4100791" cy="4160991"/>
-          </a:xfrm>
-          <a:prstGeom prst="rect">
-            <a:avLst/>
-          </a:prstGeom>
-        </p:spPr>
-      </p:pic>
     </p:spTree>
     <p:extLst>
       <p:ext uri="{BB962C8B-B14F-4D97-AF65-F5344CB8AC3E}">
-        <p14:creationId xmlns:p14="http://schemas.microsoft.com/office/powerpoint/2010/main" val="561655785"/>
+        <p14:creationId xmlns:p14="http://schemas.microsoft.com/office/powerpoint/2010/main" val="3761443849"/>
       </p:ext>
     </p:extLst>
   </p:cSld>
   <p:clrMapOvr>
     <a:masterClrMapping/>
   </p:clrMapOvr>
+  <p:timing>
+    <p:tnLst>
+      <p:par>
+        <p:cTn id="1" dur="indefinite" restart="never" nodeType="tmRoot"/>
+      </p:par>
+    </p:tnLst>
+  </p:timing>
 </p:sld>
 </file>
 
@@ -6407,7 +6874,7 @@
         </p:nvSpPr>
         <p:spPr>
           <a:xfrm>
-            <a:off x="590291" y="1035904"/>
+            <a:off x="590291" y="1170657"/>
             <a:ext cx="10550460" cy="1727546"/>
           </a:xfrm>
           <a:prstGeom prst="rect">
@@ -6871,6 +7338,13 @@
   <p:clrMapOvr>
     <a:masterClrMapping/>
   </p:clrMapOvr>
+  <p:timing>
+    <p:tnLst>
+      <p:par>
+        <p:cTn id="1" dur="indefinite" restart="never" nodeType="tmRoot"/>
+      </p:par>
+    </p:tnLst>
+  </p:timing>
 </p:sld>
 </file>
 
@@ -7554,10 +8028,577 @@
   <p:clrMapOvr>
     <a:masterClrMapping/>
   </p:clrMapOvr>
+  <p:timing>
+    <p:tnLst>
+      <p:par>
+        <p:cTn id="1" dur="indefinite" restart="never" nodeType="tmRoot"/>
+      </p:par>
+    </p:tnLst>
+  </p:timing>
 </p:sld>
 </file>
 
 <file path=ppt/slides/slide8.xml><?xml version="1.0" encoding="utf-8"?>
+<p:sld xmlns:a="http://schemas.openxmlformats.org/drawingml/2006/main" xmlns:r="http://schemas.openxmlformats.org/officeDocument/2006/relationships" xmlns:p="http://schemas.openxmlformats.org/presentationml/2006/main">
+  <p:cSld>
+    <p:spTree>
+      <p:nvGrpSpPr>
+        <p:cNvPr id="1" name=""/>
+        <p:cNvGrpSpPr/>
+        <p:nvPr/>
+      </p:nvGrpSpPr>
+      <p:grpSpPr>
+        <a:xfrm>
+          <a:off x="0" y="0"/>
+          <a:ext cx="0" cy="0"/>
+          <a:chOff x="0" y="0"/>
+          <a:chExt cx="0" cy="0"/>
+        </a:xfrm>
+      </p:grpSpPr>
+      <p:sp>
+        <p:nvSpPr>
+          <p:cNvPr id="19" name="Rectangle 18">
+            <a:extLst>
+              <a:ext uri="{FF2B5EF4-FFF2-40B4-BE49-F238E27FC236}">
+                <a16:creationId xmlns="" xmlns:a16="http://schemas.microsoft.com/office/drawing/2014/main" id="{09B072E5-AFAD-E828-1111-5CBFE9D25B86}"/>
+              </a:ext>
+            </a:extLst>
+          </p:cNvPr>
+          <p:cNvSpPr/>
+          <p:nvPr/>
+        </p:nvSpPr>
+        <p:spPr>
+          <a:xfrm>
+            <a:off x="0" y="2872451"/>
+            <a:ext cx="12192000" cy="3985549"/>
+          </a:xfrm>
+          <a:prstGeom prst="rect">
+            <a:avLst/>
+          </a:prstGeom>
+          <a:solidFill>
+            <a:schemeClr val="bg2">
+              <a:lumMod val="90000"/>
+            </a:schemeClr>
+          </a:solidFill>
+          <a:ln>
+            <a:noFill/>
+          </a:ln>
+        </p:spPr>
+        <p:style>
+          <a:lnRef idx="2">
+            <a:schemeClr val="accent1">
+              <a:shade val="15000"/>
+            </a:schemeClr>
+          </a:lnRef>
+          <a:fillRef idx="1">
+            <a:schemeClr val="accent1"/>
+          </a:fillRef>
+          <a:effectRef idx="0">
+            <a:schemeClr val="accent1"/>
+          </a:effectRef>
+          <a:fontRef idx="minor">
+            <a:schemeClr val="lt1"/>
+          </a:fontRef>
+        </p:style>
+        <p:txBody>
+          <a:bodyPr rtlCol="0" anchor="ctr"/>
+          <a:lstStyle/>
+          <a:p>
+            <a:pPr algn="ctr"/>
+            <a:endParaRPr lang="x-none"/>
+          </a:p>
+        </p:txBody>
+      </p:sp>
+      <p:sp>
+        <p:nvSpPr>
+          <p:cNvPr id="38" name="Freeform: Shape 37">
+            <a:extLst>
+              <a:ext uri="{FF2B5EF4-FFF2-40B4-BE49-F238E27FC236}">
+                <a16:creationId xmlns="" xmlns:a16="http://schemas.microsoft.com/office/drawing/2014/main" id="{8E38EE54-5629-EFE8-3665-A6BD949976FA}"/>
+              </a:ext>
+            </a:extLst>
+          </p:cNvPr>
+          <p:cNvSpPr/>
+          <p:nvPr/>
+        </p:nvSpPr>
+        <p:spPr>
+          <a:xfrm>
+            <a:off x="123496" y="264119"/>
+            <a:ext cx="12192000" cy="6934154"/>
+          </a:xfrm>
+          <a:custGeom>
+            <a:avLst/>
+            <a:gdLst>
+              <a:gd name="connsiteX0" fmla="*/ 0 w 12192000"/>
+              <a:gd name="connsiteY0" fmla="*/ 0 h 5014273"/>
+              <a:gd name="connsiteX1" fmla="*/ 12192000 w 12192000"/>
+              <a:gd name="connsiteY1" fmla="*/ 0 h 5014273"/>
+              <a:gd name="connsiteX2" fmla="*/ 12192000 w 12192000"/>
+              <a:gd name="connsiteY2" fmla="*/ 3624456 h 5014273"/>
+              <a:gd name="connsiteX3" fmla="*/ 12191019 w 12192000"/>
+              <a:gd name="connsiteY3" fmla="*/ 3624456 h 5014273"/>
+              <a:gd name="connsiteX4" fmla="*/ 12192000 w 12192000"/>
+              <a:gd name="connsiteY4" fmla="*/ 3628871 h 5014273"/>
+              <a:gd name="connsiteX5" fmla="*/ 6096000 w 12192000"/>
+              <a:gd name="connsiteY5" fmla="*/ 5014273 h 5014273"/>
+              <a:gd name="connsiteX6" fmla="*/ 0 w 12192000"/>
+              <a:gd name="connsiteY6" fmla="*/ 3628871 h 5014273"/>
+              <a:gd name="connsiteX7" fmla="*/ 981 w 12192000"/>
+              <a:gd name="connsiteY7" fmla="*/ 3624456 h 5014273"/>
+              <a:gd name="connsiteX8" fmla="*/ 0 w 12192000"/>
+              <a:gd name="connsiteY8" fmla="*/ 3624456 h 5014273"/>
+            </a:gdLst>
+            <a:ahLst/>
+            <a:cxnLst>
+              <a:cxn ang="0">
+                <a:pos x="connsiteX0" y="connsiteY0"/>
+              </a:cxn>
+              <a:cxn ang="0">
+                <a:pos x="connsiteX1" y="connsiteY1"/>
+              </a:cxn>
+              <a:cxn ang="0">
+                <a:pos x="connsiteX2" y="connsiteY2"/>
+              </a:cxn>
+              <a:cxn ang="0">
+                <a:pos x="connsiteX3" y="connsiteY3"/>
+              </a:cxn>
+              <a:cxn ang="0">
+                <a:pos x="connsiteX4" y="connsiteY4"/>
+              </a:cxn>
+              <a:cxn ang="0">
+                <a:pos x="connsiteX5" y="connsiteY5"/>
+              </a:cxn>
+              <a:cxn ang="0">
+                <a:pos x="connsiteX6" y="connsiteY6"/>
+              </a:cxn>
+              <a:cxn ang="0">
+                <a:pos x="connsiteX7" y="connsiteY7"/>
+              </a:cxn>
+              <a:cxn ang="0">
+                <a:pos x="connsiteX8" y="connsiteY8"/>
+              </a:cxn>
+            </a:cxnLst>
+            <a:rect l="l" t="t" r="r" b="b"/>
+            <a:pathLst>
+              <a:path w="12192000" h="5014273">
+                <a:moveTo>
+                  <a:pt x="0" y="0"/>
+                </a:moveTo>
+                <a:lnTo>
+                  <a:pt x="12192000" y="0"/>
+                </a:lnTo>
+                <a:lnTo>
+                  <a:pt x="12192000" y="3624456"/>
+                </a:lnTo>
+                <a:lnTo>
+                  <a:pt x="12191019" y="3624456"/>
+                </a:lnTo>
+                <a:lnTo>
+                  <a:pt x="12192000" y="3628871"/>
+                </a:lnTo>
+                <a:cubicBezTo>
+                  <a:pt x="12192000" y="4394007"/>
+                  <a:pt x="9462728" y="5014273"/>
+                  <a:pt x="6096000" y="5014273"/>
+                </a:cubicBezTo>
+                <a:cubicBezTo>
+                  <a:pt x="2729272" y="5014273"/>
+                  <a:pt x="0" y="4394007"/>
+                  <a:pt x="0" y="3628871"/>
+                </a:cubicBezTo>
+                <a:lnTo>
+                  <a:pt x="981" y="3624456"/>
+                </a:lnTo>
+                <a:lnTo>
+                  <a:pt x="0" y="3624456"/>
+                </a:lnTo>
+                <a:close/>
+              </a:path>
+            </a:pathLst>
+          </a:custGeom>
+          <a:blipFill dpi="0" rotWithShape="1">
+            <a:blip r:embed="rId3">
+              <a:extLst>
+                <a:ext uri="{28A0092B-C50C-407E-A947-70E740481C1C}">
+                  <a14:useLocalDpi xmlns:a14="http://schemas.microsoft.com/office/drawing/2010/main" val="0"/>
+                </a:ext>
+              </a:extLst>
+            </a:blip>
+            <a:srcRect/>
+            <a:stretch>
+              <a:fillRect/>
+            </a:stretch>
+          </a:blipFill>
+          <a:ln w="76200"/>
+        </p:spPr>
+        <p:style>
+          <a:lnRef idx="2">
+            <a:schemeClr val="accent1">
+              <a:shade val="15000"/>
+            </a:schemeClr>
+          </a:lnRef>
+          <a:fillRef idx="1">
+            <a:schemeClr val="accent1"/>
+          </a:fillRef>
+          <a:effectRef idx="0">
+            <a:schemeClr val="accent1"/>
+          </a:effectRef>
+          <a:fontRef idx="minor">
+            <a:schemeClr val="lt1"/>
+          </a:fontRef>
+        </p:style>
+        <p:txBody>
+          <a:bodyPr wrap="square" rtlCol="0" anchor="ctr">
+            <a:noAutofit/>
+          </a:bodyPr>
+          <a:lstStyle/>
+          <a:p>
+            <a:pPr algn="ctr"/>
+            <a:endParaRPr lang="x-none" dirty="0"/>
+          </a:p>
+        </p:txBody>
+      </p:sp>
+      <p:sp>
+        <p:nvSpPr>
+          <p:cNvPr id="26" name="TextBox 25">
+            <a:extLst>
+              <a:ext uri="{FF2B5EF4-FFF2-40B4-BE49-F238E27FC236}">
+                <a16:creationId xmlns="" xmlns:a16="http://schemas.microsoft.com/office/drawing/2014/main" id="{388D737E-AA00-8EBF-DF4B-CC39DD3965A6}"/>
+              </a:ext>
+            </a:extLst>
+          </p:cNvPr>
+          <p:cNvSpPr txBox="1"/>
+          <p:nvPr/>
+        </p:nvSpPr>
+        <p:spPr>
+          <a:xfrm>
+            <a:off x="4033035" y="363671"/>
+            <a:ext cx="4516179" cy="584775"/>
+          </a:xfrm>
+          <a:prstGeom prst="rect">
+            <a:avLst/>
+          </a:prstGeom>
+          <a:noFill/>
+        </p:spPr>
+        <p:txBody>
+          <a:bodyPr wrap="square" lIns="91440" tIns="45720" rIns="91440" bIns="45720">
+            <a:spAutoFit/>
+          </a:bodyPr>
+          <a:lstStyle>
+            <a:defPPr>
+              <a:defRPr lang="x-none"/>
+            </a:defPPr>
+            <a:lvl1pPr algn="just">
+              <a:defRPr sz="3200" b="1">
+                <a:ln w="0">
+                  <a:solidFill>
+                    <a:schemeClr val="bg2"/>
+                  </a:solidFill>
+                </a:ln>
+                <a:solidFill>
+                  <a:schemeClr val="bg2">
+                    <a:lumMod val="90000"/>
+                  </a:schemeClr>
+                </a:solidFill>
+                <a:effectLst>
+                  <a:outerShdw blurRad="38100" dist="19050" dir="2700000" algn="tl" rotWithShape="0">
+                    <a:schemeClr val="dk1">
+                      <a:alpha val="40000"/>
+                    </a:schemeClr>
+                  </a:outerShdw>
+                </a:effectLst>
+              </a:defRPr>
+            </a:lvl1pPr>
+            <a:lvl2pPr marL="685800" indent="-228600">
+              <a:lnSpc>
+                <a:spcPct val="90000"/>
+              </a:lnSpc>
+              <a:spcBef>
+                <a:spcPts val="500"/>
+              </a:spcBef>
+              <a:buFont typeface="Arial" panose="020B0604020202020204" pitchFamily="34" charset="0"/>
+              <a:buChar char="•"/>
+              <a:defRPr sz="2400"/>
+            </a:lvl2pPr>
+            <a:lvl3pPr marL="1143000" indent="-228600">
+              <a:lnSpc>
+                <a:spcPct val="90000"/>
+              </a:lnSpc>
+              <a:spcBef>
+                <a:spcPts val="500"/>
+              </a:spcBef>
+              <a:buFont typeface="Arial" panose="020B0604020202020204" pitchFamily="34" charset="0"/>
+              <a:buChar char="•"/>
+              <a:defRPr sz="2000"/>
+            </a:lvl3pPr>
+            <a:lvl4pPr marL="1600200" indent="-228600">
+              <a:lnSpc>
+                <a:spcPct val="90000"/>
+              </a:lnSpc>
+              <a:spcBef>
+                <a:spcPts val="500"/>
+              </a:spcBef>
+              <a:buFont typeface="Arial" panose="020B0604020202020204" pitchFamily="34" charset="0"/>
+              <a:buChar char="•"/>
+            </a:lvl4pPr>
+            <a:lvl5pPr marL="2057400" indent="-228600">
+              <a:lnSpc>
+                <a:spcPct val="90000"/>
+              </a:lnSpc>
+              <a:spcBef>
+                <a:spcPts val="500"/>
+              </a:spcBef>
+              <a:buFont typeface="Arial" panose="020B0604020202020204" pitchFamily="34" charset="0"/>
+              <a:buChar char="•"/>
+            </a:lvl5pPr>
+            <a:lvl6pPr marL="2514600" indent="-228600">
+              <a:lnSpc>
+                <a:spcPct val="90000"/>
+              </a:lnSpc>
+              <a:spcBef>
+                <a:spcPts val="500"/>
+              </a:spcBef>
+              <a:buFont typeface="Arial" panose="020B0604020202020204" pitchFamily="34" charset="0"/>
+              <a:buChar char="•"/>
+            </a:lvl6pPr>
+            <a:lvl7pPr marL="2971800" indent="-228600">
+              <a:lnSpc>
+                <a:spcPct val="90000"/>
+              </a:lnSpc>
+              <a:spcBef>
+                <a:spcPts val="500"/>
+              </a:spcBef>
+              <a:buFont typeface="Arial" panose="020B0604020202020204" pitchFamily="34" charset="0"/>
+              <a:buChar char="•"/>
+            </a:lvl7pPr>
+            <a:lvl8pPr marL="3429000" indent="-228600">
+              <a:lnSpc>
+                <a:spcPct val="90000"/>
+              </a:lnSpc>
+              <a:spcBef>
+                <a:spcPts val="500"/>
+              </a:spcBef>
+              <a:buFont typeface="Arial" panose="020B0604020202020204" pitchFamily="34" charset="0"/>
+              <a:buChar char="•"/>
+            </a:lvl8pPr>
+            <a:lvl9pPr marL="3886200" indent="-228600">
+              <a:lnSpc>
+                <a:spcPct val="90000"/>
+              </a:lnSpc>
+              <a:spcBef>
+                <a:spcPts val="500"/>
+              </a:spcBef>
+              <a:buFont typeface="Arial" panose="020B0604020202020204" pitchFamily="34" charset="0"/>
+              <a:buChar char="•"/>
+            </a:lvl9pPr>
+          </a:lstStyle>
+          <a:p>
+            <a:r>
+              <a:rPr lang="en-US" dirty="0"/>
+              <a:t>Real casino experience </a:t>
+            </a:r>
+          </a:p>
+        </p:txBody>
+      </p:sp>
+      <p:pic>
+        <p:nvPicPr>
+          <p:cNvPr id="18" name="תמונה 11">
+            <a:extLst>
+              <a:ext uri="{FF2B5EF4-FFF2-40B4-BE49-F238E27FC236}">
+                <a16:creationId xmlns="" xmlns:a16="http://schemas.microsoft.com/office/drawing/2014/main" id="{3310A6D1-80FC-F9F9-58DC-0E2597695574}"/>
+              </a:ext>
+            </a:extLst>
+          </p:cNvPr>
+          <p:cNvPicPr/>
+          <p:nvPr/>
+        </p:nvPicPr>
+        <p:blipFill>
+          <a:blip r:embed="rId4" cstate="print">
+            <a:extLst>
+              <a:ext uri="{28A0092B-C50C-407E-A947-70E740481C1C}">
+                <a14:useLocalDpi xmlns:a14="http://schemas.microsoft.com/office/drawing/2010/main" val="0"/>
+              </a:ext>
+            </a:extLst>
+          </a:blip>
+          <a:srcRect/>
+          <a:stretch>
+            <a:fillRect/>
+          </a:stretch>
+        </p:blipFill>
+        <p:spPr bwMode="auto">
+          <a:xfrm>
+            <a:off x="3147461" y="1030664"/>
+            <a:ext cx="6144070" cy="3420147"/>
+          </a:xfrm>
+          <a:prstGeom prst="rect">
+            <a:avLst/>
+          </a:prstGeom>
+          <a:ln w="38100" cap="sq">
+            <a:solidFill>
+              <a:srgbClr val="000000"/>
+            </a:solidFill>
+            <a:prstDash val="solid"/>
+            <a:miter lim="800000"/>
+          </a:ln>
+          <a:effectLst>
+            <a:outerShdw blurRad="50800" dist="38100" dir="2700000" algn="tl" rotWithShape="0">
+              <a:srgbClr val="000000">
+                <a:alpha val="43000"/>
+              </a:srgbClr>
+            </a:outerShdw>
+          </a:effectLst>
+        </p:spPr>
+      </p:pic>
+      <p:pic>
+        <p:nvPicPr>
+          <p:cNvPr id="3" name="Picture 2"/>
+          <p:cNvPicPr>
+            <a:picLocks noChangeAspect="1"/>
+          </p:cNvPicPr>
+          <p:nvPr/>
+        </p:nvPicPr>
+        <p:blipFill>
+          <a:blip r:embed="rId5" cstate="print">
+            <a:extLst>
+              <a:ext uri="{28A0092B-C50C-407E-A947-70E740481C1C}">
+                <a14:useLocalDpi xmlns:a14="http://schemas.microsoft.com/office/drawing/2010/main" val="0"/>
+              </a:ext>
+            </a:extLst>
+          </a:blip>
+          <a:stretch>
+            <a:fillRect/>
+          </a:stretch>
+        </p:blipFill>
+        <p:spPr>
+          <a:xfrm>
+            <a:off x="1561469" y="4992997"/>
+            <a:ext cx="2690816" cy="1357816"/>
+          </a:xfrm>
+          <a:prstGeom prst="rect">
+            <a:avLst/>
+          </a:prstGeom>
+          <a:ln>
+            <a:noFill/>
+          </a:ln>
+          <a:effectLst>
+            <a:outerShdw blurRad="190500" algn="tl" rotWithShape="0">
+              <a:srgbClr val="000000">
+                <a:alpha val="70000"/>
+              </a:srgbClr>
+            </a:outerShdw>
+          </a:effectLst>
+        </p:spPr>
+      </p:pic>
+      <p:pic>
+        <p:nvPicPr>
+          <p:cNvPr id="28" name="Picture 27"/>
+          <p:cNvPicPr>
+            <a:picLocks noChangeAspect="1"/>
+          </p:cNvPicPr>
+          <p:nvPr/>
+        </p:nvPicPr>
+        <p:blipFill>
+          <a:blip r:embed="rId5" cstate="print">
+            <a:extLst>
+              <a:ext uri="{28A0092B-C50C-407E-A947-70E740481C1C}">
+                <a14:useLocalDpi xmlns:a14="http://schemas.microsoft.com/office/drawing/2010/main" val="0"/>
+              </a:ext>
+            </a:extLst>
+          </a:blip>
+          <a:stretch>
+            <a:fillRect/>
+          </a:stretch>
+        </p:blipFill>
+        <p:spPr>
+          <a:xfrm>
+            <a:off x="8167505" y="4992997"/>
+            <a:ext cx="2690816" cy="1357816"/>
+          </a:xfrm>
+          <a:prstGeom prst="rect">
+            <a:avLst/>
+          </a:prstGeom>
+          <a:ln>
+            <a:noFill/>
+          </a:ln>
+          <a:effectLst>
+            <a:reflection blurRad="12700" stA="30000" endPos="30000" dist="5000" dir="5400000" sy="-100000" algn="bl" rotWithShape="0"/>
+          </a:effectLst>
+          <a:scene3d>
+            <a:camera prst="perspectiveContrastingLeftFacing">
+              <a:rot lat="300000" lon="19800000" rev="0"/>
+            </a:camera>
+            <a:lightRig rig="threePt" dir="t">
+              <a:rot lat="0" lon="0" rev="2700000"/>
+            </a:lightRig>
+          </a:scene3d>
+          <a:sp3d>
+            <a:bevelT w="63500" h="50800"/>
+          </a:sp3d>
+        </p:spPr>
+      </p:pic>
+      <p:pic>
+        <p:nvPicPr>
+          <p:cNvPr id="29" name="Picture 28"/>
+          <p:cNvPicPr>
+            <a:picLocks noChangeAspect="1"/>
+          </p:cNvPicPr>
+          <p:nvPr/>
+        </p:nvPicPr>
+        <p:blipFill>
+          <a:blip r:embed="rId5" cstate="print">
+            <a:extLst>
+              <a:ext uri="{28A0092B-C50C-407E-A947-70E740481C1C}">
+                <a14:useLocalDpi xmlns:a14="http://schemas.microsoft.com/office/drawing/2010/main" val="0"/>
+              </a:ext>
+            </a:extLst>
+          </a:blip>
+          <a:stretch>
+            <a:fillRect/>
+          </a:stretch>
+        </p:blipFill>
+        <p:spPr>
+          <a:xfrm>
+            <a:off x="4750592" y="5038006"/>
+            <a:ext cx="2690816" cy="1357816"/>
+          </a:xfrm>
+          <a:prstGeom prst="rect">
+            <a:avLst/>
+          </a:prstGeom>
+        </p:spPr>
+      </p:pic>
+    </p:spTree>
+    <p:extLst>
+      <p:ext uri="{BB962C8B-B14F-4D97-AF65-F5344CB8AC3E}">
+        <p14:creationId xmlns:p14="http://schemas.microsoft.com/office/powerpoint/2010/main" val="341020819"/>
+      </p:ext>
+    </p:extLst>
+  </p:cSld>
+  <p:clrMapOvr>
+    <a:masterClrMapping/>
+  </p:clrMapOvr>
+  <mc:AlternateContent xmlns:mc="http://schemas.openxmlformats.org/markup-compatibility/2006">
+    <mc:Choice xmlns="" xmlns:p159="http://schemas.microsoft.com/office/powerpoint/2015/09/main" Requires="p159">
+      <p:transition xmlns:p14="http://schemas.microsoft.com/office/powerpoint/2010/main" spd="slow" p14:dur="2000">
+        <p159:morph option="byObject"/>
+      </p:transition>
+    </mc:Choice>
+    <mc:Fallback>
+      <p:transition spd="slow">
+        <p:fade/>
+      </p:transition>
+    </mc:Fallback>
+  </mc:AlternateContent>
+  <p:timing>
+    <p:tnLst>
+      <p:par>
+        <p:cTn id="1" dur="indefinite" restart="never" nodeType="tmRoot"/>
+      </p:par>
+    </p:tnLst>
+  </p:timing>
+</p:sld>
+</file>
+
+<file path=ppt/slides/slide9.xml><?xml version="1.0" encoding="utf-8"?>
 <p:sld xmlns:a="http://schemas.openxmlformats.org/drawingml/2006/main" xmlns:r="http://schemas.openxmlformats.org/officeDocument/2006/relationships" xmlns:p="http://schemas.openxmlformats.org/presentationml/2006/main">
   <p:cSld>
     <p:bg>
@@ -8204,6 +9245,13 @@
   <p:clrMapOvr>
     <a:masterClrMapping/>
   </p:clrMapOvr>
+  <p:timing>
+    <p:tnLst>
+      <p:par>
+        <p:cTn id="1" dur="indefinite" restart="never" nodeType="tmRoot"/>
+      </p:par>
+    </p:tnLst>
+  </p:timing>
 </p:sld>
 </file>
 
